--- a/project/발표용 ppt.pptx
+++ b/project/발표용 ppt.pptx
@@ -5,38 +5,42 @@
     <p:sldMasterId id="2147483648" r:id="rId1"/>
   </p:sldMasterIdLst>
   <p:notesMasterIdLst>
-    <p:notesMasterId r:id="rId14"/>
+    <p:notesMasterId r:id="rId18"/>
   </p:notesMasterIdLst>
   <p:sldIdLst>
     <p:sldId id="284" r:id="rId2"/>
     <p:sldId id="285" r:id="rId3"/>
     <p:sldId id="287" r:id="rId4"/>
-    <p:sldId id="278" r:id="rId5"/>
-    <p:sldId id="281" r:id="rId6"/>
-    <p:sldId id="259" r:id="rId7"/>
-    <p:sldId id="289" r:id="rId8"/>
-    <p:sldId id="290" r:id="rId9"/>
-    <p:sldId id="291" r:id="rId10"/>
-    <p:sldId id="288" r:id="rId11"/>
-    <p:sldId id="283" r:id="rId12"/>
-    <p:sldId id="286" r:id="rId13"/>
+    <p:sldId id="294" r:id="rId5"/>
+    <p:sldId id="292" r:id="rId6"/>
+    <p:sldId id="295" r:id="rId7"/>
+    <p:sldId id="293" r:id="rId8"/>
+    <p:sldId id="278" r:id="rId9"/>
+    <p:sldId id="281" r:id="rId10"/>
+    <p:sldId id="259" r:id="rId11"/>
+    <p:sldId id="289" r:id="rId12"/>
+    <p:sldId id="290" r:id="rId13"/>
+    <p:sldId id="291" r:id="rId14"/>
+    <p:sldId id="288" r:id="rId15"/>
+    <p:sldId id="283" r:id="rId16"/>
+    <p:sldId id="286" r:id="rId17"/>
   </p:sldIdLst>
   <p:sldSz cx="9144000" cy="6858000" type="screen4x3"/>
   <p:notesSz cx="6858000" cy="9144000"/>
   <p:embeddedFontLst>
     <p:embeddedFont>
-      <p:font typeface="나눔명조" charset="-127"/>
-      <p:regular r:id="rId15"/>
-      <p:bold r:id="rId16"/>
+      <p:font typeface="맑은 고딕" pitchFamily="50" charset="-127"/>
+      <p:regular r:id="rId19"/>
+      <p:bold r:id="rId20"/>
     </p:embeddedFont>
     <p:embeddedFont>
       <p:font typeface="나눔고딕" pitchFamily="50" charset="-127"/>
-      <p:regular r:id="rId17"/>
+      <p:regular r:id="rId21"/>
     </p:embeddedFont>
     <p:embeddedFont>
-      <p:font typeface="맑은 고딕" pitchFamily="50" charset="-127"/>
-      <p:regular r:id="rId18"/>
-      <p:bold r:id="rId19"/>
+      <p:font typeface="나눔명조" charset="-127"/>
+      <p:regular r:id="rId22"/>
+      <p:bold r:id="rId23"/>
     </p:embeddedFont>
   </p:embeddedFontLst>
   <p:defaultTextStyle>
@@ -420,11 +424,11 @@
         </c:dLbls>
         <c:marker val="1"/>
         <c:smooth val="0"/>
-        <c:axId val="34980608"/>
-        <c:axId val="34982528"/>
+        <c:axId val="48801664"/>
+        <c:axId val="48803200"/>
       </c:lineChart>
       <c:catAx>
-        <c:axId val="34980608"/>
+        <c:axId val="48801664"/>
         <c:scaling>
           <c:orientation val="minMax"/>
         </c:scaling>
@@ -462,7 +466,7 @@
             <a:endParaRPr lang="ko-KR"/>
           </a:p>
         </c:txPr>
-        <c:crossAx val="34982528"/>
+        <c:crossAx val="48803200"/>
         <c:crosses val="autoZero"/>
         <c:auto val="1"/>
         <c:lblAlgn val="ctr"/>
@@ -470,7 +474,7 @@
         <c:noMultiLvlLbl val="0"/>
       </c:catAx>
       <c:valAx>
-        <c:axId val="34982528"/>
+        <c:axId val="48803200"/>
         <c:scaling>
           <c:orientation val="minMax"/>
         </c:scaling>
@@ -515,7 +519,7 @@
             <a:endParaRPr lang="ko-KR"/>
           </a:p>
         </c:txPr>
-        <c:crossAx val="34980608"/>
+        <c:crossAx val="48801664"/>
         <c:crosses val="autoZero"/>
         <c:crossBetween val="between"/>
       </c:valAx>
@@ -770,11 +774,11 @@
           <c:showBubbleSize val="0"/>
         </c:dLbls>
         <c:gapWidth val="190"/>
-        <c:axId val="45583360"/>
-        <c:axId val="45593344"/>
+        <c:axId val="48758144"/>
+        <c:axId val="54662272"/>
       </c:barChart>
       <c:catAx>
-        <c:axId val="45583360"/>
+        <c:axId val="48758144"/>
         <c:scaling>
           <c:orientation val="minMax"/>
         </c:scaling>
@@ -802,7 +806,7 @@
             <a:endParaRPr lang="ko-KR"/>
           </a:p>
         </c:txPr>
-        <c:crossAx val="45593344"/>
+        <c:crossAx val="54662272"/>
         <c:crosses val="autoZero"/>
         <c:auto val="1"/>
         <c:lblAlgn val="ctr"/>
@@ -810,7 +814,7 @@
         <c:noMultiLvlLbl val="0"/>
       </c:catAx>
       <c:valAx>
-        <c:axId val="45593344"/>
+        <c:axId val="54662272"/>
         <c:scaling>
           <c:orientation val="minMax"/>
         </c:scaling>
@@ -855,7 +859,7 @@
             <a:endParaRPr lang="ko-KR"/>
           </a:p>
         </c:txPr>
-        <c:crossAx val="45583360"/>
+        <c:crossAx val="48758144"/>
         <c:crosses val="autoZero"/>
         <c:crossBetween val="between"/>
         <c:majorUnit val="1"/>
@@ -1141,11 +1145,11 @@
           <c:showPercent val="0"/>
           <c:showBubbleSize val="0"/>
         </c:dLbls>
-        <c:axId val="45851008"/>
-        <c:axId val="45852544"/>
+        <c:axId val="65871872"/>
+        <c:axId val="65873408"/>
       </c:areaChart>
       <c:catAx>
-        <c:axId val="45851008"/>
+        <c:axId val="65871872"/>
         <c:scaling>
           <c:orientation val="minMax"/>
         </c:scaling>
@@ -1174,7 +1178,7 @@
             <a:endParaRPr lang="ko-KR"/>
           </a:p>
         </c:txPr>
-        <c:crossAx val="45852544"/>
+        <c:crossAx val="65873408"/>
         <c:crosses val="autoZero"/>
         <c:auto val="1"/>
         <c:lblAlgn val="ctr"/>
@@ -1182,7 +1186,7 @@
         <c:noMultiLvlLbl val="0"/>
       </c:catAx>
       <c:valAx>
-        <c:axId val="45852544"/>
+        <c:axId val="65873408"/>
         <c:scaling>
           <c:orientation val="minMax"/>
         </c:scaling>
@@ -1227,7 +1231,7 @@
             <a:endParaRPr lang="ko-KR"/>
           </a:p>
         </c:txPr>
-        <c:crossAx val="45851008"/>
+        <c:crossAx val="65871872"/>
         <c:crosses val="autoZero"/>
         <c:crossBetween val="midCat"/>
         <c:majorUnit val="1"/>
@@ -4639,6 +4643,1910 @@
 </file>
 
 <file path=ppt/slides/slide10.xml><?xml version="1.0" encoding="utf-8"?>
+<p:sld xmlns:a="http://schemas.openxmlformats.org/drawingml/2006/main" xmlns:r="http://schemas.openxmlformats.org/officeDocument/2006/relationships" xmlns:p="http://schemas.openxmlformats.org/presentationml/2006/main">
+  <p:cSld>
+    <p:spTree>
+      <p:nvGrpSpPr>
+        <p:cNvPr id="1" name=""/>
+        <p:cNvGrpSpPr/>
+        <p:nvPr/>
+      </p:nvGrpSpPr>
+      <p:grpSpPr>
+        <a:xfrm>
+          <a:off x="0" y="0"/>
+          <a:ext cx="0" cy="0"/>
+          <a:chOff x="0" y="0"/>
+          <a:chExt cx="0" cy="0"/>
+        </a:xfrm>
+      </p:grpSpPr>
+      <p:sp>
+        <p:nvSpPr>
+          <p:cNvPr id="8" name="직사각형 7"/>
+          <p:cNvSpPr/>
+          <p:nvPr/>
+        </p:nvSpPr>
+        <p:spPr>
+          <a:xfrm>
+            <a:off x="323528" y="332657"/>
+            <a:ext cx="8496944" cy="1008111"/>
+          </a:xfrm>
+          <a:prstGeom prst="rect">
+            <a:avLst/>
+          </a:prstGeom>
+          <a:solidFill>
+            <a:srgbClr val="C00000"/>
+          </a:solidFill>
+          <a:ln>
+            <a:noFill/>
+          </a:ln>
+        </p:spPr>
+        <p:style>
+          <a:lnRef idx="2">
+            <a:schemeClr val="accent1">
+              <a:shade val="50000"/>
+            </a:schemeClr>
+          </a:lnRef>
+          <a:fillRef idx="1">
+            <a:schemeClr val="accent1"/>
+          </a:fillRef>
+          <a:effectRef idx="0">
+            <a:schemeClr val="accent1"/>
+          </a:effectRef>
+          <a:fontRef idx="minor">
+            <a:schemeClr val="lt1"/>
+          </a:fontRef>
+        </p:style>
+        <p:txBody>
+          <a:bodyPr rtlCol="0" anchor="ctr"/>
+          <a:lstStyle/>
+          <a:p>
+            <a:pPr algn="ctr"/>
+            <a:endParaRPr lang="ko-KR" altLang="en-US" dirty="0">
+              <a:solidFill>
+                <a:schemeClr val="accent2">
+                  <a:lumMod val="75000"/>
+                </a:schemeClr>
+              </a:solidFill>
+            </a:endParaRPr>
+          </a:p>
+        </p:txBody>
+      </p:sp>
+      <p:graphicFrame>
+        <p:nvGraphicFramePr>
+          <p:cNvPr id="10" name="차트 9"/>
+          <p:cNvGraphicFramePr/>
+          <p:nvPr/>
+        </p:nvGraphicFramePr>
+        <p:xfrm>
+          <a:off x="2438401" y="2562224"/>
+          <a:ext cx="6446702" cy="3667125"/>
+        </p:xfrm>
+        <a:graphic>
+          <a:graphicData uri="http://schemas.openxmlformats.org/drawingml/2006/chart">
+            <c:chart xmlns:c="http://schemas.openxmlformats.org/drawingml/2006/chart" xmlns:r="http://schemas.openxmlformats.org/officeDocument/2006/relationships" r:id="rId2"/>
+          </a:graphicData>
+        </a:graphic>
+      </p:graphicFrame>
+      <p:sp>
+        <p:nvSpPr>
+          <p:cNvPr id="17" name="TextBox 16"/>
+          <p:cNvSpPr txBox="1"/>
+          <p:nvPr/>
+        </p:nvSpPr>
+        <p:spPr>
+          <a:xfrm>
+            <a:off x="7380312" y="6453336"/>
+            <a:ext cx="1584176" cy="215444"/>
+          </a:xfrm>
+          <a:prstGeom prst="rect">
+            <a:avLst/>
+          </a:prstGeom>
+          <a:noFill/>
+        </p:spPr>
+        <p:txBody>
+          <a:bodyPr wrap="square" rtlCol="0">
+            <a:spAutoFit/>
+          </a:bodyPr>
+          <a:lstStyle/>
+          <a:p>
+            <a:pPr algn="r"/>
+            <a:fld id="{21D00E59-E25B-46AF-9A64-7B62E340CE45}" type="slidenum">
+              <a:rPr lang="en-US" altLang="ko-KR" sz="800" spc="-30" smtClean="0">
+                <a:solidFill>
+                  <a:schemeClr val="tx1">
+                    <a:lumMod val="50000"/>
+                    <a:lumOff val="50000"/>
+                  </a:schemeClr>
+                </a:solidFill>
+                <a:latin typeface="나눔고딕" pitchFamily="50" charset="-127"/>
+                <a:ea typeface="나눔고딕" pitchFamily="50" charset="-127"/>
+              </a:rPr>
+              <a:pPr algn="r"/>
+              <a:t>10</a:t>
+            </a:fld>
+            <a:r>
+              <a:rPr lang="en-US" altLang="ko-KR" sz="800" spc="-30" dirty="0" smtClean="0">
+                <a:solidFill>
+                  <a:schemeClr val="tx1">
+                    <a:lumMod val="50000"/>
+                    <a:lumOff val="50000"/>
+                  </a:schemeClr>
+                </a:solidFill>
+                <a:latin typeface="나눔고딕" pitchFamily="50" charset="-127"/>
+                <a:ea typeface="나눔고딕" pitchFamily="50" charset="-127"/>
+              </a:rPr>
+              <a:t> / 12</a:t>
+            </a:r>
+            <a:endParaRPr lang="en-US" altLang="ko-KR" sz="800" spc="-30" dirty="0">
+              <a:solidFill>
+                <a:schemeClr val="tx1">
+                  <a:lumMod val="50000"/>
+                  <a:lumOff val="50000"/>
+                </a:schemeClr>
+              </a:solidFill>
+              <a:latin typeface="나눔고딕" pitchFamily="50" charset="-127"/>
+              <a:ea typeface="나눔고딕" pitchFamily="50" charset="-127"/>
+            </a:endParaRPr>
+          </a:p>
+        </p:txBody>
+      </p:sp>
+      <p:sp>
+        <p:nvSpPr>
+          <p:cNvPr id="18" name="TextBox 17"/>
+          <p:cNvSpPr txBox="1"/>
+          <p:nvPr/>
+        </p:nvSpPr>
+        <p:spPr>
+          <a:xfrm>
+            <a:off x="2476211" y="1484784"/>
+            <a:ext cx="6344261" cy="1052596"/>
+          </a:xfrm>
+          <a:prstGeom prst="rect">
+            <a:avLst/>
+          </a:prstGeom>
+          <a:noFill/>
+        </p:spPr>
+        <p:txBody>
+          <a:bodyPr wrap="square" rtlCol="0">
+            <a:spAutoFit/>
+          </a:bodyPr>
+          <a:lstStyle/>
+          <a:p>
+            <a:pPr indent="-514350">
+              <a:lnSpc>
+                <a:spcPct val="120000"/>
+              </a:lnSpc>
+            </a:pPr>
+            <a:r>
+              <a:rPr lang="ko-KR" altLang="en-US" sz="1300" b="1" spc="-30" dirty="0" smtClean="0">
+                <a:solidFill>
+                  <a:schemeClr val="tx1">
+                    <a:lumMod val="65000"/>
+                    <a:lumOff val="35000"/>
+                  </a:schemeClr>
+                </a:solidFill>
+                <a:latin typeface="나눔명조" pitchFamily="18" charset="-127"/>
+                <a:ea typeface="나눔명조" pitchFamily="18" charset="-127"/>
+              </a:rPr>
+              <a:t>차트 예시 </a:t>
+            </a:r>
+            <a:r>
+              <a:rPr lang="en-US" altLang="ko-KR" sz="1300" b="1" spc="-30" dirty="0" smtClean="0">
+                <a:solidFill>
+                  <a:schemeClr val="tx1">
+                    <a:lumMod val="65000"/>
+                    <a:lumOff val="35000"/>
+                  </a:schemeClr>
+                </a:solidFill>
+                <a:latin typeface="나눔명조" pitchFamily="18" charset="-127"/>
+                <a:ea typeface="나눔명조" pitchFamily="18" charset="-127"/>
+              </a:rPr>
+              <a:t>:</a:t>
+            </a:r>
+          </a:p>
+          <a:p>
+            <a:pPr indent="-514350">
+              <a:lnSpc>
+                <a:spcPct val="120000"/>
+              </a:lnSpc>
+            </a:pPr>
+            <a:r>
+              <a:rPr lang="ko-KR" altLang="en-US" sz="1300" b="1" spc="-30" dirty="0" smtClean="0">
+                <a:solidFill>
+                  <a:srgbClr val="C00000"/>
+                </a:solidFill>
+                <a:latin typeface="나눔명조" pitchFamily="18" charset="-127"/>
+                <a:ea typeface="나눔명조" pitchFamily="18" charset="-127"/>
+              </a:rPr>
+              <a:t>삽입 </a:t>
+            </a:r>
+            <a:r>
+              <a:rPr lang="en-US" altLang="ko-KR" sz="1300" b="1" spc="-30" dirty="0" smtClean="0">
+                <a:solidFill>
+                  <a:srgbClr val="C00000"/>
+                </a:solidFill>
+                <a:latin typeface="나눔명조" pitchFamily="18" charset="-127"/>
+                <a:ea typeface="나눔명조" pitchFamily="18" charset="-127"/>
+              </a:rPr>
+              <a:t>&gt; </a:t>
+            </a:r>
+            <a:r>
+              <a:rPr lang="ko-KR" altLang="en-US" sz="1300" b="1" spc="-30" dirty="0" smtClean="0">
+                <a:solidFill>
+                  <a:srgbClr val="C00000"/>
+                </a:solidFill>
+                <a:latin typeface="나눔명조" pitchFamily="18" charset="-127"/>
+                <a:ea typeface="나눔명조" pitchFamily="18" charset="-127"/>
+              </a:rPr>
+              <a:t>차트</a:t>
+            </a:r>
+            <a:r>
+              <a:rPr lang="ko-KR" altLang="en-US" sz="1300" b="1" spc="-30" dirty="0" smtClean="0">
+                <a:solidFill>
+                  <a:schemeClr val="tx1">
+                    <a:lumMod val="65000"/>
+                    <a:lumOff val="35000"/>
+                  </a:schemeClr>
+                </a:solidFill>
+                <a:latin typeface="나눔명조" pitchFamily="18" charset="-127"/>
+                <a:ea typeface="나눔명조" pitchFamily="18" charset="-127"/>
+              </a:rPr>
+              <a:t>를</a:t>
+            </a:r>
+            <a:r>
+              <a:rPr lang="ko-KR" altLang="en-US" sz="1300" b="1" spc="-30" dirty="0" smtClean="0">
+                <a:solidFill>
+                  <a:srgbClr val="C00000"/>
+                </a:solidFill>
+                <a:latin typeface="나눔명조" pitchFamily="18" charset="-127"/>
+                <a:ea typeface="나눔명조" pitchFamily="18" charset="-127"/>
+              </a:rPr>
+              <a:t> </a:t>
+            </a:r>
+            <a:r>
+              <a:rPr lang="ko-KR" altLang="en-US" sz="1300" b="1" spc="-30" dirty="0" smtClean="0">
+                <a:solidFill>
+                  <a:schemeClr val="tx1">
+                    <a:lumMod val="65000"/>
+                    <a:lumOff val="35000"/>
+                  </a:schemeClr>
+                </a:solidFill>
+                <a:latin typeface="나눔명조" pitchFamily="18" charset="-127"/>
+                <a:ea typeface="나눔명조" pitchFamily="18" charset="-127"/>
+              </a:rPr>
+              <a:t>이용하여 다양한 차트형태를 구현할 수 있습니다</a:t>
+            </a:r>
+            <a:r>
+              <a:rPr lang="en-US" altLang="ko-KR" sz="1300" b="1" spc="-30" dirty="0" smtClean="0">
+                <a:solidFill>
+                  <a:schemeClr val="tx1">
+                    <a:lumMod val="65000"/>
+                    <a:lumOff val="35000"/>
+                  </a:schemeClr>
+                </a:solidFill>
+                <a:latin typeface="나눔명조" pitchFamily="18" charset="-127"/>
+                <a:ea typeface="나눔명조" pitchFamily="18" charset="-127"/>
+              </a:rPr>
+              <a:t>.</a:t>
+            </a:r>
+          </a:p>
+          <a:p>
+            <a:pPr indent="-514350">
+              <a:lnSpc>
+                <a:spcPct val="120000"/>
+              </a:lnSpc>
+            </a:pPr>
+            <a:r>
+              <a:rPr lang="ko-KR" altLang="en-US" sz="1300" b="1" spc="-30" dirty="0" smtClean="0">
+                <a:solidFill>
+                  <a:schemeClr val="tx1">
+                    <a:lumMod val="65000"/>
+                    <a:lumOff val="35000"/>
+                  </a:schemeClr>
+                </a:solidFill>
+                <a:latin typeface="나눔명조" pitchFamily="18" charset="-127"/>
+                <a:ea typeface="나눔명조" pitchFamily="18" charset="-127"/>
+              </a:rPr>
+              <a:t>표를 선택한 상태에서 </a:t>
+            </a:r>
+            <a:r>
+              <a:rPr lang="ko-KR" altLang="en-US" sz="1300" b="1" spc="-30" dirty="0" err="1" smtClean="0">
+                <a:solidFill>
+                  <a:schemeClr val="tx1">
+                    <a:lumMod val="65000"/>
+                    <a:lumOff val="35000"/>
+                  </a:schemeClr>
+                </a:solidFill>
+                <a:latin typeface="나눔명조" pitchFamily="18" charset="-127"/>
+                <a:ea typeface="나눔명조" pitchFamily="18" charset="-127"/>
+              </a:rPr>
+              <a:t>오른클릭을</a:t>
+            </a:r>
+            <a:r>
+              <a:rPr lang="ko-KR" altLang="en-US" sz="1300" b="1" spc="-30" dirty="0" smtClean="0">
+                <a:solidFill>
+                  <a:schemeClr val="tx1">
+                    <a:lumMod val="65000"/>
+                    <a:lumOff val="35000"/>
+                  </a:schemeClr>
+                </a:solidFill>
+                <a:latin typeface="나눔명조" pitchFamily="18" charset="-127"/>
+                <a:ea typeface="나눔명조" pitchFamily="18" charset="-127"/>
+              </a:rPr>
+              <a:t> 한 뒤</a:t>
+            </a:r>
+            <a:r>
+              <a:rPr lang="en-US" altLang="ko-KR" sz="1300" b="1" spc="-30" dirty="0" smtClean="0">
+                <a:solidFill>
+                  <a:schemeClr val="tx1">
+                    <a:lumMod val="65000"/>
+                    <a:lumOff val="35000"/>
+                  </a:schemeClr>
+                </a:solidFill>
+                <a:latin typeface="나눔명조" pitchFamily="18" charset="-127"/>
+                <a:ea typeface="나눔명조" pitchFamily="18" charset="-127"/>
+              </a:rPr>
+              <a:t>, </a:t>
+            </a:r>
+            <a:r>
+              <a:rPr lang="ko-KR" altLang="en-US" sz="1300" b="1" spc="-30" dirty="0" smtClean="0">
+                <a:solidFill>
+                  <a:srgbClr val="C00000"/>
+                </a:solidFill>
+                <a:latin typeface="나눔명조" pitchFamily="18" charset="-127"/>
+                <a:ea typeface="나눔명조" pitchFamily="18" charset="-127"/>
+              </a:rPr>
+              <a:t>데이터 편집</a:t>
+            </a:r>
+            <a:r>
+              <a:rPr lang="ko-KR" altLang="en-US" sz="1300" b="1" spc="-30" dirty="0" smtClean="0">
+                <a:solidFill>
+                  <a:schemeClr val="tx1">
+                    <a:lumMod val="65000"/>
+                    <a:lumOff val="35000"/>
+                  </a:schemeClr>
+                </a:solidFill>
+                <a:latin typeface="나눔명조" pitchFamily="18" charset="-127"/>
+                <a:ea typeface="나눔명조" pitchFamily="18" charset="-127"/>
+              </a:rPr>
+              <a:t>을 클릭하여</a:t>
+            </a:r>
+            <a:endParaRPr lang="en-US" altLang="ko-KR" sz="1300" b="1" spc="-30" dirty="0" smtClean="0">
+              <a:solidFill>
+                <a:schemeClr val="tx1">
+                  <a:lumMod val="65000"/>
+                  <a:lumOff val="35000"/>
+                </a:schemeClr>
+              </a:solidFill>
+              <a:latin typeface="나눔명조" pitchFamily="18" charset="-127"/>
+              <a:ea typeface="나눔명조" pitchFamily="18" charset="-127"/>
+            </a:endParaRPr>
+          </a:p>
+          <a:p>
+            <a:pPr indent="-514350">
+              <a:lnSpc>
+                <a:spcPct val="120000"/>
+              </a:lnSpc>
+            </a:pPr>
+            <a:r>
+              <a:rPr lang="ko-KR" altLang="en-US" sz="1300" b="1" spc="-30" dirty="0" smtClean="0">
+                <a:solidFill>
+                  <a:schemeClr val="tx1">
+                    <a:lumMod val="65000"/>
+                    <a:lumOff val="35000"/>
+                  </a:schemeClr>
+                </a:solidFill>
+                <a:latin typeface="나눔명조" pitchFamily="18" charset="-127"/>
+                <a:ea typeface="나눔명조" pitchFamily="18" charset="-127"/>
+              </a:rPr>
+              <a:t>실제 내용과 수치를 편집해 사용할 수 있습니다</a:t>
+            </a:r>
+            <a:r>
+              <a:rPr lang="en-US" altLang="ko-KR" sz="1300" b="1" spc="-30" dirty="0" smtClean="0">
+                <a:solidFill>
+                  <a:schemeClr val="tx1">
+                    <a:lumMod val="65000"/>
+                    <a:lumOff val="35000"/>
+                  </a:schemeClr>
+                </a:solidFill>
+                <a:latin typeface="나눔명조" pitchFamily="18" charset="-127"/>
+                <a:ea typeface="나눔명조" pitchFamily="18" charset="-127"/>
+              </a:rPr>
+              <a:t>.</a:t>
+            </a:r>
+            <a:endParaRPr lang="ko-KR" altLang="en-US" sz="1300" b="1" spc="-30" dirty="0">
+              <a:solidFill>
+                <a:schemeClr val="tx1">
+                  <a:lumMod val="65000"/>
+                  <a:lumOff val="35000"/>
+                </a:schemeClr>
+              </a:solidFill>
+              <a:latin typeface="나눔명조" pitchFamily="18" charset="-127"/>
+              <a:ea typeface="나눔명조" pitchFamily="18" charset="-127"/>
+            </a:endParaRPr>
+          </a:p>
+        </p:txBody>
+      </p:sp>
+      <p:sp>
+        <p:nvSpPr>
+          <p:cNvPr id="12" name="제목 11"/>
+          <p:cNvSpPr>
+            <a:spLocks noGrp="1"/>
+          </p:cNvSpPr>
+          <p:nvPr>
+            <p:ph type="title"/>
+          </p:nvPr>
+        </p:nvSpPr>
+        <p:spPr>
+          <a:xfrm>
+            <a:off x="390525" y="404664"/>
+            <a:ext cx="8229600" cy="864096"/>
+          </a:xfrm>
+        </p:spPr>
+        <p:txBody>
+          <a:bodyPr anchor="t">
+            <a:normAutofit/>
+          </a:bodyPr>
+          <a:lstStyle/>
+          <a:p>
+            <a:pPr algn="l"/>
+            <a:r>
+              <a:rPr lang="ko-KR" altLang="en-US" sz="2400" smtClean="0">
+                <a:solidFill>
+                  <a:schemeClr val="bg1"/>
+                </a:solidFill>
+              </a:rPr>
+              <a:t>차트</a:t>
+            </a:r>
+            <a:endParaRPr lang="ko-KR" altLang="en-US" sz="2400">
+              <a:solidFill>
+                <a:schemeClr val="bg1"/>
+              </a:solidFill>
+            </a:endParaRPr>
+          </a:p>
+        </p:txBody>
+      </p:sp>
+    </p:spTree>
+  </p:cSld>
+  <p:clrMapOvr>
+    <a:masterClrMapping/>
+  </p:clrMapOvr>
+</p:sld>
+</file>
+
+<file path=ppt/slides/slide11.xml><?xml version="1.0" encoding="utf-8"?>
+<p:sld xmlns:a="http://schemas.openxmlformats.org/drawingml/2006/main" xmlns:r="http://schemas.openxmlformats.org/officeDocument/2006/relationships" xmlns:p="http://schemas.openxmlformats.org/presentationml/2006/main">
+  <p:cSld>
+    <p:spTree>
+      <p:nvGrpSpPr>
+        <p:cNvPr id="1" name=""/>
+        <p:cNvGrpSpPr/>
+        <p:nvPr/>
+      </p:nvGrpSpPr>
+      <p:grpSpPr>
+        <a:xfrm>
+          <a:off x="0" y="0"/>
+          <a:ext cx="0" cy="0"/>
+          <a:chOff x="0" y="0"/>
+          <a:chExt cx="0" cy="0"/>
+        </a:xfrm>
+      </p:grpSpPr>
+      <p:sp>
+        <p:nvSpPr>
+          <p:cNvPr id="8" name="직사각형 7"/>
+          <p:cNvSpPr/>
+          <p:nvPr/>
+        </p:nvSpPr>
+        <p:spPr>
+          <a:xfrm>
+            <a:off x="323528" y="332657"/>
+            <a:ext cx="8496944" cy="1008111"/>
+          </a:xfrm>
+          <a:prstGeom prst="rect">
+            <a:avLst/>
+          </a:prstGeom>
+          <a:solidFill>
+            <a:srgbClr val="C00000"/>
+          </a:solidFill>
+          <a:ln>
+            <a:noFill/>
+          </a:ln>
+        </p:spPr>
+        <p:style>
+          <a:lnRef idx="2">
+            <a:schemeClr val="accent1">
+              <a:shade val="50000"/>
+            </a:schemeClr>
+          </a:lnRef>
+          <a:fillRef idx="1">
+            <a:schemeClr val="accent1"/>
+          </a:fillRef>
+          <a:effectRef idx="0">
+            <a:schemeClr val="accent1"/>
+          </a:effectRef>
+          <a:fontRef idx="minor">
+            <a:schemeClr val="lt1"/>
+          </a:fontRef>
+        </p:style>
+        <p:txBody>
+          <a:bodyPr rtlCol="0" anchor="ctr"/>
+          <a:lstStyle/>
+          <a:p>
+            <a:pPr algn="ctr"/>
+            <a:endParaRPr lang="ko-KR" altLang="en-US" dirty="0">
+              <a:solidFill>
+                <a:schemeClr val="accent2">
+                  <a:lumMod val="75000"/>
+                </a:schemeClr>
+              </a:solidFill>
+            </a:endParaRPr>
+          </a:p>
+        </p:txBody>
+      </p:sp>
+      <p:sp>
+        <p:nvSpPr>
+          <p:cNvPr id="17" name="TextBox 16"/>
+          <p:cNvSpPr txBox="1"/>
+          <p:nvPr/>
+        </p:nvSpPr>
+        <p:spPr>
+          <a:xfrm>
+            <a:off x="7380312" y="6453336"/>
+            <a:ext cx="1584176" cy="215444"/>
+          </a:xfrm>
+          <a:prstGeom prst="rect">
+            <a:avLst/>
+          </a:prstGeom>
+          <a:noFill/>
+        </p:spPr>
+        <p:txBody>
+          <a:bodyPr wrap="square" rtlCol="0">
+            <a:spAutoFit/>
+          </a:bodyPr>
+          <a:lstStyle/>
+          <a:p>
+            <a:pPr algn="r"/>
+            <a:fld id="{03E25BB7-FC86-429D-B366-39CDF756C3F2}" type="slidenum">
+              <a:rPr lang="en-US" altLang="ko-KR" sz="800" spc="-30" smtClean="0">
+                <a:solidFill>
+                  <a:schemeClr val="tx1">
+                    <a:lumMod val="50000"/>
+                    <a:lumOff val="50000"/>
+                  </a:schemeClr>
+                </a:solidFill>
+                <a:latin typeface="나눔고딕" pitchFamily="50" charset="-127"/>
+                <a:ea typeface="나눔고딕" pitchFamily="50" charset="-127"/>
+              </a:rPr>
+              <a:pPr algn="r"/>
+              <a:t>11</a:t>
+            </a:fld>
+            <a:r>
+              <a:rPr lang="en-US" altLang="ko-KR" sz="800" spc="-30" dirty="0" smtClean="0">
+                <a:solidFill>
+                  <a:schemeClr val="tx1">
+                    <a:lumMod val="50000"/>
+                    <a:lumOff val="50000"/>
+                  </a:schemeClr>
+                </a:solidFill>
+                <a:latin typeface="나눔고딕" pitchFamily="50" charset="-127"/>
+                <a:ea typeface="나눔고딕" pitchFamily="50" charset="-127"/>
+              </a:rPr>
+              <a:t> / 12</a:t>
+            </a:r>
+            <a:endParaRPr lang="en-US" altLang="ko-KR" sz="800" spc="-30" dirty="0">
+              <a:solidFill>
+                <a:schemeClr val="tx1">
+                  <a:lumMod val="50000"/>
+                  <a:lumOff val="50000"/>
+                </a:schemeClr>
+              </a:solidFill>
+              <a:latin typeface="나눔고딕" pitchFamily="50" charset="-127"/>
+              <a:ea typeface="나눔고딕" pitchFamily="50" charset="-127"/>
+            </a:endParaRPr>
+          </a:p>
+        </p:txBody>
+      </p:sp>
+      <p:sp>
+        <p:nvSpPr>
+          <p:cNvPr id="18" name="TextBox 17"/>
+          <p:cNvSpPr txBox="1"/>
+          <p:nvPr/>
+        </p:nvSpPr>
+        <p:spPr>
+          <a:xfrm>
+            <a:off x="2476211" y="1484784"/>
+            <a:ext cx="6272253" cy="1052596"/>
+          </a:xfrm>
+          <a:prstGeom prst="rect">
+            <a:avLst/>
+          </a:prstGeom>
+          <a:noFill/>
+        </p:spPr>
+        <p:txBody>
+          <a:bodyPr wrap="square" rtlCol="0">
+            <a:spAutoFit/>
+          </a:bodyPr>
+          <a:lstStyle/>
+          <a:p>
+            <a:pPr indent="-514350">
+              <a:lnSpc>
+                <a:spcPct val="120000"/>
+              </a:lnSpc>
+            </a:pPr>
+            <a:r>
+              <a:rPr lang="ko-KR" altLang="en-US" sz="1300" b="1" spc="-30" dirty="0" smtClean="0">
+                <a:solidFill>
+                  <a:schemeClr val="tx1">
+                    <a:lumMod val="65000"/>
+                    <a:lumOff val="35000"/>
+                  </a:schemeClr>
+                </a:solidFill>
+                <a:latin typeface="나눔명조" pitchFamily="18" charset="-127"/>
+                <a:ea typeface="나눔명조" pitchFamily="18" charset="-127"/>
+              </a:rPr>
+              <a:t>차트 예시 </a:t>
+            </a:r>
+            <a:r>
+              <a:rPr lang="en-US" altLang="ko-KR" sz="1300" b="1" spc="-30" dirty="0" smtClean="0">
+                <a:solidFill>
+                  <a:schemeClr val="tx1">
+                    <a:lumMod val="65000"/>
+                    <a:lumOff val="35000"/>
+                  </a:schemeClr>
+                </a:solidFill>
+                <a:latin typeface="나눔명조" pitchFamily="18" charset="-127"/>
+                <a:ea typeface="나눔명조" pitchFamily="18" charset="-127"/>
+              </a:rPr>
+              <a:t>:</a:t>
+            </a:r>
+          </a:p>
+          <a:p>
+            <a:pPr indent="-514350">
+              <a:lnSpc>
+                <a:spcPct val="120000"/>
+              </a:lnSpc>
+            </a:pPr>
+            <a:r>
+              <a:rPr lang="ko-KR" altLang="en-US" sz="1300" b="1" spc="-30" dirty="0" smtClean="0">
+                <a:solidFill>
+                  <a:srgbClr val="C00000"/>
+                </a:solidFill>
+                <a:latin typeface="나눔명조" pitchFamily="18" charset="-127"/>
+                <a:ea typeface="나눔명조" pitchFamily="18" charset="-127"/>
+              </a:rPr>
+              <a:t>삽입 </a:t>
+            </a:r>
+            <a:r>
+              <a:rPr lang="en-US" altLang="ko-KR" sz="1300" b="1" spc="-30" dirty="0" smtClean="0">
+                <a:solidFill>
+                  <a:srgbClr val="C00000"/>
+                </a:solidFill>
+                <a:latin typeface="나눔명조" pitchFamily="18" charset="-127"/>
+                <a:ea typeface="나눔명조" pitchFamily="18" charset="-127"/>
+              </a:rPr>
+              <a:t>&gt; </a:t>
+            </a:r>
+            <a:r>
+              <a:rPr lang="ko-KR" altLang="en-US" sz="1300" b="1" spc="-30" dirty="0" smtClean="0">
+                <a:solidFill>
+                  <a:srgbClr val="C00000"/>
+                </a:solidFill>
+                <a:latin typeface="나눔명조" pitchFamily="18" charset="-127"/>
+                <a:ea typeface="나눔명조" pitchFamily="18" charset="-127"/>
+              </a:rPr>
+              <a:t>차트</a:t>
+            </a:r>
+            <a:r>
+              <a:rPr lang="ko-KR" altLang="en-US" sz="1300" b="1" spc="-30" dirty="0" smtClean="0">
+                <a:solidFill>
+                  <a:schemeClr val="tx1">
+                    <a:lumMod val="65000"/>
+                    <a:lumOff val="35000"/>
+                  </a:schemeClr>
+                </a:solidFill>
+                <a:latin typeface="나눔명조" pitchFamily="18" charset="-127"/>
+                <a:ea typeface="나눔명조" pitchFamily="18" charset="-127"/>
+              </a:rPr>
+              <a:t>를</a:t>
+            </a:r>
+            <a:r>
+              <a:rPr lang="ko-KR" altLang="en-US" sz="1300" b="1" spc="-30" dirty="0" smtClean="0">
+                <a:solidFill>
+                  <a:srgbClr val="C00000"/>
+                </a:solidFill>
+                <a:latin typeface="나눔명조" pitchFamily="18" charset="-127"/>
+                <a:ea typeface="나눔명조" pitchFamily="18" charset="-127"/>
+              </a:rPr>
+              <a:t> </a:t>
+            </a:r>
+            <a:r>
+              <a:rPr lang="ko-KR" altLang="en-US" sz="1300" b="1" spc="-30" dirty="0" smtClean="0">
+                <a:solidFill>
+                  <a:schemeClr val="tx1">
+                    <a:lumMod val="65000"/>
+                    <a:lumOff val="35000"/>
+                  </a:schemeClr>
+                </a:solidFill>
+                <a:latin typeface="나눔명조" pitchFamily="18" charset="-127"/>
+                <a:ea typeface="나눔명조" pitchFamily="18" charset="-127"/>
+              </a:rPr>
+              <a:t>이용하여 다양한 차트형태를 구현할 수 있습니다</a:t>
+            </a:r>
+            <a:r>
+              <a:rPr lang="en-US" altLang="ko-KR" sz="1300" b="1" spc="-30" dirty="0" smtClean="0">
+                <a:solidFill>
+                  <a:schemeClr val="tx1">
+                    <a:lumMod val="65000"/>
+                    <a:lumOff val="35000"/>
+                  </a:schemeClr>
+                </a:solidFill>
+                <a:latin typeface="나눔명조" pitchFamily="18" charset="-127"/>
+                <a:ea typeface="나눔명조" pitchFamily="18" charset="-127"/>
+              </a:rPr>
+              <a:t>.</a:t>
+            </a:r>
+          </a:p>
+          <a:p>
+            <a:pPr indent="-514350">
+              <a:lnSpc>
+                <a:spcPct val="120000"/>
+              </a:lnSpc>
+            </a:pPr>
+            <a:r>
+              <a:rPr lang="ko-KR" altLang="en-US" sz="1300" b="1" spc="-30" dirty="0" smtClean="0">
+                <a:solidFill>
+                  <a:schemeClr val="tx1">
+                    <a:lumMod val="65000"/>
+                    <a:lumOff val="35000"/>
+                  </a:schemeClr>
+                </a:solidFill>
+                <a:latin typeface="나눔명조" pitchFamily="18" charset="-127"/>
+                <a:ea typeface="나눔명조" pitchFamily="18" charset="-127"/>
+              </a:rPr>
+              <a:t>표를 선택한 상태에서 </a:t>
+            </a:r>
+            <a:r>
+              <a:rPr lang="ko-KR" altLang="en-US" sz="1300" b="1" spc="-30" dirty="0" err="1" smtClean="0">
+                <a:solidFill>
+                  <a:schemeClr val="tx1">
+                    <a:lumMod val="65000"/>
+                    <a:lumOff val="35000"/>
+                  </a:schemeClr>
+                </a:solidFill>
+                <a:latin typeface="나눔명조" pitchFamily="18" charset="-127"/>
+                <a:ea typeface="나눔명조" pitchFamily="18" charset="-127"/>
+              </a:rPr>
+              <a:t>오른클릭을</a:t>
+            </a:r>
+            <a:r>
+              <a:rPr lang="ko-KR" altLang="en-US" sz="1300" b="1" spc="-30" dirty="0" smtClean="0">
+                <a:solidFill>
+                  <a:schemeClr val="tx1">
+                    <a:lumMod val="65000"/>
+                    <a:lumOff val="35000"/>
+                  </a:schemeClr>
+                </a:solidFill>
+                <a:latin typeface="나눔명조" pitchFamily="18" charset="-127"/>
+                <a:ea typeface="나눔명조" pitchFamily="18" charset="-127"/>
+              </a:rPr>
+              <a:t> 한 뒤</a:t>
+            </a:r>
+            <a:r>
+              <a:rPr lang="en-US" altLang="ko-KR" sz="1300" b="1" spc="-30" dirty="0" smtClean="0">
+                <a:solidFill>
+                  <a:schemeClr val="tx1">
+                    <a:lumMod val="65000"/>
+                    <a:lumOff val="35000"/>
+                  </a:schemeClr>
+                </a:solidFill>
+                <a:latin typeface="나눔명조" pitchFamily="18" charset="-127"/>
+                <a:ea typeface="나눔명조" pitchFamily="18" charset="-127"/>
+              </a:rPr>
+              <a:t>, </a:t>
+            </a:r>
+            <a:r>
+              <a:rPr lang="ko-KR" altLang="en-US" sz="1300" b="1" spc="-30" dirty="0" smtClean="0">
+                <a:solidFill>
+                  <a:srgbClr val="C00000"/>
+                </a:solidFill>
+                <a:latin typeface="나눔명조" pitchFamily="18" charset="-127"/>
+                <a:ea typeface="나눔명조" pitchFamily="18" charset="-127"/>
+              </a:rPr>
+              <a:t>데이터 편집</a:t>
+            </a:r>
+            <a:r>
+              <a:rPr lang="ko-KR" altLang="en-US" sz="1300" b="1" spc="-30" dirty="0" smtClean="0">
+                <a:solidFill>
+                  <a:schemeClr val="tx1">
+                    <a:lumMod val="65000"/>
+                    <a:lumOff val="35000"/>
+                  </a:schemeClr>
+                </a:solidFill>
+                <a:latin typeface="나눔명조" pitchFamily="18" charset="-127"/>
+                <a:ea typeface="나눔명조" pitchFamily="18" charset="-127"/>
+              </a:rPr>
+              <a:t>을 클릭하여</a:t>
+            </a:r>
+            <a:endParaRPr lang="en-US" altLang="ko-KR" sz="1300" b="1" spc="-30" dirty="0" smtClean="0">
+              <a:solidFill>
+                <a:schemeClr val="tx1">
+                  <a:lumMod val="65000"/>
+                  <a:lumOff val="35000"/>
+                </a:schemeClr>
+              </a:solidFill>
+              <a:latin typeface="나눔명조" pitchFamily="18" charset="-127"/>
+              <a:ea typeface="나눔명조" pitchFamily="18" charset="-127"/>
+            </a:endParaRPr>
+          </a:p>
+          <a:p>
+            <a:pPr indent="-514350">
+              <a:lnSpc>
+                <a:spcPct val="120000"/>
+              </a:lnSpc>
+            </a:pPr>
+            <a:r>
+              <a:rPr lang="ko-KR" altLang="en-US" sz="1300" b="1" spc="-30" dirty="0" smtClean="0">
+                <a:solidFill>
+                  <a:schemeClr val="tx1">
+                    <a:lumMod val="65000"/>
+                    <a:lumOff val="35000"/>
+                  </a:schemeClr>
+                </a:solidFill>
+                <a:latin typeface="나눔명조" pitchFamily="18" charset="-127"/>
+                <a:ea typeface="나눔명조" pitchFamily="18" charset="-127"/>
+              </a:rPr>
+              <a:t>실제 내용과 수치를 편집해 사용할 수 있습니다</a:t>
+            </a:r>
+            <a:r>
+              <a:rPr lang="en-US" altLang="ko-KR" sz="1300" b="1" spc="-30" dirty="0" smtClean="0">
+                <a:solidFill>
+                  <a:schemeClr val="tx1">
+                    <a:lumMod val="65000"/>
+                    <a:lumOff val="35000"/>
+                  </a:schemeClr>
+                </a:solidFill>
+                <a:latin typeface="나눔명조" pitchFamily="18" charset="-127"/>
+                <a:ea typeface="나눔명조" pitchFamily="18" charset="-127"/>
+              </a:rPr>
+              <a:t>.</a:t>
+            </a:r>
+            <a:endParaRPr lang="ko-KR" altLang="en-US" sz="1300" b="1" spc="-30" dirty="0">
+              <a:solidFill>
+                <a:schemeClr val="tx1">
+                  <a:lumMod val="65000"/>
+                  <a:lumOff val="35000"/>
+                </a:schemeClr>
+              </a:solidFill>
+              <a:latin typeface="나눔명조" pitchFamily="18" charset="-127"/>
+              <a:ea typeface="나눔명조" pitchFamily="18" charset="-127"/>
+            </a:endParaRPr>
+          </a:p>
+        </p:txBody>
+      </p:sp>
+      <p:graphicFrame>
+        <p:nvGraphicFramePr>
+          <p:cNvPr id="11" name="차트 10"/>
+          <p:cNvGraphicFramePr/>
+          <p:nvPr/>
+        </p:nvGraphicFramePr>
+        <p:xfrm>
+          <a:off x="2411506" y="2852936"/>
+          <a:ext cx="6407824" cy="3374405"/>
+        </p:xfrm>
+        <a:graphic>
+          <a:graphicData uri="http://schemas.openxmlformats.org/drawingml/2006/chart">
+            <c:chart xmlns:c="http://schemas.openxmlformats.org/drawingml/2006/chart" xmlns:r="http://schemas.openxmlformats.org/officeDocument/2006/relationships" r:id="rId2"/>
+          </a:graphicData>
+        </a:graphic>
+      </p:graphicFrame>
+      <p:sp>
+        <p:nvSpPr>
+          <p:cNvPr id="12" name="제목 11"/>
+          <p:cNvSpPr>
+            <a:spLocks noGrp="1"/>
+          </p:cNvSpPr>
+          <p:nvPr>
+            <p:ph type="title"/>
+          </p:nvPr>
+        </p:nvSpPr>
+        <p:spPr>
+          <a:xfrm>
+            <a:off x="389706" y="404267"/>
+            <a:ext cx="8229600" cy="864493"/>
+          </a:xfrm>
+        </p:spPr>
+        <p:txBody>
+          <a:bodyPr anchor="t">
+            <a:normAutofit/>
+          </a:bodyPr>
+          <a:lstStyle/>
+          <a:p>
+            <a:pPr algn="l"/>
+            <a:r>
+              <a:rPr lang="ko-KR" altLang="en-US" sz="2400" smtClean="0">
+                <a:solidFill>
+                  <a:schemeClr val="bg1"/>
+                </a:solidFill>
+              </a:rPr>
+              <a:t>차트</a:t>
+            </a:r>
+            <a:endParaRPr lang="ko-KR" altLang="en-US" sz="2400">
+              <a:solidFill>
+                <a:schemeClr val="bg1"/>
+              </a:solidFill>
+            </a:endParaRPr>
+          </a:p>
+        </p:txBody>
+      </p:sp>
+    </p:spTree>
+  </p:cSld>
+  <p:clrMapOvr>
+    <a:masterClrMapping/>
+  </p:clrMapOvr>
+</p:sld>
+</file>
+
+<file path=ppt/slides/slide12.xml><?xml version="1.0" encoding="utf-8"?>
+<p:sld xmlns:a="http://schemas.openxmlformats.org/drawingml/2006/main" xmlns:r="http://schemas.openxmlformats.org/officeDocument/2006/relationships" xmlns:p="http://schemas.openxmlformats.org/presentationml/2006/main">
+  <p:cSld>
+    <p:spTree>
+      <p:nvGrpSpPr>
+        <p:cNvPr id="1" name=""/>
+        <p:cNvGrpSpPr/>
+        <p:nvPr/>
+      </p:nvGrpSpPr>
+      <p:grpSpPr>
+        <a:xfrm>
+          <a:off x="0" y="0"/>
+          <a:ext cx="0" cy="0"/>
+          <a:chOff x="0" y="0"/>
+          <a:chExt cx="0" cy="0"/>
+        </a:xfrm>
+      </p:grpSpPr>
+      <p:graphicFrame>
+        <p:nvGraphicFramePr>
+          <p:cNvPr id="10" name="차트 9"/>
+          <p:cNvGraphicFramePr/>
+          <p:nvPr/>
+        </p:nvGraphicFramePr>
+        <p:xfrm>
+          <a:off x="2187388" y="1514475"/>
+          <a:ext cx="6836477" cy="5343525"/>
+        </p:xfrm>
+        <a:graphic>
+          <a:graphicData uri="http://schemas.openxmlformats.org/drawingml/2006/chart">
+            <c:chart xmlns:c="http://schemas.openxmlformats.org/drawingml/2006/chart" xmlns:r="http://schemas.openxmlformats.org/officeDocument/2006/relationships" r:id="rId2"/>
+          </a:graphicData>
+        </a:graphic>
+      </p:graphicFrame>
+      <p:sp>
+        <p:nvSpPr>
+          <p:cNvPr id="8" name="직사각형 7"/>
+          <p:cNvSpPr/>
+          <p:nvPr/>
+        </p:nvSpPr>
+        <p:spPr>
+          <a:xfrm>
+            <a:off x="323528" y="332657"/>
+            <a:ext cx="8496944" cy="1008111"/>
+          </a:xfrm>
+          <a:prstGeom prst="rect">
+            <a:avLst/>
+          </a:prstGeom>
+          <a:solidFill>
+            <a:srgbClr val="C00000"/>
+          </a:solidFill>
+          <a:ln>
+            <a:noFill/>
+          </a:ln>
+        </p:spPr>
+        <p:style>
+          <a:lnRef idx="2">
+            <a:schemeClr val="accent1">
+              <a:shade val="50000"/>
+            </a:schemeClr>
+          </a:lnRef>
+          <a:fillRef idx="1">
+            <a:schemeClr val="accent1"/>
+          </a:fillRef>
+          <a:effectRef idx="0">
+            <a:schemeClr val="accent1"/>
+          </a:effectRef>
+          <a:fontRef idx="minor">
+            <a:schemeClr val="lt1"/>
+          </a:fontRef>
+        </p:style>
+        <p:txBody>
+          <a:bodyPr rtlCol="0" anchor="ctr"/>
+          <a:lstStyle/>
+          <a:p>
+            <a:pPr algn="ctr"/>
+            <a:endParaRPr lang="ko-KR" altLang="en-US" dirty="0">
+              <a:solidFill>
+                <a:schemeClr val="accent2">
+                  <a:lumMod val="75000"/>
+                </a:schemeClr>
+              </a:solidFill>
+            </a:endParaRPr>
+          </a:p>
+        </p:txBody>
+      </p:sp>
+      <p:sp>
+        <p:nvSpPr>
+          <p:cNvPr id="17" name="TextBox 16"/>
+          <p:cNvSpPr txBox="1"/>
+          <p:nvPr/>
+        </p:nvSpPr>
+        <p:spPr>
+          <a:xfrm>
+            <a:off x="7380312" y="6453336"/>
+            <a:ext cx="1584176" cy="215444"/>
+          </a:xfrm>
+          <a:prstGeom prst="rect">
+            <a:avLst/>
+          </a:prstGeom>
+          <a:noFill/>
+        </p:spPr>
+        <p:txBody>
+          <a:bodyPr wrap="square" rtlCol="0">
+            <a:spAutoFit/>
+          </a:bodyPr>
+          <a:lstStyle/>
+          <a:p>
+            <a:pPr algn="r"/>
+            <a:fld id="{F21F0D38-7387-499E-A9A8-C0EA851748E4}" type="slidenum">
+              <a:rPr lang="en-US" altLang="ko-KR" sz="800" spc="-30" smtClean="0">
+                <a:solidFill>
+                  <a:schemeClr val="tx1">
+                    <a:lumMod val="50000"/>
+                    <a:lumOff val="50000"/>
+                  </a:schemeClr>
+                </a:solidFill>
+                <a:latin typeface="나눔고딕" pitchFamily="50" charset="-127"/>
+                <a:ea typeface="나눔고딕" pitchFamily="50" charset="-127"/>
+              </a:rPr>
+              <a:pPr algn="r"/>
+              <a:t>12</a:t>
+            </a:fld>
+            <a:r>
+              <a:rPr lang="en-US" altLang="ko-KR" sz="800" spc="-30" dirty="0" smtClean="0">
+                <a:solidFill>
+                  <a:schemeClr val="tx1">
+                    <a:lumMod val="50000"/>
+                    <a:lumOff val="50000"/>
+                  </a:schemeClr>
+                </a:solidFill>
+                <a:latin typeface="나눔고딕" pitchFamily="50" charset="-127"/>
+                <a:ea typeface="나눔고딕" pitchFamily="50" charset="-127"/>
+              </a:rPr>
+              <a:t> / 12</a:t>
+            </a:r>
+            <a:endParaRPr lang="en-US" altLang="ko-KR" sz="800" spc="-30" dirty="0">
+              <a:solidFill>
+                <a:schemeClr val="tx1">
+                  <a:lumMod val="50000"/>
+                  <a:lumOff val="50000"/>
+                </a:schemeClr>
+              </a:solidFill>
+              <a:latin typeface="나눔고딕" pitchFamily="50" charset="-127"/>
+              <a:ea typeface="나눔고딕" pitchFamily="50" charset="-127"/>
+            </a:endParaRPr>
+          </a:p>
+        </p:txBody>
+      </p:sp>
+      <p:sp>
+        <p:nvSpPr>
+          <p:cNvPr id="18" name="TextBox 17"/>
+          <p:cNvSpPr txBox="1"/>
+          <p:nvPr/>
+        </p:nvSpPr>
+        <p:spPr>
+          <a:xfrm>
+            <a:off x="2476211" y="1484784"/>
+            <a:ext cx="6272253" cy="1052596"/>
+          </a:xfrm>
+          <a:prstGeom prst="rect">
+            <a:avLst/>
+          </a:prstGeom>
+          <a:noFill/>
+        </p:spPr>
+        <p:txBody>
+          <a:bodyPr wrap="square" rtlCol="0">
+            <a:spAutoFit/>
+          </a:bodyPr>
+          <a:lstStyle/>
+          <a:p>
+            <a:pPr indent="-514350">
+              <a:lnSpc>
+                <a:spcPct val="120000"/>
+              </a:lnSpc>
+            </a:pPr>
+            <a:r>
+              <a:rPr lang="ko-KR" altLang="en-US" sz="1300" b="1" spc="-30" dirty="0" smtClean="0">
+                <a:solidFill>
+                  <a:schemeClr val="tx1">
+                    <a:lumMod val="65000"/>
+                    <a:lumOff val="35000"/>
+                  </a:schemeClr>
+                </a:solidFill>
+                <a:latin typeface="나눔명조" pitchFamily="18" charset="-127"/>
+                <a:ea typeface="나눔명조" pitchFamily="18" charset="-127"/>
+              </a:rPr>
+              <a:t>차트 예시 </a:t>
+            </a:r>
+            <a:r>
+              <a:rPr lang="en-US" altLang="ko-KR" sz="1300" b="1" spc="-30" dirty="0" smtClean="0">
+                <a:solidFill>
+                  <a:schemeClr val="tx1">
+                    <a:lumMod val="65000"/>
+                    <a:lumOff val="35000"/>
+                  </a:schemeClr>
+                </a:solidFill>
+                <a:latin typeface="나눔명조" pitchFamily="18" charset="-127"/>
+                <a:ea typeface="나눔명조" pitchFamily="18" charset="-127"/>
+              </a:rPr>
+              <a:t>:</a:t>
+            </a:r>
+          </a:p>
+          <a:p>
+            <a:pPr indent="-514350">
+              <a:lnSpc>
+                <a:spcPct val="120000"/>
+              </a:lnSpc>
+            </a:pPr>
+            <a:r>
+              <a:rPr lang="ko-KR" altLang="en-US" sz="1300" b="1" spc="-30" dirty="0" smtClean="0">
+                <a:solidFill>
+                  <a:srgbClr val="C00000"/>
+                </a:solidFill>
+                <a:latin typeface="나눔명조" pitchFamily="18" charset="-127"/>
+                <a:ea typeface="나눔명조" pitchFamily="18" charset="-127"/>
+              </a:rPr>
+              <a:t>삽입 </a:t>
+            </a:r>
+            <a:r>
+              <a:rPr lang="en-US" altLang="ko-KR" sz="1300" b="1" spc="-30" dirty="0" smtClean="0">
+                <a:solidFill>
+                  <a:srgbClr val="C00000"/>
+                </a:solidFill>
+                <a:latin typeface="나눔명조" pitchFamily="18" charset="-127"/>
+                <a:ea typeface="나눔명조" pitchFamily="18" charset="-127"/>
+              </a:rPr>
+              <a:t>&gt; </a:t>
+            </a:r>
+            <a:r>
+              <a:rPr lang="ko-KR" altLang="en-US" sz="1300" b="1" spc="-30" dirty="0" smtClean="0">
+                <a:solidFill>
+                  <a:srgbClr val="C00000"/>
+                </a:solidFill>
+                <a:latin typeface="나눔명조" pitchFamily="18" charset="-127"/>
+                <a:ea typeface="나눔명조" pitchFamily="18" charset="-127"/>
+              </a:rPr>
+              <a:t>차트</a:t>
+            </a:r>
+            <a:r>
+              <a:rPr lang="ko-KR" altLang="en-US" sz="1300" b="1" spc="-30" dirty="0" smtClean="0">
+                <a:solidFill>
+                  <a:schemeClr val="tx1">
+                    <a:lumMod val="65000"/>
+                    <a:lumOff val="35000"/>
+                  </a:schemeClr>
+                </a:solidFill>
+                <a:latin typeface="나눔명조" pitchFamily="18" charset="-127"/>
+                <a:ea typeface="나눔명조" pitchFamily="18" charset="-127"/>
+              </a:rPr>
+              <a:t>를</a:t>
+            </a:r>
+            <a:r>
+              <a:rPr lang="ko-KR" altLang="en-US" sz="1300" b="1" spc="-30" dirty="0" smtClean="0">
+                <a:solidFill>
+                  <a:srgbClr val="C00000"/>
+                </a:solidFill>
+                <a:latin typeface="나눔명조" pitchFamily="18" charset="-127"/>
+                <a:ea typeface="나눔명조" pitchFamily="18" charset="-127"/>
+              </a:rPr>
+              <a:t> </a:t>
+            </a:r>
+            <a:r>
+              <a:rPr lang="ko-KR" altLang="en-US" sz="1300" b="1" spc="-30" dirty="0" smtClean="0">
+                <a:solidFill>
+                  <a:schemeClr val="tx1">
+                    <a:lumMod val="65000"/>
+                    <a:lumOff val="35000"/>
+                  </a:schemeClr>
+                </a:solidFill>
+                <a:latin typeface="나눔명조" pitchFamily="18" charset="-127"/>
+                <a:ea typeface="나눔명조" pitchFamily="18" charset="-127"/>
+              </a:rPr>
+              <a:t>이용하여 다양한 차트형태를 구현할 수 있습니다</a:t>
+            </a:r>
+            <a:r>
+              <a:rPr lang="en-US" altLang="ko-KR" sz="1300" b="1" spc="-30" dirty="0" smtClean="0">
+                <a:solidFill>
+                  <a:schemeClr val="tx1">
+                    <a:lumMod val="65000"/>
+                    <a:lumOff val="35000"/>
+                  </a:schemeClr>
+                </a:solidFill>
+                <a:latin typeface="나눔명조" pitchFamily="18" charset="-127"/>
+                <a:ea typeface="나눔명조" pitchFamily="18" charset="-127"/>
+              </a:rPr>
+              <a:t>.</a:t>
+            </a:r>
+          </a:p>
+          <a:p>
+            <a:pPr indent="-514350">
+              <a:lnSpc>
+                <a:spcPct val="120000"/>
+              </a:lnSpc>
+            </a:pPr>
+            <a:r>
+              <a:rPr lang="ko-KR" altLang="en-US" sz="1300" b="1" spc="-30" dirty="0" smtClean="0">
+                <a:solidFill>
+                  <a:schemeClr val="tx1">
+                    <a:lumMod val="65000"/>
+                    <a:lumOff val="35000"/>
+                  </a:schemeClr>
+                </a:solidFill>
+                <a:latin typeface="나눔명조" pitchFamily="18" charset="-127"/>
+                <a:ea typeface="나눔명조" pitchFamily="18" charset="-127"/>
+              </a:rPr>
+              <a:t>표를 선택한 상태에서 </a:t>
+            </a:r>
+            <a:r>
+              <a:rPr lang="ko-KR" altLang="en-US" sz="1300" b="1" spc="-30" dirty="0" err="1" smtClean="0">
+                <a:solidFill>
+                  <a:schemeClr val="tx1">
+                    <a:lumMod val="65000"/>
+                    <a:lumOff val="35000"/>
+                  </a:schemeClr>
+                </a:solidFill>
+                <a:latin typeface="나눔명조" pitchFamily="18" charset="-127"/>
+                <a:ea typeface="나눔명조" pitchFamily="18" charset="-127"/>
+              </a:rPr>
+              <a:t>오른클릭을</a:t>
+            </a:r>
+            <a:r>
+              <a:rPr lang="ko-KR" altLang="en-US" sz="1300" b="1" spc="-30" dirty="0" smtClean="0">
+                <a:solidFill>
+                  <a:schemeClr val="tx1">
+                    <a:lumMod val="65000"/>
+                    <a:lumOff val="35000"/>
+                  </a:schemeClr>
+                </a:solidFill>
+                <a:latin typeface="나눔명조" pitchFamily="18" charset="-127"/>
+                <a:ea typeface="나눔명조" pitchFamily="18" charset="-127"/>
+              </a:rPr>
+              <a:t> 한 뒤</a:t>
+            </a:r>
+            <a:r>
+              <a:rPr lang="en-US" altLang="ko-KR" sz="1300" b="1" spc="-30" dirty="0" smtClean="0">
+                <a:solidFill>
+                  <a:schemeClr val="tx1">
+                    <a:lumMod val="65000"/>
+                    <a:lumOff val="35000"/>
+                  </a:schemeClr>
+                </a:solidFill>
+                <a:latin typeface="나눔명조" pitchFamily="18" charset="-127"/>
+                <a:ea typeface="나눔명조" pitchFamily="18" charset="-127"/>
+              </a:rPr>
+              <a:t>, </a:t>
+            </a:r>
+            <a:r>
+              <a:rPr lang="ko-KR" altLang="en-US" sz="1300" b="1" spc="-30" dirty="0" smtClean="0">
+                <a:solidFill>
+                  <a:srgbClr val="C00000"/>
+                </a:solidFill>
+                <a:latin typeface="나눔명조" pitchFamily="18" charset="-127"/>
+                <a:ea typeface="나눔명조" pitchFamily="18" charset="-127"/>
+              </a:rPr>
+              <a:t>데이터 편집</a:t>
+            </a:r>
+            <a:r>
+              <a:rPr lang="ko-KR" altLang="en-US" sz="1300" b="1" spc="-30" dirty="0" smtClean="0">
+                <a:solidFill>
+                  <a:schemeClr val="tx1">
+                    <a:lumMod val="65000"/>
+                    <a:lumOff val="35000"/>
+                  </a:schemeClr>
+                </a:solidFill>
+                <a:latin typeface="나눔명조" pitchFamily="18" charset="-127"/>
+                <a:ea typeface="나눔명조" pitchFamily="18" charset="-127"/>
+              </a:rPr>
+              <a:t>을 클릭하여</a:t>
+            </a:r>
+            <a:endParaRPr lang="en-US" altLang="ko-KR" sz="1300" b="1" spc="-30" dirty="0" smtClean="0">
+              <a:solidFill>
+                <a:schemeClr val="tx1">
+                  <a:lumMod val="65000"/>
+                  <a:lumOff val="35000"/>
+                </a:schemeClr>
+              </a:solidFill>
+              <a:latin typeface="나눔명조" pitchFamily="18" charset="-127"/>
+              <a:ea typeface="나눔명조" pitchFamily="18" charset="-127"/>
+            </a:endParaRPr>
+          </a:p>
+          <a:p>
+            <a:pPr indent="-514350">
+              <a:lnSpc>
+                <a:spcPct val="120000"/>
+              </a:lnSpc>
+            </a:pPr>
+            <a:r>
+              <a:rPr lang="ko-KR" altLang="en-US" sz="1300" b="1" spc="-30" dirty="0" smtClean="0">
+                <a:solidFill>
+                  <a:schemeClr val="tx1">
+                    <a:lumMod val="65000"/>
+                    <a:lumOff val="35000"/>
+                  </a:schemeClr>
+                </a:solidFill>
+                <a:latin typeface="나눔명조" pitchFamily="18" charset="-127"/>
+                <a:ea typeface="나눔명조" pitchFamily="18" charset="-127"/>
+              </a:rPr>
+              <a:t>실제 내용과 수치를 편집해 사용할 수 있습니다</a:t>
+            </a:r>
+            <a:r>
+              <a:rPr lang="en-US" altLang="ko-KR" sz="1300" b="1" spc="-30" dirty="0" smtClean="0">
+                <a:solidFill>
+                  <a:schemeClr val="tx1">
+                    <a:lumMod val="65000"/>
+                    <a:lumOff val="35000"/>
+                  </a:schemeClr>
+                </a:solidFill>
+                <a:latin typeface="나눔명조" pitchFamily="18" charset="-127"/>
+                <a:ea typeface="나눔명조" pitchFamily="18" charset="-127"/>
+              </a:rPr>
+              <a:t>.</a:t>
+            </a:r>
+            <a:endParaRPr lang="ko-KR" altLang="en-US" sz="1300" b="1" spc="-30" dirty="0">
+              <a:solidFill>
+                <a:schemeClr val="tx1">
+                  <a:lumMod val="65000"/>
+                  <a:lumOff val="35000"/>
+                </a:schemeClr>
+              </a:solidFill>
+              <a:latin typeface="나눔명조" pitchFamily="18" charset="-127"/>
+              <a:ea typeface="나눔명조" pitchFamily="18" charset="-127"/>
+            </a:endParaRPr>
+          </a:p>
+        </p:txBody>
+      </p:sp>
+      <p:sp>
+        <p:nvSpPr>
+          <p:cNvPr id="12" name="제목 11"/>
+          <p:cNvSpPr>
+            <a:spLocks noGrp="1"/>
+          </p:cNvSpPr>
+          <p:nvPr>
+            <p:ph type="title"/>
+          </p:nvPr>
+        </p:nvSpPr>
+        <p:spPr>
+          <a:xfrm>
+            <a:off x="395536" y="404267"/>
+            <a:ext cx="8229600" cy="1143000"/>
+          </a:xfrm>
+        </p:spPr>
+        <p:txBody>
+          <a:bodyPr anchor="t">
+            <a:normAutofit/>
+          </a:bodyPr>
+          <a:lstStyle/>
+          <a:p>
+            <a:pPr algn="l"/>
+            <a:r>
+              <a:rPr lang="ko-KR" altLang="en-US" sz="2400" smtClean="0">
+                <a:solidFill>
+                  <a:schemeClr val="bg1"/>
+                </a:solidFill>
+              </a:rPr>
+              <a:t>차트</a:t>
+            </a:r>
+            <a:endParaRPr lang="ko-KR" altLang="en-US" sz="2400">
+              <a:solidFill>
+                <a:schemeClr val="bg1"/>
+              </a:solidFill>
+            </a:endParaRPr>
+          </a:p>
+        </p:txBody>
+      </p:sp>
+    </p:spTree>
+  </p:cSld>
+  <p:clrMapOvr>
+    <a:masterClrMapping/>
+  </p:clrMapOvr>
+</p:sld>
+</file>
+
+<file path=ppt/slides/slide13.xml><?xml version="1.0" encoding="utf-8"?>
+<p:sld xmlns:a="http://schemas.openxmlformats.org/drawingml/2006/main" xmlns:r="http://schemas.openxmlformats.org/officeDocument/2006/relationships" xmlns:p="http://schemas.openxmlformats.org/presentationml/2006/main">
+  <p:cSld>
+    <p:spTree>
+      <p:nvGrpSpPr>
+        <p:cNvPr id="1" name=""/>
+        <p:cNvGrpSpPr/>
+        <p:nvPr/>
+      </p:nvGrpSpPr>
+      <p:grpSpPr>
+        <a:xfrm>
+          <a:off x="0" y="0"/>
+          <a:ext cx="0" cy="0"/>
+          <a:chOff x="0" y="0"/>
+          <a:chExt cx="0" cy="0"/>
+        </a:xfrm>
+      </p:grpSpPr>
+      <p:sp>
+        <p:nvSpPr>
+          <p:cNvPr id="8" name="직사각형 7"/>
+          <p:cNvSpPr/>
+          <p:nvPr/>
+        </p:nvSpPr>
+        <p:spPr>
+          <a:xfrm>
+            <a:off x="323528" y="332657"/>
+            <a:ext cx="8496944" cy="1008111"/>
+          </a:xfrm>
+          <a:prstGeom prst="rect">
+            <a:avLst/>
+          </a:prstGeom>
+          <a:solidFill>
+            <a:srgbClr val="C00000"/>
+          </a:solidFill>
+          <a:ln>
+            <a:noFill/>
+          </a:ln>
+        </p:spPr>
+        <p:style>
+          <a:lnRef idx="2">
+            <a:schemeClr val="accent1">
+              <a:shade val="50000"/>
+            </a:schemeClr>
+          </a:lnRef>
+          <a:fillRef idx="1">
+            <a:schemeClr val="accent1"/>
+          </a:fillRef>
+          <a:effectRef idx="0">
+            <a:schemeClr val="accent1"/>
+          </a:effectRef>
+          <a:fontRef idx="minor">
+            <a:schemeClr val="lt1"/>
+          </a:fontRef>
+        </p:style>
+        <p:txBody>
+          <a:bodyPr rtlCol="0" anchor="ctr"/>
+          <a:lstStyle/>
+          <a:p>
+            <a:pPr algn="ctr"/>
+            <a:endParaRPr lang="ko-KR" altLang="en-US" dirty="0">
+              <a:solidFill>
+                <a:schemeClr val="accent2">
+                  <a:lumMod val="75000"/>
+                </a:schemeClr>
+              </a:solidFill>
+            </a:endParaRPr>
+          </a:p>
+        </p:txBody>
+      </p:sp>
+      <p:sp>
+        <p:nvSpPr>
+          <p:cNvPr id="17" name="TextBox 16"/>
+          <p:cNvSpPr txBox="1"/>
+          <p:nvPr/>
+        </p:nvSpPr>
+        <p:spPr>
+          <a:xfrm>
+            <a:off x="7380312" y="6453336"/>
+            <a:ext cx="1584176" cy="215444"/>
+          </a:xfrm>
+          <a:prstGeom prst="rect">
+            <a:avLst/>
+          </a:prstGeom>
+          <a:noFill/>
+        </p:spPr>
+        <p:txBody>
+          <a:bodyPr wrap="square" rtlCol="0">
+            <a:spAutoFit/>
+          </a:bodyPr>
+          <a:lstStyle/>
+          <a:p>
+            <a:pPr algn="r"/>
+            <a:fld id="{43C45F53-791E-4765-9645-A480124BFFE6}" type="slidenum">
+              <a:rPr lang="en-US" altLang="ko-KR" sz="800" spc="-30" smtClean="0">
+                <a:solidFill>
+                  <a:schemeClr val="tx1">
+                    <a:lumMod val="50000"/>
+                    <a:lumOff val="50000"/>
+                  </a:schemeClr>
+                </a:solidFill>
+                <a:latin typeface="나눔고딕" pitchFamily="50" charset="-127"/>
+                <a:ea typeface="나눔고딕" pitchFamily="50" charset="-127"/>
+              </a:rPr>
+              <a:pPr algn="r"/>
+              <a:t>13</a:t>
+            </a:fld>
+            <a:r>
+              <a:rPr lang="en-US" altLang="ko-KR" sz="800" spc="-30" dirty="0" smtClean="0">
+                <a:solidFill>
+                  <a:schemeClr val="tx1">
+                    <a:lumMod val="50000"/>
+                    <a:lumOff val="50000"/>
+                  </a:schemeClr>
+                </a:solidFill>
+                <a:latin typeface="나눔고딕" pitchFamily="50" charset="-127"/>
+                <a:ea typeface="나눔고딕" pitchFamily="50" charset="-127"/>
+              </a:rPr>
+              <a:t> / 12</a:t>
+            </a:r>
+            <a:endParaRPr lang="en-US" altLang="ko-KR" sz="800" spc="-30" dirty="0">
+              <a:solidFill>
+                <a:schemeClr val="tx1">
+                  <a:lumMod val="50000"/>
+                  <a:lumOff val="50000"/>
+                </a:schemeClr>
+              </a:solidFill>
+              <a:latin typeface="나눔고딕" pitchFamily="50" charset="-127"/>
+              <a:ea typeface="나눔고딕" pitchFamily="50" charset="-127"/>
+            </a:endParaRPr>
+          </a:p>
+        </p:txBody>
+      </p:sp>
+      <p:graphicFrame>
+        <p:nvGraphicFramePr>
+          <p:cNvPr id="11" name="차트 10"/>
+          <p:cNvGraphicFramePr/>
+          <p:nvPr/>
+        </p:nvGraphicFramePr>
+        <p:xfrm>
+          <a:off x="414308" y="2521465"/>
+          <a:ext cx="4587980" cy="3681188"/>
+        </p:xfrm>
+        <a:graphic>
+          <a:graphicData uri="http://schemas.openxmlformats.org/drawingml/2006/chart">
+            <c:chart xmlns:c="http://schemas.openxmlformats.org/drawingml/2006/chart" xmlns:r="http://schemas.openxmlformats.org/officeDocument/2006/relationships" r:id="rId2"/>
+          </a:graphicData>
+        </a:graphic>
+      </p:graphicFrame>
+      <p:graphicFrame>
+        <p:nvGraphicFramePr>
+          <p:cNvPr id="12" name="차트 11"/>
+          <p:cNvGraphicFramePr/>
+          <p:nvPr/>
+        </p:nvGraphicFramePr>
+        <p:xfrm>
+          <a:off x="4355976" y="2492896"/>
+          <a:ext cx="4419601" cy="3729318"/>
+        </p:xfrm>
+        <a:graphic>
+          <a:graphicData uri="http://schemas.openxmlformats.org/drawingml/2006/chart">
+            <c:chart xmlns:c="http://schemas.openxmlformats.org/drawingml/2006/chart" xmlns:r="http://schemas.openxmlformats.org/officeDocument/2006/relationships" r:id="rId3"/>
+          </a:graphicData>
+        </a:graphic>
+      </p:graphicFrame>
+      <p:sp>
+        <p:nvSpPr>
+          <p:cNvPr id="10" name="TextBox 9"/>
+          <p:cNvSpPr txBox="1"/>
+          <p:nvPr/>
+        </p:nvSpPr>
+        <p:spPr>
+          <a:xfrm>
+            <a:off x="2476211" y="1484784"/>
+            <a:ext cx="6272253" cy="1052596"/>
+          </a:xfrm>
+          <a:prstGeom prst="rect">
+            <a:avLst/>
+          </a:prstGeom>
+          <a:noFill/>
+        </p:spPr>
+        <p:txBody>
+          <a:bodyPr wrap="square" rtlCol="0">
+            <a:spAutoFit/>
+          </a:bodyPr>
+          <a:lstStyle/>
+          <a:p>
+            <a:pPr indent="-514350">
+              <a:lnSpc>
+                <a:spcPct val="120000"/>
+              </a:lnSpc>
+            </a:pPr>
+            <a:r>
+              <a:rPr lang="ko-KR" altLang="en-US" sz="1300" b="1" spc="-30" dirty="0" smtClean="0">
+                <a:solidFill>
+                  <a:schemeClr val="tx1">
+                    <a:lumMod val="65000"/>
+                    <a:lumOff val="35000"/>
+                  </a:schemeClr>
+                </a:solidFill>
+                <a:latin typeface="나눔명조" pitchFamily="18" charset="-127"/>
+                <a:ea typeface="나눔명조" pitchFamily="18" charset="-127"/>
+              </a:rPr>
+              <a:t>차트 예시 </a:t>
+            </a:r>
+            <a:r>
+              <a:rPr lang="en-US" altLang="ko-KR" sz="1300" b="1" spc="-30" dirty="0" smtClean="0">
+                <a:solidFill>
+                  <a:schemeClr val="tx1">
+                    <a:lumMod val="65000"/>
+                    <a:lumOff val="35000"/>
+                  </a:schemeClr>
+                </a:solidFill>
+                <a:latin typeface="나눔명조" pitchFamily="18" charset="-127"/>
+                <a:ea typeface="나눔명조" pitchFamily="18" charset="-127"/>
+              </a:rPr>
+              <a:t>:</a:t>
+            </a:r>
+          </a:p>
+          <a:p>
+            <a:pPr indent="-514350">
+              <a:lnSpc>
+                <a:spcPct val="120000"/>
+              </a:lnSpc>
+            </a:pPr>
+            <a:r>
+              <a:rPr lang="ko-KR" altLang="en-US" sz="1300" b="1" spc="-30" dirty="0" smtClean="0">
+                <a:solidFill>
+                  <a:srgbClr val="C00000"/>
+                </a:solidFill>
+                <a:latin typeface="나눔명조" pitchFamily="18" charset="-127"/>
+                <a:ea typeface="나눔명조" pitchFamily="18" charset="-127"/>
+              </a:rPr>
+              <a:t>삽입 </a:t>
+            </a:r>
+            <a:r>
+              <a:rPr lang="en-US" altLang="ko-KR" sz="1300" b="1" spc="-30" dirty="0" smtClean="0">
+                <a:solidFill>
+                  <a:srgbClr val="C00000"/>
+                </a:solidFill>
+                <a:latin typeface="나눔명조" pitchFamily="18" charset="-127"/>
+                <a:ea typeface="나눔명조" pitchFamily="18" charset="-127"/>
+              </a:rPr>
+              <a:t>&gt; </a:t>
+            </a:r>
+            <a:r>
+              <a:rPr lang="ko-KR" altLang="en-US" sz="1300" b="1" spc="-30" dirty="0" smtClean="0">
+                <a:solidFill>
+                  <a:srgbClr val="C00000"/>
+                </a:solidFill>
+                <a:latin typeface="나눔명조" pitchFamily="18" charset="-127"/>
+                <a:ea typeface="나눔명조" pitchFamily="18" charset="-127"/>
+              </a:rPr>
+              <a:t>차트</a:t>
+            </a:r>
+            <a:r>
+              <a:rPr lang="ko-KR" altLang="en-US" sz="1300" b="1" spc="-30" dirty="0" smtClean="0">
+                <a:solidFill>
+                  <a:schemeClr val="tx1">
+                    <a:lumMod val="65000"/>
+                    <a:lumOff val="35000"/>
+                  </a:schemeClr>
+                </a:solidFill>
+                <a:latin typeface="나눔명조" pitchFamily="18" charset="-127"/>
+                <a:ea typeface="나눔명조" pitchFamily="18" charset="-127"/>
+              </a:rPr>
+              <a:t>를</a:t>
+            </a:r>
+            <a:r>
+              <a:rPr lang="ko-KR" altLang="en-US" sz="1300" b="1" spc="-30" dirty="0" smtClean="0">
+                <a:solidFill>
+                  <a:srgbClr val="C00000"/>
+                </a:solidFill>
+                <a:latin typeface="나눔명조" pitchFamily="18" charset="-127"/>
+                <a:ea typeface="나눔명조" pitchFamily="18" charset="-127"/>
+              </a:rPr>
+              <a:t> </a:t>
+            </a:r>
+            <a:r>
+              <a:rPr lang="ko-KR" altLang="en-US" sz="1300" b="1" spc="-30" dirty="0" smtClean="0">
+                <a:solidFill>
+                  <a:schemeClr val="tx1">
+                    <a:lumMod val="65000"/>
+                    <a:lumOff val="35000"/>
+                  </a:schemeClr>
+                </a:solidFill>
+                <a:latin typeface="나눔명조" pitchFamily="18" charset="-127"/>
+                <a:ea typeface="나눔명조" pitchFamily="18" charset="-127"/>
+              </a:rPr>
+              <a:t>이용하여 다양한 차트형태를 구현할 수 있습니다</a:t>
+            </a:r>
+            <a:r>
+              <a:rPr lang="en-US" altLang="ko-KR" sz="1300" b="1" spc="-30" dirty="0" smtClean="0">
+                <a:solidFill>
+                  <a:schemeClr val="tx1">
+                    <a:lumMod val="65000"/>
+                    <a:lumOff val="35000"/>
+                  </a:schemeClr>
+                </a:solidFill>
+                <a:latin typeface="나눔명조" pitchFamily="18" charset="-127"/>
+                <a:ea typeface="나눔명조" pitchFamily="18" charset="-127"/>
+              </a:rPr>
+              <a:t>.</a:t>
+            </a:r>
+          </a:p>
+          <a:p>
+            <a:pPr indent="-514350">
+              <a:lnSpc>
+                <a:spcPct val="120000"/>
+              </a:lnSpc>
+            </a:pPr>
+            <a:r>
+              <a:rPr lang="ko-KR" altLang="en-US" sz="1300" b="1" spc="-30" dirty="0" smtClean="0">
+                <a:solidFill>
+                  <a:schemeClr val="tx1">
+                    <a:lumMod val="65000"/>
+                    <a:lumOff val="35000"/>
+                  </a:schemeClr>
+                </a:solidFill>
+                <a:latin typeface="나눔명조" pitchFamily="18" charset="-127"/>
+                <a:ea typeface="나눔명조" pitchFamily="18" charset="-127"/>
+              </a:rPr>
+              <a:t>표를 선택한 상태에서 </a:t>
+            </a:r>
+            <a:r>
+              <a:rPr lang="ko-KR" altLang="en-US" sz="1300" b="1" spc="-30" dirty="0" err="1" smtClean="0">
+                <a:solidFill>
+                  <a:schemeClr val="tx1">
+                    <a:lumMod val="65000"/>
+                    <a:lumOff val="35000"/>
+                  </a:schemeClr>
+                </a:solidFill>
+                <a:latin typeface="나눔명조" pitchFamily="18" charset="-127"/>
+                <a:ea typeface="나눔명조" pitchFamily="18" charset="-127"/>
+              </a:rPr>
+              <a:t>오른클릭을</a:t>
+            </a:r>
+            <a:r>
+              <a:rPr lang="ko-KR" altLang="en-US" sz="1300" b="1" spc="-30" dirty="0" smtClean="0">
+                <a:solidFill>
+                  <a:schemeClr val="tx1">
+                    <a:lumMod val="65000"/>
+                    <a:lumOff val="35000"/>
+                  </a:schemeClr>
+                </a:solidFill>
+                <a:latin typeface="나눔명조" pitchFamily="18" charset="-127"/>
+                <a:ea typeface="나눔명조" pitchFamily="18" charset="-127"/>
+              </a:rPr>
+              <a:t> 한 뒤</a:t>
+            </a:r>
+            <a:r>
+              <a:rPr lang="en-US" altLang="ko-KR" sz="1300" b="1" spc="-30" dirty="0" smtClean="0">
+                <a:solidFill>
+                  <a:schemeClr val="tx1">
+                    <a:lumMod val="65000"/>
+                    <a:lumOff val="35000"/>
+                  </a:schemeClr>
+                </a:solidFill>
+                <a:latin typeface="나눔명조" pitchFamily="18" charset="-127"/>
+                <a:ea typeface="나눔명조" pitchFamily="18" charset="-127"/>
+              </a:rPr>
+              <a:t>, </a:t>
+            </a:r>
+            <a:r>
+              <a:rPr lang="ko-KR" altLang="en-US" sz="1300" b="1" spc="-30" dirty="0" smtClean="0">
+                <a:solidFill>
+                  <a:srgbClr val="C00000"/>
+                </a:solidFill>
+                <a:latin typeface="나눔명조" pitchFamily="18" charset="-127"/>
+                <a:ea typeface="나눔명조" pitchFamily="18" charset="-127"/>
+              </a:rPr>
+              <a:t>데이터 편집</a:t>
+            </a:r>
+            <a:r>
+              <a:rPr lang="ko-KR" altLang="en-US" sz="1300" b="1" spc="-30" dirty="0" smtClean="0">
+                <a:solidFill>
+                  <a:schemeClr val="tx1">
+                    <a:lumMod val="65000"/>
+                    <a:lumOff val="35000"/>
+                  </a:schemeClr>
+                </a:solidFill>
+                <a:latin typeface="나눔명조" pitchFamily="18" charset="-127"/>
+                <a:ea typeface="나눔명조" pitchFamily="18" charset="-127"/>
+              </a:rPr>
+              <a:t>을 클릭하여</a:t>
+            </a:r>
+            <a:endParaRPr lang="en-US" altLang="ko-KR" sz="1300" b="1" spc="-30" dirty="0" smtClean="0">
+              <a:solidFill>
+                <a:schemeClr val="tx1">
+                  <a:lumMod val="65000"/>
+                  <a:lumOff val="35000"/>
+                </a:schemeClr>
+              </a:solidFill>
+              <a:latin typeface="나눔명조" pitchFamily="18" charset="-127"/>
+              <a:ea typeface="나눔명조" pitchFamily="18" charset="-127"/>
+            </a:endParaRPr>
+          </a:p>
+          <a:p>
+            <a:pPr indent="-514350">
+              <a:lnSpc>
+                <a:spcPct val="120000"/>
+              </a:lnSpc>
+            </a:pPr>
+            <a:r>
+              <a:rPr lang="ko-KR" altLang="en-US" sz="1300" b="1" spc="-30" dirty="0" smtClean="0">
+                <a:solidFill>
+                  <a:schemeClr val="tx1">
+                    <a:lumMod val="65000"/>
+                    <a:lumOff val="35000"/>
+                  </a:schemeClr>
+                </a:solidFill>
+                <a:latin typeface="나눔명조" pitchFamily="18" charset="-127"/>
+                <a:ea typeface="나눔명조" pitchFamily="18" charset="-127"/>
+              </a:rPr>
+              <a:t>실제 내용과 수치를 편집해 사용할 수 있습니다</a:t>
+            </a:r>
+            <a:r>
+              <a:rPr lang="en-US" altLang="ko-KR" sz="1300" b="1" spc="-30" dirty="0" smtClean="0">
+                <a:solidFill>
+                  <a:schemeClr val="tx1">
+                    <a:lumMod val="65000"/>
+                    <a:lumOff val="35000"/>
+                  </a:schemeClr>
+                </a:solidFill>
+                <a:latin typeface="나눔명조" pitchFamily="18" charset="-127"/>
+                <a:ea typeface="나눔명조" pitchFamily="18" charset="-127"/>
+              </a:rPr>
+              <a:t>.</a:t>
+            </a:r>
+            <a:endParaRPr lang="ko-KR" altLang="en-US" sz="1300" b="1" spc="-30" dirty="0">
+              <a:solidFill>
+                <a:schemeClr val="tx1">
+                  <a:lumMod val="65000"/>
+                  <a:lumOff val="35000"/>
+                </a:schemeClr>
+              </a:solidFill>
+              <a:latin typeface="나눔명조" pitchFamily="18" charset="-127"/>
+              <a:ea typeface="나눔명조" pitchFamily="18" charset="-127"/>
+            </a:endParaRPr>
+          </a:p>
+        </p:txBody>
+      </p:sp>
+      <p:sp>
+        <p:nvSpPr>
+          <p:cNvPr id="13" name="제목 12"/>
+          <p:cNvSpPr>
+            <a:spLocks noGrp="1"/>
+          </p:cNvSpPr>
+          <p:nvPr>
+            <p:ph type="title"/>
+          </p:nvPr>
+        </p:nvSpPr>
+        <p:spPr>
+          <a:xfrm>
+            <a:off x="395536" y="404267"/>
+            <a:ext cx="8229600" cy="864493"/>
+          </a:xfrm>
+        </p:spPr>
+        <p:txBody>
+          <a:bodyPr anchor="t">
+            <a:normAutofit/>
+          </a:bodyPr>
+          <a:lstStyle/>
+          <a:p>
+            <a:pPr algn="l"/>
+            <a:r>
+              <a:rPr lang="ko-KR" altLang="en-US" sz="2400" smtClean="0">
+                <a:solidFill>
+                  <a:schemeClr val="bg1"/>
+                </a:solidFill>
+              </a:rPr>
+              <a:t>차트</a:t>
+            </a:r>
+            <a:endParaRPr lang="ko-KR" altLang="en-US" sz="2400">
+              <a:solidFill>
+                <a:schemeClr val="bg1"/>
+              </a:solidFill>
+            </a:endParaRPr>
+          </a:p>
+        </p:txBody>
+      </p:sp>
+    </p:spTree>
+  </p:cSld>
+  <p:clrMapOvr>
+    <a:masterClrMapping/>
+  </p:clrMapOvr>
+</p:sld>
+</file>
+
+<file path=ppt/slides/slide14.xml><?xml version="1.0" encoding="utf-8"?>
 <p:sld xmlns:a="http://schemas.openxmlformats.org/drawingml/2006/main" xmlns:r="http://schemas.openxmlformats.org/officeDocument/2006/relationships" xmlns:p="http://schemas.openxmlformats.org/presentationml/2006/main">
   <p:cSld>
     <p:spTree>
@@ -6457,7 +8365,7 @@
                 <a:ea typeface="나눔고딕" pitchFamily="50" charset="-127"/>
               </a:rPr>
               <a:pPr algn="r"/>
-              <a:t>10</a:t>
+              <a:t>14</a:t>
             </a:fld>
             <a:r>
               <a:rPr lang="en-US" altLang="ko-KR" sz="800" spc="-30" dirty="0" smtClean="0">
@@ -6673,7 +8581,7 @@
 </p:sld>
 </file>
 
-<file path=ppt/slides/slide11.xml><?xml version="1.0" encoding="utf-8"?>
+<file path=ppt/slides/slide15.xml><?xml version="1.0" encoding="utf-8"?>
 <p:sld xmlns:a="http://schemas.openxmlformats.org/drawingml/2006/main" xmlns:r="http://schemas.openxmlformats.org/officeDocument/2006/relationships" xmlns:p="http://schemas.openxmlformats.org/presentationml/2006/main">
   <p:cSld>
     <p:spTree>
@@ -8556,7 +10464,7 @@
                 <a:ea typeface="나눔고딕" pitchFamily="50" charset="-127"/>
               </a:rPr>
               <a:pPr algn="r"/>
-              <a:t>11</a:t>
+              <a:t>15</a:t>
             </a:fld>
             <a:r>
               <a:rPr lang="en-US" altLang="ko-KR" sz="800" spc="-30" dirty="0" smtClean="0">
@@ -8887,7 +10795,7 @@
 </p:sld>
 </file>
 
-<file path=ppt/slides/slide12.xml><?xml version="1.0" encoding="utf-8"?>
+<file path=ppt/slides/slide16.xml><?xml version="1.0" encoding="utf-8"?>
 <p:sld xmlns:a="http://schemas.openxmlformats.org/drawingml/2006/main" xmlns:r="http://schemas.openxmlformats.org/officeDocument/2006/relationships" xmlns:p="http://schemas.openxmlformats.org/presentationml/2006/main">
   <p:cSld>
     <p:spTree>
@@ -9185,7 +11093,7 @@
                 <a:latin typeface="나눔명조" pitchFamily="18" charset="-127"/>
                 <a:ea typeface="나눔명조" pitchFamily="18" charset="-127"/>
               </a:rPr>
-              <a:t>평점대비  </a:t>
+              <a:t>평점 대비  </a:t>
             </a:r>
             <a:r>
               <a:rPr lang="ko-KR" altLang="en-US" sz="1200" b="1" spc="-80" dirty="0" err="1" smtClean="0">
@@ -9702,8 +11610,8 @@
         </p:nvSpPr>
         <p:spPr>
           <a:xfrm>
-            <a:off x="2476211" y="1484784"/>
-            <a:ext cx="6128237" cy="3213187"/>
+            <a:off x="2987824" y="5517232"/>
+            <a:ext cx="3312367" cy="812530"/>
           </a:xfrm>
           <a:prstGeom prst="rect">
             <a:avLst/>
@@ -9732,7 +11640,7 @@
                 <a:latin typeface="나눔명조" pitchFamily="18" charset="-127"/>
                 <a:ea typeface="나눔명조" pitchFamily="18" charset="-127"/>
               </a:rPr>
-              <a:t>내용을 작성하세요</a:t>
+              <a:t>평점 </a:t>
             </a:r>
             <a:r>
               <a:rPr lang="en-US" altLang="ko-KR" sz="1300" b="1" spc="-30" dirty="0" smtClean="0">
@@ -9745,7 +11653,7 @@
                 <a:latin typeface="나눔명조" pitchFamily="18" charset="-127"/>
                 <a:ea typeface="나눔명조" pitchFamily="18" charset="-127"/>
               </a:rPr>
-              <a:t>.</a:t>
+              <a:t>0 </a:t>
             </a:r>
             <a:r>
               <a:rPr lang="ko-KR" altLang="en-US" sz="1300" b="1" spc="-30" dirty="0" smtClean="0">
@@ -9758,7 +11666,33 @@
                 <a:latin typeface="나눔명조" pitchFamily="18" charset="-127"/>
                 <a:ea typeface="나눔명조" pitchFamily="18" charset="-127"/>
               </a:rPr>
-              <a:t> </a:t>
+              <a:t>에서 평점 </a:t>
+            </a:r>
+            <a:r>
+              <a:rPr lang="en-US" altLang="ko-KR" sz="1300" b="1" spc="-30" dirty="0" smtClean="0">
+                <a:solidFill>
+                  <a:schemeClr val="tx1">
+                    <a:lumMod val="65000"/>
+                    <a:lumOff val="35000"/>
+                  </a:schemeClr>
+                </a:solidFill>
+                <a:latin typeface="나눔명조" pitchFamily="18" charset="-127"/>
+                <a:ea typeface="나눔명조" pitchFamily="18" charset="-127"/>
+              </a:rPr>
+              <a:t>5</a:t>
+            </a:r>
+            <a:r>
+              <a:rPr lang="ko-KR" altLang="en-US" sz="1300" b="1" spc="-30" dirty="0" smtClean="0">
+                <a:solidFill>
+                  <a:schemeClr val="tx1">
+                    <a:lumMod val="65000"/>
+                    <a:lumOff val="35000"/>
+                  </a:schemeClr>
+                </a:solidFill>
+                <a:latin typeface="나눔명조" pitchFamily="18" charset="-127"/>
+                <a:ea typeface="나눔명조" pitchFamily="18" charset="-127"/>
+              </a:rPr>
+              <a:t>까지를 기준으로 분석</a:t>
             </a:r>
             <a:endParaRPr lang="en-US" altLang="ko-KR" sz="1300" b="1" spc="-30" dirty="0" smtClean="0">
               <a:solidFill>
@@ -9777,6 +11711,45 @@
                 <a:spcPct val="120000"/>
               </a:lnSpc>
             </a:pPr>
+            <a:r>
+              <a:rPr lang="ko-KR" altLang="en-US" sz="1300" b="1" spc="-30" dirty="0" smtClean="0">
+                <a:solidFill>
+                  <a:schemeClr val="tx1">
+                    <a:lumMod val="65000"/>
+                    <a:lumOff val="35000"/>
+                  </a:schemeClr>
+                </a:solidFill>
+                <a:latin typeface="나눔명조" pitchFamily="18" charset="-127"/>
+                <a:ea typeface="나눔명조" pitchFamily="18" charset="-127"/>
+              </a:rPr>
+              <a:t>중앙값인 </a:t>
+            </a:r>
+            <a:r>
+              <a:rPr lang="en-US" altLang="ko-KR" sz="1300" b="1" spc="-30" dirty="0" smtClean="0">
+                <a:solidFill>
+                  <a:schemeClr val="tx1">
+                    <a:lumMod val="65000"/>
+                    <a:lumOff val="35000"/>
+                  </a:schemeClr>
+                </a:solidFill>
+                <a:latin typeface="나눔명조" pitchFamily="18" charset="-127"/>
+                <a:ea typeface="나눔명조" pitchFamily="18" charset="-127"/>
+              </a:rPr>
+              <a:t>2.5</a:t>
+            </a:r>
+            <a:r>
+              <a:rPr lang="ko-KR" altLang="en-US" sz="1300" b="1" spc="-30" dirty="0" smtClean="0">
+                <a:solidFill>
+                  <a:schemeClr val="tx1">
+                    <a:lumMod val="65000"/>
+                    <a:lumOff val="35000"/>
+                  </a:schemeClr>
+                </a:solidFill>
+                <a:latin typeface="나눔명조" pitchFamily="18" charset="-127"/>
+                <a:ea typeface="나눔명조" pitchFamily="18" charset="-127"/>
+              </a:rPr>
+              <a:t>를 기준으로 정규분포에 근사</a:t>
+            </a:r>
             <a:endParaRPr lang="en-US" altLang="ko-KR" sz="1300" b="1" spc="-30" dirty="0" smtClean="0">
               <a:solidFill>
                 <a:schemeClr val="tx1">
@@ -9805,74 +11778,10 @@
                 <a:latin typeface="나눔명조" pitchFamily="18" charset="-127"/>
                 <a:ea typeface="나눔명조" pitchFamily="18" charset="-127"/>
               </a:rPr>
-              <a:t>본문내용의 글꼴 크기</a:t>
-            </a:r>
-            <a:endParaRPr lang="en-US" altLang="ko-KR" sz="1300" b="1" spc="-30" dirty="0" smtClean="0">
-              <a:solidFill>
-                <a:schemeClr val="tx1">
-                  <a:lumMod val="65000"/>
-                  <a:lumOff val="35000"/>
-                </a:schemeClr>
-              </a:solidFill>
-              <a:latin typeface="나눔명조" pitchFamily="18" charset="-127"/>
-              <a:ea typeface="나눔명조" pitchFamily="18" charset="-127"/>
-            </a:endParaRPr>
-          </a:p>
-          <a:p>
-            <a:pPr indent="-514350">
-              <a:lnSpc>
-                <a:spcPct val="120000"/>
-              </a:lnSpc>
-            </a:pPr>
-            <a:r>
-              <a:rPr lang="ko-KR" altLang="en-US" sz="1300" b="1" spc="-30" dirty="0" err="1" smtClean="0">
-                <a:solidFill>
-                  <a:srgbClr val="C00000"/>
-                </a:solidFill>
-                <a:latin typeface="나눔명조" pitchFamily="18" charset="-127"/>
-                <a:ea typeface="나눔명조" pitchFamily="18" charset="-127"/>
-              </a:rPr>
-              <a:t>나눔명조</a:t>
+              <a:t>평점 </a:t>
             </a:r>
             <a:r>
               <a:rPr lang="en-US" altLang="ko-KR" sz="1300" b="1" spc="-30" dirty="0" smtClean="0">
-                <a:solidFill>
-                  <a:srgbClr val="C00000"/>
-                </a:solidFill>
-                <a:latin typeface="나눔명조" pitchFamily="18" charset="-127"/>
-                <a:ea typeface="나눔명조" pitchFamily="18" charset="-127"/>
-              </a:rPr>
-              <a:t>B, 13pt</a:t>
-            </a:r>
-            <a:r>
-              <a:rPr lang="ko-KR" altLang="en-US" sz="1300" b="1" spc="-30" dirty="0" smtClean="0">
-                <a:solidFill>
-                  <a:srgbClr val="C00000"/>
-                </a:solidFill>
-                <a:latin typeface="나눔명조" pitchFamily="18" charset="-127"/>
-                <a:ea typeface="나눔명조" pitchFamily="18" charset="-127"/>
-              </a:rPr>
-              <a:t>을 권장합니다</a:t>
-            </a:r>
-            <a:r>
-              <a:rPr lang="en-US" altLang="ko-KR" sz="1300" b="1" spc="-30" dirty="0" smtClean="0">
-                <a:solidFill>
-                  <a:srgbClr val="C00000"/>
-                </a:solidFill>
-                <a:latin typeface="나눔명조" pitchFamily="18" charset="-127"/>
-                <a:ea typeface="나눔명조" pitchFamily="18" charset="-127"/>
-              </a:rPr>
-              <a:t>.</a:t>
-            </a:r>
-          </a:p>
-          <a:p>
-            <a:pPr indent="-514350">
-              <a:lnSpc>
-                <a:spcPct val="120000"/>
-              </a:lnSpc>
-            </a:pPr>
-            <a:r>
-              <a:rPr lang="ko-KR" altLang="en-US" sz="1300" b="1" spc="-30" dirty="0" smtClean="0">
                 <a:solidFill>
                   <a:schemeClr val="tx1">
                     <a:lumMod val="65000"/>
@@ -9882,10 +11791,10 @@
                 <a:latin typeface="나눔명조" pitchFamily="18" charset="-127"/>
                 <a:ea typeface="나눔명조" pitchFamily="18" charset="-127"/>
               </a:rPr>
-              <a:t>상황에 따라 조절하실 수 있습니다</a:t>
-            </a:r>
-            <a:r>
-              <a:rPr lang="en-US" altLang="ko-KR" sz="1300" b="1" spc="-30" dirty="0" smtClean="0">
+              <a:t>2.5</a:t>
+            </a:r>
+            <a:r>
+              <a:rPr lang="ko-KR" altLang="en-US" sz="1300" b="1" spc="-30" dirty="0" smtClean="0">
                 <a:solidFill>
                   <a:schemeClr val="tx1">
                     <a:lumMod val="65000"/>
@@ -9895,277 +11804,7 @@
                 <a:latin typeface="나눔명조" pitchFamily="18" charset="-127"/>
                 <a:ea typeface="나눔명조" pitchFamily="18" charset="-127"/>
               </a:rPr>
-              <a:t>.</a:t>
-            </a:r>
-          </a:p>
-          <a:p>
-            <a:pPr indent="-514350">
-              <a:lnSpc>
-                <a:spcPct val="120000"/>
-              </a:lnSpc>
-            </a:pPr>
-            <a:endParaRPr lang="en-US" altLang="ko-KR" sz="1300" b="1" spc="-30" dirty="0" smtClean="0">
-              <a:solidFill>
-                <a:schemeClr val="tx1">
-                  <a:lumMod val="65000"/>
-                  <a:lumOff val="35000"/>
-                </a:schemeClr>
-              </a:solidFill>
-              <a:latin typeface="나눔명조" pitchFamily="18" charset="-127"/>
-              <a:ea typeface="나눔명조" pitchFamily="18" charset="-127"/>
-            </a:endParaRPr>
-          </a:p>
-          <a:p>
-            <a:pPr indent="-514350">
-              <a:lnSpc>
-                <a:spcPct val="120000"/>
-              </a:lnSpc>
-            </a:pPr>
-            <a:r>
-              <a:rPr lang="ko-KR" altLang="en-US" sz="1300" b="1" spc="-30" dirty="0" smtClean="0">
-                <a:solidFill>
-                  <a:schemeClr val="tx1">
-                    <a:lumMod val="65000"/>
-                    <a:lumOff val="35000"/>
-                  </a:schemeClr>
-                </a:solidFill>
-                <a:latin typeface="나눔명조" pitchFamily="18" charset="-127"/>
-                <a:ea typeface="나눔명조" pitchFamily="18" charset="-127"/>
-              </a:rPr>
-              <a:t>본문내용의 글자 간격과 줄 간격</a:t>
-            </a:r>
-            <a:endParaRPr lang="en-US" altLang="ko-KR" sz="1300" b="1" spc="-30" dirty="0" smtClean="0">
-              <a:solidFill>
-                <a:schemeClr val="tx1">
-                  <a:lumMod val="65000"/>
-                  <a:lumOff val="35000"/>
-                </a:schemeClr>
-              </a:solidFill>
-              <a:latin typeface="나눔명조" pitchFamily="18" charset="-127"/>
-              <a:ea typeface="나눔명조" pitchFamily="18" charset="-127"/>
-            </a:endParaRPr>
-          </a:p>
-          <a:p>
-            <a:pPr indent="-514350">
-              <a:lnSpc>
-                <a:spcPct val="120000"/>
-              </a:lnSpc>
-            </a:pPr>
-            <a:r>
-              <a:rPr lang="ko-KR" altLang="en-US" sz="1300" b="1" spc="-30" dirty="0" smtClean="0">
-                <a:solidFill>
-                  <a:srgbClr val="C00000"/>
-                </a:solidFill>
-                <a:latin typeface="나눔명조" pitchFamily="18" charset="-127"/>
-                <a:ea typeface="나눔명조" pitchFamily="18" charset="-127"/>
-              </a:rPr>
-              <a:t>본문 내용의 글자 간격은 좁게 </a:t>
-            </a:r>
-            <a:r>
-              <a:rPr lang="en-US" altLang="ko-KR" sz="1300" b="1" spc="-30" dirty="0" smtClean="0">
-                <a:solidFill>
-                  <a:srgbClr val="C00000"/>
-                </a:solidFill>
-                <a:latin typeface="나눔명조" pitchFamily="18" charset="-127"/>
-                <a:ea typeface="나눔명조" pitchFamily="18" charset="-127"/>
-              </a:rPr>
-              <a:t>0.3</a:t>
-            </a:r>
-            <a:r>
-              <a:rPr lang="ko-KR" altLang="en-US" sz="1300" b="1" spc="-30" dirty="0" smtClean="0">
-                <a:solidFill>
-                  <a:srgbClr val="C00000"/>
-                </a:solidFill>
-                <a:latin typeface="나눔명조" pitchFamily="18" charset="-127"/>
-                <a:ea typeface="나눔명조" pitchFamily="18" charset="-127"/>
-              </a:rPr>
-              <a:t>을</a:t>
-            </a:r>
-            <a:r>
-              <a:rPr lang="en-US" altLang="ko-KR" sz="1300" b="1" spc="-30" dirty="0" smtClean="0">
-                <a:solidFill>
-                  <a:srgbClr val="C00000"/>
-                </a:solidFill>
-                <a:latin typeface="나눔명조" pitchFamily="18" charset="-127"/>
-                <a:ea typeface="나눔명조" pitchFamily="18" charset="-127"/>
-              </a:rPr>
-              <a:t>, </a:t>
-            </a:r>
-            <a:r>
-              <a:rPr lang="ko-KR" altLang="en-US" sz="1300" b="1" spc="-30" dirty="0" smtClean="0">
-                <a:solidFill>
-                  <a:srgbClr val="C00000"/>
-                </a:solidFill>
-                <a:latin typeface="나눔명조" pitchFamily="18" charset="-127"/>
-                <a:ea typeface="나눔명조" pitchFamily="18" charset="-127"/>
-              </a:rPr>
-              <a:t>줄 간격은 </a:t>
-            </a:r>
-            <a:r>
-              <a:rPr lang="en-US" altLang="ko-KR" sz="1300" b="1" spc="-30" dirty="0" smtClean="0">
-                <a:solidFill>
-                  <a:srgbClr val="C00000"/>
-                </a:solidFill>
-                <a:latin typeface="나눔명조" pitchFamily="18" charset="-127"/>
-                <a:ea typeface="나눔명조" pitchFamily="18" charset="-127"/>
-              </a:rPr>
-              <a:t>1.2</a:t>
-            </a:r>
-            <a:r>
-              <a:rPr lang="ko-KR" altLang="en-US" sz="1300" b="1" spc="-30" dirty="0" smtClean="0">
-                <a:solidFill>
-                  <a:srgbClr val="C00000"/>
-                </a:solidFill>
-                <a:latin typeface="나눔명조" pitchFamily="18" charset="-127"/>
-                <a:ea typeface="나눔명조" pitchFamily="18" charset="-127"/>
-              </a:rPr>
-              <a:t>배를 권장합니다</a:t>
-            </a:r>
-            <a:r>
-              <a:rPr lang="en-US" altLang="ko-KR" sz="1300" b="1" spc="-30" dirty="0" smtClean="0">
-                <a:solidFill>
-                  <a:srgbClr val="C00000"/>
-                </a:solidFill>
-                <a:latin typeface="나눔명조" pitchFamily="18" charset="-127"/>
-                <a:ea typeface="나눔명조" pitchFamily="18" charset="-127"/>
-              </a:rPr>
-              <a:t>.</a:t>
-            </a:r>
-          </a:p>
-          <a:p>
-            <a:pPr indent="-514350">
-              <a:lnSpc>
-                <a:spcPct val="120000"/>
-              </a:lnSpc>
-            </a:pPr>
-            <a:r>
-              <a:rPr lang="ko-KR" altLang="en-US" sz="1300" b="1" spc="-30" dirty="0" smtClean="0">
-                <a:solidFill>
-                  <a:schemeClr val="tx1">
-                    <a:lumMod val="65000"/>
-                    <a:lumOff val="35000"/>
-                  </a:schemeClr>
-                </a:solidFill>
-                <a:latin typeface="나눔명조" pitchFamily="18" charset="-127"/>
-                <a:ea typeface="나눔명조" pitchFamily="18" charset="-127"/>
-              </a:rPr>
-              <a:t>상황에 따라 조절하실 수 있습니다</a:t>
-            </a:r>
-            <a:r>
-              <a:rPr lang="en-US" altLang="ko-KR" sz="1300" b="1" spc="-30" dirty="0" smtClean="0">
-                <a:solidFill>
-                  <a:schemeClr val="tx1">
-                    <a:lumMod val="65000"/>
-                    <a:lumOff val="35000"/>
-                  </a:schemeClr>
-                </a:solidFill>
-                <a:latin typeface="나눔명조" pitchFamily="18" charset="-127"/>
-                <a:ea typeface="나눔명조" pitchFamily="18" charset="-127"/>
-              </a:rPr>
-              <a:t>.</a:t>
-            </a:r>
-          </a:p>
-          <a:p>
-            <a:pPr indent="-514350">
-              <a:lnSpc>
-                <a:spcPct val="120000"/>
-              </a:lnSpc>
-            </a:pPr>
-            <a:endParaRPr lang="en-US" altLang="ko-KR" sz="1300" b="1" spc="-30" dirty="0" smtClean="0">
-              <a:solidFill>
-                <a:schemeClr val="tx1">
-                  <a:lumMod val="65000"/>
-                  <a:lumOff val="35000"/>
-                </a:schemeClr>
-              </a:solidFill>
-              <a:latin typeface="나눔명조" pitchFamily="18" charset="-127"/>
-              <a:ea typeface="나눔명조" pitchFamily="18" charset="-127"/>
-            </a:endParaRPr>
-          </a:p>
-          <a:p>
-            <a:pPr indent="180975">
-              <a:lnSpc>
-                <a:spcPct val="120000"/>
-              </a:lnSpc>
-              <a:buFont typeface="Wingdings" pitchFamily="2" charset="2"/>
-              <a:buChar char="§"/>
-            </a:pPr>
-            <a:r>
-              <a:rPr lang="ko-KR" altLang="en-US" sz="1300" b="1" spc="-30" dirty="0" smtClean="0">
-                <a:solidFill>
-                  <a:schemeClr val="tx1">
-                    <a:lumMod val="65000"/>
-                    <a:lumOff val="35000"/>
-                  </a:schemeClr>
-                </a:solidFill>
-                <a:latin typeface="나눔명조" pitchFamily="18" charset="-127"/>
-                <a:ea typeface="나눔명조" pitchFamily="18" charset="-127"/>
-              </a:rPr>
-              <a:t>상세항목의 내용</a:t>
-            </a:r>
-            <a:endParaRPr lang="en-US" altLang="ko-KR" sz="1300" b="1" spc="-30" dirty="0" smtClean="0">
-              <a:solidFill>
-                <a:schemeClr val="tx1">
-                  <a:lumMod val="65000"/>
-                  <a:lumOff val="35000"/>
-                </a:schemeClr>
-              </a:solidFill>
-              <a:latin typeface="나눔명조" pitchFamily="18" charset="-127"/>
-              <a:ea typeface="나눔명조" pitchFamily="18" charset="-127"/>
-            </a:endParaRPr>
-          </a:p>
-          <a:p>
-            <a:pPr indent="180975">
-              <a:lnSpc>
-                <a:spcPct val="120000"/>
-              </a:lnSpc>
-              <a:buFont typeface="Wingdings" pitchFamily="2" charset="2"/>
-              <a:buChar char="§"/>
-            </a:pPr>
-            <a:r>
-              <a:rPr lang="ko-KR" altLang="en-US" sz="1300" b="1" spc="-30" dirty="0" smtClean="0">
-                <a:solidFill>
-                  <a:schemeClr val="tx1">
-                    <a:lumMod val="65000"/>
-                    <a:lumOff val="35000"/>
-                  </a:schemeClr>
-                </a:solidFill>
-                <a:latin typeface="나눔명조" pitchFamily="18" charset="-127"/>
-                <a:ea typeface="나눔명조" pitchFamily="18" charset="-127"/>
-              </a:rPr>
-              <a:t>상세항목의 내용</a:t>
-            </a:r>
-            <a:endParaRPr lang="en-US" altLang="ko-KR" sz="1300" b="1" spc="-30" dirty="0" smtClean="0">
-              <a:solidFill>
-                <a:schemeClr val="tx1">
-                  <a:lumMod val="65000"/>
-                  <a:lumOff val="35000"/>
-                </a:schemeClr>
-              </a:solidFill>
-              <a:latin typeface="나눔명조" pitchFamily="18" charset="-127"/>
-              <a:ea typeface="나눔명조" pitchFamily="18" charset="-127"/>
-            </a:endParaRPr>
-          </a:p>
-          <a:p>
-            <a:pPr indent="180975">
-              <a:lnSpc>
-                <a:spcPct val="120000"/>
-              </a:lnSpc>
-              <a:buFont typeface="Wingdings" pitchFamily="2" charset="2"/>
-              <a:buChar char="§"/>
-            </a:pPr>
-            <a:r>
-              <a:rPr lang="ko-KR" altLang="en-US" sz="1300" b="1" spc="-30" dirty="0" smtClean="0">
-                <a:solidFill>
-                  <a:schemeClr val="tx1">
-                    <a:lumMod val="65000"/>
-                    <a:lumOff val="35000"/>
-                  </a:schemeClr>
-                </a:solidFill>
-                <a:latin typeface="나눔명조" pitchFamily="18" charset="-127"/>
-                <a:ea typeface="나눔명조" pitchFamily="18" charset="-127"/>
-              </a:rPr>
-              <a:t>상세항목의 내용</a:t>
+              <a:t>인 기업수가 가장 많은 것으로 분석</a:t>
             </a:r>
             <a:endParaRPr lang="en-US" altLang="ko-KR" sz="1300" b="1" spc="-30" dirty="0" smtClean="0">
               <a:solidFill>
@@ -10204,17 +11843,188 @@
           <a:p>
             <a:pPr algn="l"/>
             <a:r>
-              <a:rPr lang="ko-KR" altLang="en-US" sz="2400" spc="-150" smtClean="0">
+              <a:rPr lang="ko-KR" altLang="en-US" sz="2400" spc="-150" dirty="0" smtClean="0">
                 <a:solidFill>
                   <a:schemeClr val="bg1"/>
                 </a:solidFill>
               </a:rPr>
-              <a:t>페이지  제목</a:t>
-            </a:r>
-            <a:endParaRPr lang="ko-KR" altLang="en-US" sz="2400" spc="-150">
+              <a:t>전체기업 분석</a:t>
+            </a:r>
+            <a:r>
+              <a:rPr lang="en-US" altLang="ko-KR" sz="2400" spc="-150" dirty="0" smtClean="0">
+                <a:solidFill>
+                  <a:schemeClr val="bg1"/>
+                </a:solidFill>
+              </a:rPr>
+              <a:t/>
+            </a:r>
+            <a:br>
+              <a:rPr lang="en-US" altLang="ko-KR" sz="2400" spc="-150" dirty="0" smtClean="0">
+                <a:solidFill>
+                  <a:schemeClr val="bg1"/>
+                </a:solidFill>
+              </a:rPr>
+            </a:br>
+            <a:r>
+              <a:rPr lang="en-US" altLang="ko-KR" sz="1400" spc="-150" dirty="0" smtClean="0">
+                <a:solidFill>
+                  <a:schemeClr val="bg1"/>
+                </a:solidFill>
+              </a:rPr>
+              <a:t>- </a:t>
+            </a:r>
+            <a:r>
+              <a:rPr lang="ko-KR" altLang="en-US" sz="1400" spc="-150" dirty="0" smtClean="0">
+                <a:solidFill>
+                  <a:schemeClr val="bg1"/>
+                </a:solidFill>
+              </a:rPr>
+              <a:t>기업 분포도</a:t>
+            </a:r>
+            <a:endParaRPr lang="ko-KR" altLang="en-US" sz="2400" spc="-150" dirty="0">
               <a:solidFill>
                 <a:schemeClr val="bg1"/>
               </a:solidFill>
+            </a:endParaRPr>
+          </a:p>
+        </p:txBody>
+      </p:sp>
+      <p:pic>
+        <p:nvPicPr>
+          <p:cNvPr id="1026" name="Picture 2" descr="C:\lkj\Rexam\project\output\평점별 분포도.png"/>
+          <p:cNvPicPr>
+            <a:picLocks noChangeAspect="1" noChangeArrowheads="1"/>
+          </p:cNvPicPr>
+          <p:nvPr/>
+        </p:nvPicPr>
+        <p:blipFill>
+          <a:blip r:embed="rId2">
+            <a:extLst>
+              <a:ext uri="{28A0092B-C50C-407E-A947-70E740481C1C}">
+                <a14:useLocalDpi xmlns:a14="http://schemas.microsoft.com/office/drawing/2010/main" val="0"/>
+              </a:ext>
+            </a:extLst>
+          </a:blip>
+          <a:srcRect/>
+          <a:stretch>
+            <a:fillRect/>
+          </a:stretch>
+        </p:blipFill>
+        <p:spPr bwMode="auto">
+          <a:xfrm>
+            <a:off x="2627784" y="1556792"/>
+            <a:ext cx="3816424" cy="3528000"/>
+          </a:xfrm>
+          <a:prstGeom prst="rect">
+            <a:avLst/>
+          </a:prstGeom>
+          <a:noFill/>
+          <a:extLst>
+            <a:ext uri="{909E8E84-426E-40DD-AFC4-6F175D3DCCD1}">
+              <a14:hiddenFill xmlns:a14="http://schemas.microsoft.com/office/drawing/2010/main">
+                <a:solidFill>
+                  <a:srgbClr val="FFFFFF"/>
+                </a:solidFill>
+              </a14:hiddenFill>
+            </a:ext>
+          </a:extLst>
+        </p:spPr>
+      </p:pic>
+      <p:sp>
+        <p:nvSpPr>
+          <p:cNvPr id="10" name="직사각형 9"/>
+          <p:cNvSpPr/>
+          <p:nvPr/>
+        </p:nvSpPr>
+        <p:spPr>
+          <a:xfrm>
+            <a:off x="2840629" y="3453276"/>
+            <a:ext cx="3564752" cy="114721"/>
+          </a:xfrm>
+          <a:prstGeom prst="rect">
+            <a:avLst/>
+          </a:prstGeom>
+          <a:noFill/>
+          <a:ln>
+            <a:solidFill>
+              <a:srgbClr val="FF0000"/>
+            </a:solidFill>
+          </a:ln>
+        </p:spPr>
+        <p:style>
+          <a:lnRef idx="2">
+            <a:schemeClr val="accent1">
+              <a:shade val="50000"/>
+            </a:schemeClr>
+          </a:lnRef>
+          <a:fillRef idx="1">
+            <a:schemeClr val="accent1"/>
+          </a:fillRef>
+          <a:effectRef idx="0">
+            <a:schemeClr val="accent1"/>
+          </a:effectRef>
+          <a:fontRef idx="minor">
+            <a:schemeClr val="lt1"/>
+          </a:fontRef>
+        </p:style>
+        <p:txBody>
+          <a:bodyPr rtlCol="0" anchor="ctr"/>
+          <a:lstStyle/>
+          <a:p>
+            <a:pPr algn="ctr"/>
+            <a:endParaRPr lang="ko-KR" altLang="en-US"/>
+          </a:p>
+        </p:txBody>
+      </p:sp>
+      <p:sp>
+        <p:nvSpPr>
+          <p:cNvPr id="11" name="TextBox 10"/>
+          <p:cNvSpPr txBox="1"/>
+          <p:nvPr/>
+        </p:nvSpPr>
+        <p:spPr>
+          <a:xfrm>
+            <a:off x="5861693" y="1505627"/>
+            <a:ext cx="582515" cy="240066"/>
+          </a:xfrm>
+          <a:prstGeom prst="rect">
+            <a:avLst/>
+          </a:prstGeom>
+          <a:noFill/>
+        </p:spPr>
+        <p:txBody>
+          <a:bodyPr wrap="square" rtlCol="0">
+            <a:spAutoFit/>
+          </a:bodyPr>
+          <a:lstStyle/>
+          <a:p>
+            <a:pPr indent="-514350">
+              <a:lnSpc>
+                <a:spcPct val="120000"/>
+              </a:lnSpc>
+            </a:pPr>
+            <a:r>
+              <a:rPr lang="en-US" altLang="ko-KR" sz="800" b="1" spc="-30" dirty="0" smtClean="0">
+                <a:solidFill>
+                  <a:schemeClr val="tx1">
+                    <a:lumMod val="65000"/>
+                    <a:lumOff val="35000"/>
+                  </a:schemeClr>
+                </a:solidFill>
+                <a:latin typeface="나눔명조" pitchFamily="18" charset="-127"/>
+                <a:ea typeface="나눔명조" pitchFamily="18" charset="-127"/>
+              </a:rPr>
+              <a:t>N=5116</a:t>
+            </a:r>
+            <a:endParaRPr lang="en-US" altLang="ko-KR" sz="1300" b="1" spc="-30" dirty="0" smtClean="0">
+              <a:solidFill>
+                <a:schemeClr val="tx1">
+                  <a:lumMod val="65000"/>
+                  <a:lumOff val="35000"/>
+                </a:schemeClr>
+              </a:solidFill>
+              <a:latin typeface="나눔명조" pitchFamily="18" charset="-127"/>
+              <a:ea typeface="나눔명조" pitchFamily="18" charset="-127"/>
             </a:endParaRPr>
           </a:p>
         </p:txBody>
@@ -10235,6 +12045,2538 @@
 </file>
 
 <file path=ppt/slides/slide4.xml><?xml version="1.0" encoding="utf-8"?>
+<p:sld xmlns:a="http://schemas.openxmlformats.org/drawingml/2006/main" xmlns:r="http://schemas.openxmlformats.org/officeDocument/2006/relationships" xmlns:p="http://schemas.openxmlformats.org/presentationml/2006/main">
+  <p:cSld>
+    <p:spTree>
+      <p:nvGrpSpPr>
+        <p:cNvPr id="1" name=""/>
+        <p:cNvGrpSpPr/>
+        <p:nvPr/>
+      </p:nvGrpSpPr>
+      <p:grpSpPr>
+        <a:xfrm>
+          <a:off x="0" y="0"/>
+          <a:ext cx="0" cy="0"/>
+          <a:chOff x="0" y="0"/>
+          <a:chExt cx="0" cy="0"/>
+        </a:xfrm>
+      </p:grpSpPr>
+      <p:sp>
+        <p:nvSpPr>
+          <p:cNvPr id="8" name="직사각형 7"/>
+          <p:cNvSpPr/>
+          <p:nvPr/>
+        </p:nvSpPr>
+        <p:spPr>
+          <a:xfrm>
+            <a:off x="323528" y="332657"/>
+            <a:ext cx="8496944" cy="1008111"/>
+          </a:xfrm>
+          <a:prstGeom prst="rect">
+            <a:avLst/>
+          </a:prstGeom>
+          <a:solidFill>
+            <a:srgbClr val="C00000"/>
+          </a:solidFill>
+          <a:ln>
+            <a:noFill/>
+          </a:ln>
+        </p:spPr>
+        <p:style>
+          <a:lnRef idx="2">
+            <a:schemeClr val="accent1">
+              <a:shade val="50000"/>
+            </a:schemeClr>
+          </a:lnRef>
+          <a:fillRef idx="1">
+            <a:schemeClr val="accent1"/>
+          </a:fillRef>
+          <a:effectRef idx="0">
+            <a:schemeClr val="accent1"/>
+          </a:effectRef>
+          <a:fontRef idx="minor">
+            <a:schemeClr val="lt1"/>
+          </a:fontRef>
+        </p:style>
+        <p:txBody>
+          <a:bodyPr rtlCol="0" anchor="ctr"/>
+          <a:lstStyle/>
+          <a:p>
+            <a:pPr algn="ctr"/>
+            <a:endParaRPr lang="ko-KR" altLang="en-US" dirty="0">
+              <a:solidFill>
+                <a:schemeClr val="accent2">
+                  <a:lumMod val="75000"/>
+                </a:schemeClr>
+              </a:solidFill>
+            </a:endParaRPr>
+          </a:p>
+        </p:txBody>
+      </p:sp>
+      <p:sp>
+        <p:nvSpPr>
+          <p:cNvPr id="17" name="TextBox 16"/>
+          <p:cNvSpPr txBox="1"/>
+          <p:nvPr/>
+        </p:nvSpPr>
+        <p:spPr>
+          <a:xfrm>
+            <a:off x="7380312" y="6453336"/>
+            <a:ext cx="1584176" cy="215444"/>
+          </a:xfrm>
+          <a:prstGeom prst="rect">
+            <a:avLst/>
+          </a:prstGeom>
+          <a:noFill/>
+        </p:spPr>
+        <p:txBody>
+          <a:bodyPr wrap="square" rtlCol="0">
+            <a:spAutoFit/>
+          </a:bodyPr>
+          <a:lstStyle/>
+          <a:p>
+            <a:pPr algn="r"/>
+            <a:fld id="{663F9F94-0DD2-4D1A-94AC-D2F8E17589FC}" type="slidenum">
+              <a:rPr lang="en-US" altLang="ko-KR" sz="800" spc="-30" smtClean="0">
+                <a:solidFill>
+                  <a:schemeClr val="tx1">
+                    <a:lumMod val="50000"/>
+                    <a:lumOff val="50000"/>
+                  </a:schemeClr>
+                </a:solidFill>
+                <a:latin typeface="나눔고딕" pitchFamily="50" charset="-127"/>
+                <a:ea typeface="나눔고딕" pitchFamily="50" charset="-127"/>
+              </a:rPr>
+              <a:pPr algn="r"/>
+              <a:t>4</a:t>
+            </a:fld>
+            <a:r>
+              <a:rPr lang="en-US" altLang="ko-KR" sz="800" spc="-30" dirty="0" smtClean="0">
+                <a:solidFill>
+                  <a:schemeClr val="tx1">
+                    <a:lumMod val="50000"/>
+                    <a:lumOff val="50000"/>
+                  </a:schemeClr>
+                </a:solidFill>
+                <a:latin typeface="나눔고딕" pitchFamily="50" charset="-127"/>
+                <a:ea typeface="나눔고딕" pitchFamily="50" charset="-127"/>
+              </a:rPr>
+              <a:t>/ 12</a:t>
+            </a:r>
+            <a:endParaRPr lang="en-US" altLang="ko-KR" sz="800" spc="-30" dirty="0">
+              <a:solidFill>
+                <a:schemeClr val="tx1">
+                  <a:lumMod val="50000"/>
+                  <a:lumOff val="50000"/>
+                </a:schemeClr>
+              </a:solidFill>
+              <a:latin typeface="나눔고딕" pitchFamily="50" charset="-127"/>
+              <a:ea typeface="나눔고딕" pitchFamily="50" charset="-127"/>
+            </a:endParaRPr>
+          </a:p>
+        </p:txBody>
+      </p:sp>
+      <p:sp>
+        <p:nvSpPr>
+          <p:cNvPr id="18" name="TextBox 17"/>
+          <p:cNvSpPr txBox="1"/>
+          <p:nvPr/>
+        </p:nvSpPr>
+        <p:spPr>
+          <a:xfrm>
+            <a:off x="5076056" y="1870160"/>
+            <a:ext cx="6128237" cy="550728"/>
+          </a:xfrm>
+          <a:prstGeom prst="rect">
+            <a:avLst/>
+          </a:prstGeom>
+          <a:noFill/>
+        </p:spPr>
+        <p:txBody>
+          <a:bodyPr wrap="square" rtlCol="0">
+            <a:spAutoFit/>
+          </a:bodyPr>
+          <a:lstStyle/>
+          <a:p>
+            <a:pPr indent="-514350">
+              <a:lnSpc>
+                <a:spcPct val="120000"/>
+              </a:lnSpc>
+            </a:pPr>
+            <a:r>
+              <a:rPr lang="ko-KR" altLang="en-US" sz="1300" b="1" spc="-30" dirty="0" smtClean="0">
+                <a:solidFill>
+                  <a:schemeClr val="tx1">
+                    <a:lumMod val="65000"/>
+                    <a:lumOff val="35000"/>
+                  </a:schemeClr>
+                </a:solidFill>
+                <a:latin typeface="나눔명조" pitchFamily="18" charset="-127"/>
+                <a:ea typeface="나눔명조" pitchFamily="18" charset="-127"/>
+              </a:rPr>
+              <a:t>평점 </a:t>
+            </a:r>
+            <a:r>
+              <a:rPr lang="en-US" altLang="ko-KR" sz="1300" b="1" spc="-30" dirty="0" smtClean="0">
+                <a:solidFill>
+                  <a:schemeClr val="tx1">
+                    <a:lumMod val="65000"/>
+                    <a:lumOff val="35000"/>
+                  </a:schemeClr>
+                </a:solidFill>
+                <a:latin typeface="나눔명조" pitchFamily="18" charset="-127"/>
+                <a:ea typeface="나눔명조" pitchFamily="18" charset="-127"/>
+              </a:rPr>
+              <a:t>0 </a:t>
+            </a:r>
+            <a:r>
+              <a:rPr lang="ko-KR" altLang="en-US" sz="1300" b="1" spc="-30" dirty="0" smtClean="0">
+                <a:solidFill>
+                  <a:schemeClr val="tx1">
+                    <a:lumMod val="65000"/>
+                    <a:lumOff val="35000"/>
+                  </a:schemeClr>
+                </a:solidFill>
+                <a:latin typeface="나눔명조" pitchFamily="18" charset="-127"/>
+                <a:ea typeface="나눔명조" pitchFamily="18" charset="-127"/>
+              </a:rPr>
+              <a:t>에서 평점 </a:t>
+            </a:r>
+            <a:r>
+              <a:rPr lang="en-US" altLang="ko-KR" sz="1300" b="1" spc="-30" dirty="0" smtClean="0">
+                <a:solidFill>
+                  <a:schemeClr val="tx1">
+                    <a:lumMod val="65000"/>
+                    <a:lumOff val="35000"/>
+                  </a:schemeClr>
+                </a:solidFill>
+                <a:latin typeface="나눔명조" pitchFamily="18" charset="-127"/>
+                <a:ea typeface="나눔명조" pitchFamily="18" charset="-127"/>
+              </a:rPr>
+              <a:t>5</a:t>
+            </a:r>
+            <a:r>
+              <a:rPr lang="ko-KR" altLang="en-US" sz="1300" b="1" spc="-30" dirty="0" smtClean="0">
+                <a:solidFill>
+                  <a:schemeClr val="tx1">
+                    <a:lumMod val="65000"/>
+                    <a:lumOff val="35000"/>
+                  </a:schemeClr>
+                </a:solidFill>
+                <a:latin typeface="나눔명조" pitchFamily="18" charset="-127"/>
+                <a:ea typeface="나눔명조" pitchFamily="18" charset="-127"/>
+              </a:rPr>
+              <a:t>까지를 기준으로 분석</a:t>
+            </a:r>
+            <a:endParaRPr lang="en-US" altLang="ko-KR" sz="1300" b="1" spc="-30" dirty="0" smtClean="0">
+              <a:solidFill>
+                <a:schemeClr val="tx1">
+                  <a:lumMod val="65000"/>
+                  <a:lumOff val="35000"/>
+                </a:schemeClr>
+              </a:solidFill>
+              <a:latin typeface="나눔명조" pitchFamily="18" charset="-127"/>
+              <a:ea typeface="나눔명조" pitchFamily="18" charset="-127"/>
+            </a:endParaRPr>
+          </a:p>
+          <a:p>
+            <a:pPr indent="-514350">
+              <a:lnSpc>
+                <a:spcPct val="120000"/>
+              </a:lnSpc>
+            </a:pPr>
+            <a:r>
+              <a:rPr lang="ko-KR" altLang="en-US" sz="1300" b="1" spc="-30" dirty="0" smtClean="0">
+                <a:solidFill>
+                  <a:schemeClr val="tx1">
+                    <a:lumMod val="65000"/>
+                    <a:lumOff val="35000"/>
+                  </a:schemeClr>
+                </a:solidFill>
+                <a:latin typeface="나눔명조" pitchFamily="18" charset="-127"/>
+                <a:ea typeface="나눔명조" pitchFamily="18" charset="-127"/>
+              </a:rPr>
+              <a:t>중앙값인 </a:t>
+            </a:r>
+            <a:r>
+              <a:rPr lang="en-US" altLang="ko-KR" sz="1300" b="1" spc="-30" dirty="0" smtClean="0">
+                <a:solidFill>
+                  <a:schemeClr val="tx1">
+                    <a:lumMod val="65000"/>
+                    <a:lumOff val="35000"/>
+                  </a:schemeClr>
+                </a:solidFill>
+                <a:latin typeface="나눔명조" pitchFamily="18" charset="-127"/>
+                <a:ea typeface="나눔명조" pitchFamily="18" charset="-127"/>
+              </a:rPr>
+              <a:t>2.5</a:t>
+            </a:r>
+            <a:r>
+              <a:rPr lang="ko-KR" altLang="en-US" sz="1300" b="1" spc="-30" dirty="0" smtClean="0">
+                <a:solidFill>
+                  <a:schemeClr val="tx1">
+                    <a:lumMod val="65000"/>
+                    <a:lumOff val="35000"/>
+                  </a:schemeClr>
+                </a:solidFill>
+                <a:latin typeface="나눔명조" pitchFamily="18" charset="-127"/>
+                <a:ea typeface="나눔명조" pitchFamily="18" charset="-127"/>
+              </a:rPr>
+              <a:t>를 기준으로 정규분포에 근사</a:t>
+            </a:r>
+            <a:endParaRPr lang="en-US" altLang="ko-KR" sz="1300" b="1" spc="-30" dirty="0" smtClean="0">
+              <a:solidFill>
+                <a:schemeClr val="tx1">
+                  <a:lumMod val="65000"/>
+                  <a:lumOff val="35000"/>
+                </a:schemeClr>
+              </a:solidFill>
+              <a:latin typeface="나눔명조" pitchFamily="18" charset="-127"/>
+              <a:ea typeface="나눔명조" pitchFamily="18" charset="-127"/>
+            </a:endParaRPr>
+          </a:p>
+        </p:txBody>
+      </p:sp>
+      <p:sp>
+        <p:nvSpPr>
+          <p:cNvPr id="7" name="제목 6"/>
+          <p:cNvSpPr>
+            <a:spLocks noGrp="1"/>
+          </p:cNvSpPr>
+          <p:nvPr>
+            <p:ph type="title"/>
+          </p:nvPr>
+        </p:nvSpPr>
+        <p:spPr>
+          <a:xfrm>
+            <a:off x="436811" y="361231"/>
+            <a:ext cx="8229600" cy="1008112"/>
+          </a:xfrm>
+        </p:spPr>
+        <p:txBody>
+          <a:bodyPr anchor="t">
+            <a:normAutofit/>
+          </a:bodyPr>
+          <a:lstStyle/>
+          <a:p>
+            <a:pPr algn="l"/>
+            <a:r>
+              <a:rPr lang="ko-KR" altLang="en-US" sz="2400" spc="-150" dirty="0" smtClean="0">
+                <a:solidFill>
+                  <a:schemeClr val="bg1"/>
+                </a:solidFill>
+              </a:rPr>
+              <a:t>전체기업 분석</a:t>
+            </a:r>
+            <a:r>
+              <a:rPr lang="en-US" altLang="ko-KR" sz="2400" spc="-150" dirty="0" smtClean="0">
+                <a:solidFill>
+                  <a:schemeClr val="bg1"/>
+                </a:solidFill>
+              </a:rPr>
+              <a:t/>
+            </a:r>
+            <a:br>
+              <a:rPr lang="en-US" altLang="ko-KR" sz="2400" spc="-150" dirty="0" smtClean="0">
+                <a:solidFill>
+                  <a:schemeClr val="bg1"/>
+                </a:solidFill>
+              </a:rPr>
+            </a:br>
+            <a:r>
+              <a:rPr lang="en-US" altLang="ko-KR" sz="1400" spc="-150" dirty="0" smtClean="0">
+                <a:solidFill>
+                  <a:schemeClr val="bg1"/>
+                </a:solidFill>
+              </a:rPr>
+              <a:t>- </a:t>
+            </a:r>
+            <a:r>
+              <a:rPr lang="ko-KR" altLang="en-US" sz="1400" spc="-150" dirty="0" smtClean="0">
+                <a:solidFill>
+                  <a:schemeClr val="bg1"/>
+                </a:solidFill>
+              </a:rPr>
+              <a:t>기업 분포도</a:t>
+            </a:r>
+            <a:endParaRPr lang="ko-KR" altLang="en-US" sz="2400" spc="-150" dirty="0">
+              <a:solidFill>
+                <a:schemeClr val="bg1"/>
+              </a:solidFill>
+            </a:endParaRPr>
+          </a:p>
+        </p:txBody>
+      </p:sp>
+      <p:pic>
+        <p:nvPicPr>
+          <p:cNvPr id="9" name="Picture 3" descr="C:\lkj\Rexam\project\output\직원수별 분포도.png"/>
+          <p:cNvPicPr>
+            <a:picLocks noChangeAspect="1" noChangeArrowheads="1"/>
+          </p:cNvPicPr>
+          <p:nvPr/>
+        </p:nvPicPr>
+        <p:blipFill>
+          <a:blip r:embed="rId2">
+            <a:extLst>
+              <a:ext uri="{28A0092B-C50C-407E-A947-70E740481C1C}">
+                <a14:useLocalDpi xmlns:a14="http://schemas.microsoft.com/office/drawing/2010/main" val="0"/>
+              </a:ext>
+            </a:extLst>
+          </a:blip>
+          <a:srcRect/>
+          <a:stretch>
+            <a:fillRect/>
+          </a:stretch>
+        </p:blipFill>
+        <p:spPr bwMode="auto">
+          <a:xfrm>
+            <a:off x="467544" y="1556792"/>
+            <a:ext cx="4104456" cy="3528392"/>
+          </a:xfrm>
+          <a:prstGeom prst="rect">
+            <a:avLst/>
+          </a:prstGeom>
+          <a:noFill/>
+          <a:extLst>
+            <a:ext uri="{909E8E84-426E-40DD-AFC4-6F175D3DCCD1}">
+              <a14:hiddenFill xmlns:a14="http://schemas.microsoft.com/office/drawing/2010/main">
+                <a:solidFill>
+                  <a:srgbClr val="FFFFFF"/>
+                </a:solidFill>
+              </a14:hiddenFill>
+            </a:ext>
+          </a:extLst>
+        </p:spPr>
+      </p:pic>
+      <p:pic>
+        <p:nvPicPr>
+          <p:cNvPr id="2051" name="Picture 3" descr="C:\lkj\Rexam\project\output\매출액별 분포도.png"/>
+          <p:cNvPicPr>
+            <a:picLocks noChangeAspect="1" noChangeArrowheads="1"/>
+          </p:cNvPicPr>
+          <p:nvPr/>
+        </p:nvPicPr>
+        <p:blipFill>
+          <a:blip r:embed="rId3">
+            <a:extLst>
+              <a:ext uri="{28A0092B-C50C-407E-A947-70E740481C1C}">
+                <a14:useLocalDpi xmlns:a14="http://schemas.microsoft.com/office/drawing/2010/main" val="0"/>
+              </a:ext>
+            </a:extLst>
+          </a:blip>
+          <a:srcRect/>
+          <a:stretch>
+            <a:fillRect/>
+          </a:stretch>
+        </p:blipFill>
+        <p:spPr bwMode="auto">
+          <a:xfrm>
+            <a:off x="4788024" y="1556792"/>
+            <a:ext cx="3836790" cy="3528000"/>
+          </a:xfrm>
+          <a:prstGeom prst="rect">
+            <a:avLst/>
+          </a:prstGeom>
+          <a:noFill/>
+          <a:extLst>
+            <a:ext uri="{909E8E84-426E-40DD-AFC4-6F175D3DCCD1}">
+              <a14:hiddenFill xmlns:a14="http://schemas.microsoft.com/office/drawing/2010/main">
+                <a:solidFill>
+                  <a:srgbClr val="FFFFFF"/>
+                </a:solidFill>
+              </a14:hiddenFill>
+            </a:ext>
+          </a:extLst>
+        </p:spPr>
+      </p:pic>
+      <p:sp>
+        <p:nvSpPr>
+          <p:cNvPr id="2" name="직사각형 1"/>
+          <p:cNvSpPr/>
+          <p:nvPr/>
+        </p:nvSpPr>
+        <p:spPr>
+          <a:xfrm>
+            <a:off x="591758" y="3093674"/>
+            <a:ext cx="4000044" cy="360040"/>
+          </a:xfrm>
+          <a:prstGeom prst="rect">
+            <a:avLst/>
+          </a:prstGeom>
+          <a:noFill/>
+          <a:ln>
+            <a:solidFill>
+              <a:srgbClr val="FF0000"/>
+            </a:solidFill>
+          </a:ln>
+        </p:spPr>
+        <p:style>
+          <a:lnRef idx="2">
+            <a:schemeClr val="accent1">
+              <a:shade val="50000"/>
+            </a:schemeClr>
+          </a:lnRef>
+          <a:fillRef idx="1">
+            <a:schemeClr val="accent1"/>
+          </a:fillRef>
+          <a:effectRef idx="0">
+            <a:schemeClr val="accent1"/>
+          </a:effectRef>
+          <a:fontRef idx="minor">
+            <a:schemeClr val="lt1"/>
+          </a:fontRef>
+        </p:style>
+        <p:txBody>
+          <a:bodyPr rtlCol="0" anchor="ctr"/>
+          <a:lstStyle/>
+          <a:p>
+            <a:pPr algn="ctr"/>
+            <a:endParaRPr lang="ko-KR" altLang="en-US"/>
+          </a:p>
+        </p:txBody>
+      </p:sp>
+      <p:sp>
+        <p:nvSpPr>
+          <p:cNvPr id="14" name="직사각형 13"/>
+          <p:cNvSpPr/>
+          <p:nvPr/>
+        </p:nvSpPr>
+        <p:spPr>
+          <a:xfrm>
+            <a:off x="4892436" y="3068960"/>
+            <a:ext cx="3784020" cy="360040"/>
+          </a:xfrm>
+          <a:prstGeom prst="rect">
+            <a:avLst/>
+          </a:prstGeom>
+          <a:noFill/>
+          <a:ln>
+            <a:solidFill>
+              <a:srgbClr val="FF0000"/>
+            </a:solidFill>
+          </a:ln>
+        </p:spPr>
+        <p:style>
+          <a:lnRef idx="2">
+            <a:schemeClr val="accent1">
+              <a:shade val="50000"/>
+            </a:schemeClr>
+          </a:lnRef>
+          <a:fillRef idx="1">
+            <a:schemeClr val="accent1"/>
+          </a:fillRef>
+          <a:effectRef idx="0">
+            <a:schemeClr val="accent1"/>
+          </a:effectRef>
+          <a:fontRef idx="minor">
+            <a:schemeClr val="lt1"/>
+          </a:fontRef>
+        </p:style>
+        <p:txBody>
+          <a:bodyPr rtlCol="0" anchor="ctr"/>
+          <a:lstStyle/>
+          <a:p>
+            <a:pPr algn="ctr"/>
+            <a:endParaRPr lang="ko-KR" altLang="en-US"/>
+          </a:p>
+        </p:txBody>
+      </p:sp>
+      <p:sp>
+        <p:nvSpPr>
+          <p:cNvPr id="15" name="TextBox 14"/>
+          <p:cNvSpPr txBox="1"/>
+          <p:nvPr/>
+        </p:nvSpPr>
+        <p:spPr>
+          <a:xfrm>
+            <a:off x="551788" y="5085184"/>
+            <a:ext cx="3876196" cy="812530"/>
+          </a:xfrm>
+          <a:prstGeom prst="rect">
+            <a:avLst/>
+          </a:prstGeom>
+          <a:noFill/>
+        </p:spPr>
+        <p:txBody>
+          <a:bodyPr wrap="square" rtlCol="0">
+            <a:spAutoFit/>
+          </a:bodyPr>
+          <a:lstStyle/>
+          <a:p>
+            <a:pPr indent="-514350">
+              <a:lnSpc>
+                <a:spcPct val="120000"/>
+              </a:lnSpc>
+            </a:pPr>
+            <a:r>
+              <a:rPr lang="ko-KR" altLang="en-US" sz="1300" b="1" spc="-30" dirty="0" smtClean="0">
+                <a:solidFill>
+                  <a:schemeClr val="tx1">
+                    <a:lumMod val="65000"/>
+                    <a:lumOff val="35000"/>
+                  </a:schemeClr>
+                </a:solidFill>
+                <a:latin typeface="나눔명조" pitchFamily="18" charset="-127"/>
+                <a:ea typeface="나눔명조" pitchFamily="18" charset="-127"/>
+              </a:rPr>
+              <a:t>국내 기업 중 직원규모가</a:t>
+            </a:r>
+            <a:endParaRPr lang="en-US" altLang="ko-KR" sz="1300" b="1" spc="-30" dirty="0" smtClean="0">
+              <a:solidFill>
+                <a:schemeClr val="tx1">
+                  <a:lumMod val="65000"/>
+                  <a:lumOff val="35000"/>
+                </a:schemeClr>
+              </a:solidFill>
+              <a:latin typeface="나눔명조" pitchFamily="18" charset="-127"/>
+              <a:ea typeface="나눔명조" pitchFamily="18" charset="-127"/>
+            </a:endParaRPr>
+          </a:p>
+          <a:p>
+            <a:pPr indent="-514350">
+              <a:lnSpc>
+                <a:spcPct val="120000"/>
+              </a:lnSpc>
+            </a:pPr>
+            <a:r>
+              <a:rPr lang="en-US" altLang="ko-KR" sz="1300" b="1" spc="-30" dirty="0" smtClean="0">
+                <a:solidFill>
+                  <a:schemeClr val="tx1">
+                    <a:lumMod val="65000"/>
+                    <a:lumOff val="35000"/>
+                  </a:schemeClr>
+                </a:solidFill>
+                <a:latin typeface="나눔명조" pitchFamily="18" charset="-127"/>
+                <a:ea typeface="나눔명조" pitchFamily="18" charset="-127"/>
+              </a:rPr>
+              <a:t>100</a:t>
+            </a:r>
+            <a:r>
+              <a:rPr lang="ko-KR" altLang="en-US" sz="1300" b="1" spc="-30" dirty="0" smtClean="0">
+                <a:solidFill>
+                  <a:schemeClr val="tx1">
+                    <a:lumMod val="65000"/>
+                    <a:lumOff val="35000"/>
+                  </a:schemeClr>
+                </a:solidFill>
+                <a:latin typeface="나눔명조" pitchFamily="18" charset="-127"/>
+                <a:ea typeface="나눔명조" pitchFamily="18" charset="-127"/>
+              </a:rPr>
+              <a:t>명 이상 </a:t>
+            </a:r>
+            <a:r>
+              <a:rPr lang="en-US" altLang="ko-KR" sz="1300" b="1" spc="-30" dirty="0" smtClean="0">
+                <a:solidFill>
+                  <a:schemeClr val="tx1">
+                    <a:lumMod val="65000"/>
+                    <a:lumOff val="35000"/>
+                  </a:schemeClr>
+                </a:solidFill>
+                <a:latin typeface="나눔명조" pitchFamily="18" charset="-127"/>
+                <a:ea typeface="나눔명조" pitchFamily="18" charset="-127"/>
+              </a:rPr>
+              <a:t>200</a:t>
+            </a:r>
+            <a:r>
+              <a:rPr lang="ko-KR" altLang="en-US" sz="1300" b="1" spc="-30" dirty="0" smtClean="0">
+                <a:solidFill>
+                  <a:schemeClr val="tx1">
+                    <a:lumMod val="65000"/>
+                    <a:lumOff val="35000"/>
+                  </a:schemeClr>
+                </a:solidFill>
+                <a:latin typeface="나눔명조" pitchFamily="18" charset="-127"/>
+                <a:ea typeface="나눔명조" pitchFamily="18" charset="-127"/>
+              </a:rPr>
+              <a:t>명 미만인 기업이 </a:t>
+            </a:r>
+            <a:endParaRPr lang="en-US" altLang="ko-KR" sz="1300" b="1" spc="-30" dirty="0" smtClean="0">
+              <a:solidFill>
+                <a:schemeClr val="tx1">
+                  <a:lumMod val="65000"/>
+                  <a:lumOff val="35000"/>
+                </a:schemeClr>
+              </a:solidFill>
+              <a:latin typeface="나눔명조" pitchFamily="18" charset="-127"/>
+              <a:ea typeface="나눔명조" pitchFamily="18" charset="-127"/>
+            </a:endParaRPr>
+          </a:p>
+          <a:p>
+            <a:pPr indent="-514350">
+              <a:lnSpc>
+                <a:spcPct val="120000"/>
+              </a:lnSpc>
+            </a:pPr>
+            <a:r>
+              <a:rPr lang="ko-KR" altLang="en-US" sz="1300" b="1" spc="-30" dirty="0" smtClean="0">
+                <a:solidFill>
+                  <a:schemeClr val="tx1">
+                    <a:lumMod val="65000"/>
+                    <a:lumOff val="35000"/>
+                  </a:schemeClr>
+                </a:solidFill>
+                <a:latin typeface="나눔명조" pitchFamily="18" charset="-127"/>
+                <a:ea typeface="나눔명조" pitchFamily="18" charset="-127"/>
+              </a:rPr>
+              <a:t>가장 많은 것으로 분석</a:t>
+            </a:r>
+            <a:endParaRPr lang="en-US" altLang="ko-KR" sz="1300" b="1" spc="-30" dirty="0" smtClean="0">
+              <a:solidFill>
+                <a:schemeClr val="tx1">
+                  <a:lumMod val="65000"/>
+                  <a:lumOff val="35000"/>
+                </a:schemeClr>
+              </a:solidFill>
+              <a:latin typeface="나눔명조" pitchFamily="18" charset="-127"/>
+              <a:ea typeface="나눔명조" pitchFamily="18" charset="-127"/>
+            </a:endParaRPr>
+          </a:p>
+        </p:txBody>
+      </p:sp>
+      <p:sp>
+        <p:nvSpPr>
+          <p:cNvPr id="16" name="TextBox 15"/>
+          <p:cNvSpPr txBox="1"/>
+          <p:nvPr/>
+        </p:nvSpPr>
+        <p:spPr>
+          <a:xfrm>
+            <a:off x="3989485" y="1532750"/>
+            <a:ext cx="582515" cy="240066"/>
+          </a:xfrm>
+          <a:prstGeom prst="rect">
+            <a:avLst/>
+          </a:prstGeom>
+          <a:noFill/>
+        </p:spPr>
+        <p:txBody>
+          <a:bodyPr wrap="square" rtlCol="0">
+            <a:spAutoFit/>
+          </a:bodyPr>
+          <a:lstStyle/>
+          <a:p>
+            <a:pPr indent="-514350">
+              <a:lnSpc>
+                <a:spcPct val="120000"/>
+              </a:lnSpc>
+            </a:pPr>
+            <a:r>
+              <a:rPr lang="en-US" altLang="ko-KR" sz="800" b="1" spc="-30" dirty="0" smtClean="0">
+                <a:solidFill>
+                  <a:schemeClr val="tx1">
+                    <a:lumMod val="65000"/>
+                    <a:lumOff val="35000"/>
+                  </a:schemeClr>
+                </a:solidFill>
+                <a:latin typeface="나눔명조" pitchFamily="18" charset="-127"/>
+                <a:ea typeface="나눔명조" pitchFamily="18" charset="-127"/>
+              </a:rPr>
+              <a:t>N=5116</a:t>
+            </a:r>
+            <a:endParaRPr lang="en-US" altLang="ko-KR" sz="1300" b="1" spc="-30" dirty="0" smtClean="0">
+              <a:solidFill>
+                <a:schemeClr val="tx1">
+                  <a:lumMod val="65000"/>
+                  <a:lumOff val="35000"/>
+                </a:schemeClr>
+              </a:solidFill>
+              <a:latin typeface="나눔명조" pitchFamily="18" charset="-127"/>
+              <a:ea typeface="나눔명조" pitchFamily="18" charset="-127"/>
+            </a:endParaRPr>
+          </a:p>
+        </p:txBody>
+      </p:sp>
+      <p:sp>
+        <p:nvSpPr>
+          <p:cNvPr id="19" name="TextBox 18"/>
+          <p:cNvSpPr txBox="1"/>
+          <p:nvPr/>
+        </p:nvSpPr>
+        <p:spPr>
+          <a:xfrm>
+            <a:off x="8096075" y="1637038"/>
+            <a:ext cx="582515" cy="240066"/>
+          </a:xfrm>
+          <a:prstGeom prst="rect">
+            <a:avLst/>
+          </a:prstGeom>
+          <a:noFill/>
+        </p:spPr>
+        <p:txBody>
+          <a:bodyPr wrap="square" rtlCol="0">
+            <a:spAutoFit/>
+          </a:bodyPr>
+          <a:lstStyle/>
+          <a:p>
+            <a:pPr indent="-514350">
+              <a:lnSpc>
+                <a:spcPct val="120000"/>
+              </a:lnSpc>
+            </a:pPr>
+            <a:r>
+              <a:rPr lang="en-US" altLang="ko-KR" sz="800" b="1" spc="-30" dirty="0" smtClean="0">
+                <a:solidFill>
+                  <a:schemeClr val="tx1">
+                    <a:lumMod val="65000"/>
+                    <a:lumOff val="35000"/>
+                  </a:schemeClr>
+                </a:solidFill>
+                <a:latin typeface="나눔명조" pitchFamily="18" charset="-127"/>
+                <a:ea typeface="나눔명조" pitchFamily="18" charset="-127"/>
+              </a:rPr>
+              <a:t>N=5116</a:t>
+            </a:r>
+            <a:endParaRPr lang="en-US" altLang="ko-KR" sz="1300" b="1" spc="-30" dirty="0" smtClean="0">
+              <a:solidFill>
+                <a:schemeClr val="tx1">
+                  <a:lumMod val="65000"/>
+                  <a:lumOff val="35000"/>
+                </a:schemeClr>
+              </a:solidFill>
+              <a:latin typeface="나눔명조" pitchFamily="18" charset="-127"/>
+              <a:ea typeface="나눔명조" pitchFamily="18" charset="-127"/>
+            </a:endParaRPr>
+          </a:p>
+        </p:txBody>
+      </p:sp>
+      <p:sp>
+        <p:nvSpPr>
+          <p:cNvPr id="20" name="TextBox 19"/>
+          <p:cNvSpPr txBox="1"/>
+          <p:nvPr/>
+        </p:nvSpPr>
+        <p:spPr>
+          <a:xfrm>
+            <a:off x="4860032" y="5085184"/>
+            <a:ext cx="3312367" cy="812530"/>
+          </a:xfrm>
+          <a:prstGeom prst="rect">
+            <a:avLst/>
+          </a:prstGeom>
+          <a:noFill/>
+        </p:spPr>
+        <p:txBody>
+          <a:bodyPr wrap="square" rtlCol="0">
+            <a:spAutoFit/>
+          </a:bodyPr>
+          <a:lstStyle/>
+          <a:p>
+            <a:pPr indent="-514350">
+              <a:lnSpc>
+                <a:spcPct val="120000"/>
+              </a:lnSpc>
+            </a:pPr>
+            <a:r>
+              <a:rPr lang="ko-KR" altLang="en-US" sz="1300" b="1" spc="-30" dirty="0">
+                <a:solidFill>
+                  <a:schemeClr val="tx1">
+                    <a:lumMod val="65000"/>
+                    <a:lumOff val="35000"/>
+                  </a:schemeClr>
+                </a:solidFill>
+                <a:latin typeface="나눔명조" pitchFamily="18" charset="-127"/>
+                <a:ea typeface="나눔명조" pitchFamily="18" charset="-127"/>
+              </a:rPr>
+              <a:t>국내 기업 중 </a:t>
+            </a:r>
+            <a:r>
+              <a:rPr lang="ko-KR" altLang="en-US" sz="1300" b="1" spc="-30" dirty="0" smtClean="0">
+                <a:solidFill>
+                  <a:schemeClr val="tx1">
+                    <a:lumMod val="65000"/>
+                    <a:lumOff val="35000"/>
+                  </a:schemeClr>
+                </a:solidFill>
+                <a:latin typeface="나눔명조" pitchFamily="18" charset="-127"/>
+                <a:ea typeface="나눔명조" pitchFamily="18" charset="-127"/>
+              </a:rPr>
+              <a:t>연간 매출액 규모가 </a:t>
+            </a:r>
+            <a:endParaRPr lang="en-US" altLang="ko-KR" sz="1300" b="1" spc="-30" dirty="0" smtClean="0">
+              <a:solidFill>
+                <a:schemeClr val="tx1">
+                  <a:lumMod val="65000"/>
+                  <a:lumOff val="35000"/>
+                </a:schemeClr>
+              </a:solidFill>
+              <a:latin typeface="나눔명조" pitchFamily="18" charset="-127"/>
+              <a:ea typeface="나눔명조" pitchFamily="18" charset="-127"/>
+            </a:endParaRPr>
+          </a:p>
+          <a:p>
+            <a:pPr indent="-514350">
+              <a:lnSpc>
+                <a:spcPct val="120000"/>
+              </a:lnSpc>
+            </a:pPr>
+            <a:r>
+              <a:rPr lang="en-US" altLang="ko-KR" sz="1300" b="1" spc="-30" dirty="0" smtClean="0">
+                <a:solidFill>
+                  <a:schemeClr val="tx1">
+                    <a:lumMod val="65000"/>
+                    <a:lumOff val="35000"/>
+                  </a:schemeClr>
+                </a:solidFill>
+                <a:latin typeface="나눔명조" pitchFamily="18" charset="-127"/>
+                <a:ea typeface="나눔명조" pitchFamily="18" charset="-127"/>
+              </a:rPr>
+              <a:t>100</a:t>
+            </a:r>
+            <a:r>
+              <a:rPr lang="ko-KR" altLang="en-US" sz="1300" b="1" spc="-30" dirty="0" smtClean="0">
+                <a:solidFill>
+                  <a:schemeClr val="tx1">
+                    <a:lumMod val="65000"/>
+                    <a:lumOff val="35000"/>
+                  </a:schemeClr>
+                </a:solidFill>
+                <a:latin typeface="나눔명조" pitchFamily="18" charset="-127"/>
+                <a:ea typeface="나눔명조" pitchFamily="18" charset="-127"/>
+              </a:rPr>
+              <a:t>억 이상 </a:t>
+            </a:r>
+            <a:r>
+              <a:rPr lang="en-US" altLang="ko-KR" sz="1300" b="1" spc="-30" dirty="0" smtClean="0">
+                <a:solidFill>
+                  <a:schemeClr val="tx1">
+                    <a:lumMod val="65000"/>
+                    <a:lumOff val="35000"/>
+                  </a:schemeClr>
+                </a:solidFill>
+                <a:latin typeface="나눔명조" pitchFamily="18" charset="-127"/>
+                <a:ea typeface="나눔명조" pitchFamily="18" charset="-127"/>
+              </a:rPr>
+              <a:t>500</a:t>
+            </a:r>
+            <a:r>
+              <a:rPr lang="ko-KR" altLang="en-US" sz="1300" b="1" spc="-30" dirty="0" smtClean="0">
+                <a:solidFill>
+                  <a:schemeClr val="tx1">
+                    <a:lumMod val="65000"/>
+                    <a:lumOff val="35000"/>
+                  </a:schemeClr>
+                </a:solidFill>
+                <a:latin typeface="나눔명조" pitchFamily="18" charset="-127"/>
+                <a:ea typeface="나눔명조" pitchFamily="18" charset="-127"/>
+              </a:rPr>
+              <a:t>억 미만인 </a:t>
+            </a:r>
+            <a:r>
+              <a:rPr lang="ko-KR" altLang="en-US" sz="1300" b="1" spc="-30" dirty="0">
+                <a:solidFill>
+                  <a:schemeClr val="tx1">
+                    <a:lumMod val="65000"/>
+                    <a:lumOff val="35000"/>
+                  </a:schemeClr>
+                </a:solidFill>
+                <a:latin typeface="나눔명조" pitchFamily="18" charset="-127"/>
+                <a:ea typeface="나눔명조" pitchFamily="18" charset="-127"/>
+              </a:rPr>
+              <a:t>기업이 </a:t>
+            </a:r>
+            <a:endParaRPr lang="en-US" altLang="ko-KR" sz="1300" b="1" spc="-30" dirty="0" smtClean="0">
+              <a:solidFill>
+                <a:schemeClr val="tx1">
+                  <a:lumMod val="65000"/>
+                  <a:lumOff val="35000"/>
+                </a:schemeClr>
+              </a:solidFill>
+              <a:latin typeface="나눔명조" pitchFamily="18" charset="-127"/>
+              <a:ea typeface="나눔명조" pitchFamily="18" charset="-127"/>
+            </a:endParaRPr>
+          </a:p>
+          <a:p>
+            <a:pPr indent="-514350">
+              <a:lnSpc>
+                <a:spcPct val="120000"/>
+              </a:lnSpc>
+            </a:pPr>
+            <a:r>
+              <a:rPr lang="ko-KR" altLang="en-US" sz="1300" b="1" spc="-30" dirty="0" smtClean="0">
+                <a:solidFill>
+                  <a:schemeClr val="tx1">
+                    <a:lumMod val="65000"/>
+                    <a:lumOff val="35000"/>
+                  </a:schemeClr>
+                </a:solidFill>
+                <a:latin typeface="나눔명조" pitchFamily="18" charset="-127"/>
+                <a:ea typeface="나눔명조" pitchFamily="18" charset="-127"/>
+              </a:rPr>
+              <a:t>가장 </a:t>
+            </a:r>
+            <a:r>
+              <a:rPr lang="ko-KR" altLang="en-US" sz="1300" b="1" spc="-30" dirty="0">
+                <a:solidFill>
+                  <a:schemeClr val="tx1">
+                    <a:lumMod val="65000"/>
+                    <a:lumOff val="35000"/>
+                  </a:schemeClr>
+                </a:solidFill>
+                <a:latin typeface="나눔명조" pitchFamily="18" charset="-127"/>
+                <a:ea typeface="나눔명조" pitchFamily="18" charset="-127"/>
+              </a:rPr>
+              <a:t>많은 것으로 </a:t>
+            </a:r>
+            <a:r>
+              <a:rPr lang="ko-KR" altLang="en-US" sz="1300" b="1" spc="-30" dirty="0" smtClean="0">
+                <a:solidFill>
+                  <a:schemeClr val="tx1">
+                    <a:lumMod val="65000"/>
+                    <a:lumOff val="35000"/>
+                  </a:schemeClr>
+                </a:solidFill>
+                <a:latin typeface="나눔명조" pitchFamily="18" charset="-127"/>
+                <a:ea typeface="나눔명조" pitchFamily="18" charset="-127"/>
+              </a:rPr>
+              <a:t>분석</a:t>
+            </a:r>
+            <a:endParaRPr lang="en-US" altLang="ko-KR" sz="1300" b="1" spc="-30" dirty="0" smtClean="0">
+              <a:solidFill>
+                <a:schemeClr val="tx1">
+                  <a:lumMod val="65000"/>
+                  <a:lumOff val="35000"/>
+                </a:schemeClr>
+              </a:solidFill>
+              <a:latin typeface="나눔명조" pitchFamily="18" charset="-127"/>
+              <a:ea typeface="나눔명조" pitchFamily="18" charset="-127"/>
+            </a:endParaRPr>
+          </a:p>
+        </p:txBody>
+      </p:sp>
+    </p:spTree>
+    <p:extLst>
+      <p:ext uri="{BB962C8B-B14F-4D97-AF65-F5344CB8AC3E}">
+        <p14:creationId xmlns:p14="http://schemas.microsoft.com/office/powerpoint/2010/main" val="3672504453"/>
+      </p:ext>
+    </p:extLst>
+  </p:cSld>
+  <p:clrMapOvr>
+    <a:masterClrMapping/>
+  </p:clrMapOvr>
+  <p:timing>
+    <p:tnLst>
+      <p:par>
+        <p:cTn id="1" dur="indefinite" restart="never" nodeType="tmRoot"/>
+      </p:par>
+    </p:tnLst>
+  </p:timing>
+</p:sld>
+</file>
+
+<file path=ppt/slides/slide5.xml><?xml version="1.0" encoding="utf-8"?>
+<p:sld xmlns:a="http://schemas.openxmlformats.org/drawingml/2006/main" xmlns:r="http://schemas.openxmlformats.org/officeDocument/2006/relationships" xmlns:p="http://schemas.openxmlformats.org/presentationml/2006/main">
+  <p:cSld>
+    <p:spTree>
+      <p:nvGrpSpPr>
+        <p:cNvPr id="1" name=""/>
+        <p:cNvGrpSpPr/>
+        <p:nvPr/>
+      </p:nvGrpSpPr>
+      <p:grpSpPr>
+        <a:xfrm>
+          <a:off x="0" y="0"/>
+          <a:ext cx="0" cy="0"/>
+          <a:chOff x="0" y="0"/>
+          <a:chExt cx="0" cy="0"/>
+        </a:xfrm>
+      </p:grpSpPr>
+      <p:sp>
+        <p:nvSpPr>
+          <p:cNvPr id="8" name="직사각형 7"/>
+          <p:cNvSpPr/>
+          <p:nvPr/>
+        </p:nvSpPr>
+        <p:spPr>
+          <a:xfrm>
+            <a:off x="323528" y="332657"/>
+            <a:ext cx="8496944" cy="1008111"/>
+          </a:xfrm>
+          <a:prstGeom prst="rect">
+            <a:avLst/>
+          </a:prstGeom>
+          <a:solidFill>
+            <a:srgbClr val="C00000"/>
+          </a:solidFill>
+          <a:ln>
+            <a:noFill/>
+          </a:ln>
+        </p:spPr>
+        <p:style>
+          <a:lnRef idx="2">
+            <a:schemeClr val="accent1">
+              <a:shade val="50000"/>
+            </a:schemeClr>
+          </a:lnRef>
+          <a:fillRef idx="1">
+            <a:schemeClr val="accent1"/>
+          </a:fillRef>
+          <a:effectRef idx="0">
+            <a:schemeClr val="accent1"/>
+          </a:effectRef>
+          <a:fontRef idx="minor">
+            <a:schemeClr val="lt1"/>
+          </a:fontRef>
+        </p:style>
+        <p:txBody>
+          <a:bodyPr rtlCol="0" anchor="ctr"/>
+          <a:lstStyle/>
+          <a:p>
+            <a:pPr algn="ctr"/>
+            <a:endParaRPr lang="ko-KR" altLang="en-US" dirty="0">
+              <a:solidFill>
+                <a:schemeClr val="accent2">
+                  <a:lumMod val="75000"/>
+                </a:schemeClr>
+              </a:solidFill>
+            </a:endParaRPr>
+          </a:p>
+        </p:txBody>
+      </p:sp>
+      <p:sp>
+        <p:nvSpPr>
+          <p:cNvPr id="17" name="TextBox 16"/>
+          <p:cNvSpPr txBox="1"/>
+          <p:nvPr/>
+        </p:nvSpPr>
+        <p:spPr>
+          <a:xfrm>
+            <a:off x="7380312" y="6453336"/>
+            <a:ext cx="1584176" cy="215444"/>
+          </a:xfrm>
+          <a:prstGeom prst="rect">
+            <a:avLst/>
+          </a:prstGeom>
+          <a:noFill/>
+        </p:spPr>
+        <p:txBody>
+          <a:bodyPr wrap="square" rtlCol="0">
+            <a:spAutoFit/>
+          </a:bodyPr>
+          <a:lstStyle/>
+          <a:p>
+            <a:pPr algn="r"/>
+            <a:fld id="{663F9F94-0DD2-4D1A-94AC-D2F8E17589FC}" type="slidenum">
+              <a:rPr lang="en-US" altLang="ko-KR" sz="800" spc="-30" smtClean="0">
+                <a:solidFill>
+                  <a:schemeClr val="tx1">
+                    <a:lumMod val="50000"/>
+                    <a:lumOff val="50000"/>
+                  </a:schemeClr>
+                </a:solidFill>
+                <a:latin typeface="나눔고딕" pitchFamily="50" charset="-127"/>
+                <a:ea typeface="나눔고딕" pitchFamily="50" charset="-127"/>
+              </a:rPr>
+              <a:pPr algn="r"/>
+              <a:t>5</a:t>
+            </a:fld>
+            <a:r>
+              <a:rPr lang="en-US" altLang="ko-KR" sz="800" spc="-30" dirty="0" smtClean="0">
+                <a:solidFill>
+                  <a:schemeClr val="tx1">
+                    <a:lumMod val="50000"/>
+                    <a:lumOff val="50000"/>
+                  </a:schemeClr>
+                </a:solidFill>
+                <a:latin typeface="나눔고딕" pitchFamily="50" charset="-127"/>
+                <a:ea typeface="나눔고딕" pitchFamily="50" charset="-127"/>
+              </a:rPr>
+              <a:t>/ 12</a:t>
+            </a:r>
+            <a:endParaRPr lang="en-US" altLang="ko-KR" sz="800" spc="-30" dirty="0">
+              <a:solidFill>
+                <a:schemeClr val="tx1">
+                  <a:lumMod val="50000"/>
+                  <a:lumOff val="50000"/>
+                </a:schemeClr>
+              </a:solidFill>
+              <a:latin typeface="나눔고딕" pitchFamily="50" charset="-127"/>
+              <a:ea typeface="나눔고딕" pitchFamily="50" charset="-127"/>
+            </a:endParaRPr>
+          </a:p>
+        </p:txBody>
+      </p:sp>
+      <p:sp>
+        <p:nvSpPr>
+          <p:cNvPr id="18" name="TextBox 17"/>
+          <p:cNvSpPr txBox="1"/>
+          <p:nvPr/>
+        </p:nvSpPr>
+        <p:spPr>
+          <a:xfrm>
+            <a:off x="1043608" y="6093296"/>
+            <a:ext cx="6128237" cy="550728"/>
+          </a:xfrm>
+          <a:prstGeom prst="rect">
+            <a:avLst/>
+          </a:prstGeom>
+          <a:noFill/>
+        </p:spPr>
+        <p:txBody>
+          <a:bodyPr wrap="square" rtlCol="0">
+            <a:spAutoFit/>
+          </a:bodyPr>
+          <a:lstStyle/>
+          <a:p>
+            <a:pPr indent="-514350">
+              <a:lnSpc>
+                <a:spcPct val="120000"/>
+              </a:lnSpc>
+            </a:pPr>
+            <a:r>
+              <a:rPr lang="ko-KR" altLang="en-US" sz="1300" b="1" spc="-30" dirty="0" smtClean="0">
+                <a:solidFill>
+                  <a:schemeClr val="tx1">
+                    <a:lumMod val="65000"/>
+                    <a:lumOff val="35000"/>
+                  </a:schemeClr>
+                </a:solidFill>
+                <a:latin typeface="나눔명조" pitchFamily="18" charset="-127"/>
+                <a:ea typeface="나눔명조" pitchFamily="18" charset="-127"/>
+              </a:rPr>
+              <a:t>평점 </a:t>
+            </a:r>
+            <a:r>
+              <a:rPr lang="en-US" altLang="ko-KR" sz="1300" b="1" spc="-30" dirty="0" smtClean="0">
+                <a:solidFill>
+                  <a:schemeClr val="tx1">
+                    <a:lumMod val="65000"/>
+                    <a:lumOff val="35000"/>
+                  </a:schemeClr>
+                </a:solidFill>
+                <a:latin typeface="나눔명조" pitchFamily="18" charset="-127"/>
+                <a:ea typeface="나눔명조" pitchFamily="18" charset="-127"/>
+              </a:rPr>
+              <a:t>0 </a:t>
+            </a:r>
+            <a:r>
+              <a:rPr lang="ko-KR" altLang="en-US" sz="1300" b="1" spc="-30" dirty="0" smtClean="0">
+                <a:solidFill>
+                  <a:schemeClr val="tx1">
+                    <a:lumMod val="65000"/>
+                    <a:lumOff val="35000"/>
+                  </a:schemeClr>
+                </a:solidFill>
+                <a:latin typeface="나눔명조" pitchFamily="18" charset="-127"/>
+                <a:ea typeface="나눔명조" pitchFamily="18" charset="-127"/>
+              </a:rPr>
+              <a:t>에서 평점 </a:t>
+            </a:r>
+            <a:r>
+              <a:rPr lang="en-US" altLang="ko-KR" sz="1300" b="1" spc="-30" dirty="0" smtClean="0">
+                <a:solidFill>
+                  <a:schemeClr val="tx1">
+                    <a:lumMod val="65000"/>
+                    <a:lumOff val="35000"/>
+                  </a:schemeClr>
+                </a:solidFill>
+                <a:latin typeface="나눔명조" pitchFamily="18" charset="-127"/>
+                <a:ea typeface="나눔명조" pitchFamily="18" charset="-127"/>
+              </a:rPr>
+              <a:t>5</a:t>
+            </a:r>
+            <a:r>
+              <a:rPr lang="ko-KR" altLang="en-US" sz="1300" b="1" spc="-30" dirty="0" smtClean="0">
+                <a:solidFill>
+                  <a:schemeClr val="tx1">
+                    <a:lumMod val="65000"/>
+                    <a:lumOff val="35000"/>
+                  </a:schemeClr>
+                </a:solidFill>
+                <a:latin typeface="나눔명조" pitchFamily="18" charset="-127"/>
+                <a:ea typeface="나눔명조" pitchFamily="18" charset="-127"/>
+              </a:rPr>
+              <a:t>까지를 기준으로 분석</a:t>
+            </a:r>
+            <a:endParaRPr lang="en-US" altLang="ko-KR" sz="1300" b="1" spc="-30" dirty="0" smtClean="0">
+              <a:solidFill>
+                <a:schemeClr val="tx1">
+                  <a:lumMod val="65000"/>
+                  <a:lumOff val="35000"/>
+                </a:schemeClr>
+              </a:solidFill>
+              <a:latin typeface="나눔명조" pitchFamily="18" charset="-127"/>
+              <a:ea typeface="나눔명조" pitchFamily="18" charset="-127"/>
+            </a:endParaRPr>
+          </a:p>
+          <a:p>
+            <a:pPr indent="-514350">
+              <a:lnSpc>
+                <a:spcPct val="120000"/>
+              </a:lnSpc>
+            </a:pPr>
+            <a:r>
+              <a:rPr lang="ko-KR" altLang="en-US" sz="1300" b="1" spc="-30" dirty="0" smtClean="0">
+                <a:solidFill>
+                  <a:schemeClr val="tx1">
+                    <a:lumMod val="65000"/>
+                    <a:lumOff val="35000"/>
+                  </a:schemeClr>
+                </a:solidFill>
+                <a:latin typeface="나눔명조" pitchFamily="18" charset="-127"/>
+                <a:ea typeface="나눔명조" pitchFamily="18" charset="-127"/>
+              </a:rPr>
+              <a:t>중앙값인 </a:t>
+            </a:r>
+            <a:r>
+              <a:rPr lang="en-US" altLang="ko-KR" sz="1300" b="1" spc="-30" dirty="0" smtClean="0">
+                <a:solidFill>
+                  <a:schemeClr val="tx1">
+                    <a:lumMod val="65000"/>
+                    <a:lumOff val="35000"/>
+                  </a:schemeClr>
+                </a:solidFill>
+                <a:latin typeface="나눔명조" pitchFamily="18" charset="-127"/>
+                <a:ea typeface="나눔명조" pitchFamily="18" charset="-127"/>
+              </a:rPr>
+              <a:t>2.5</a:t>
+            </a:r>
+            <a:r>
+              <a:rPr lang="ko-KR" altLang="en-US" sz="1300" b="1" spc="-30" dirty="0" smtClean="0">
+                <a:solidFill>
+                  <a:schemeClr val="tx1">
+                    <a:lumMod val="65000"/>
+                    <a:lumOff val="35000"/>
+                  </a:schemeClr>
+                </a:solidFill>
+                <a:latin typeface="나눔명조" pitchFamily="18" charset="-127"/>
+                <a:ea typeface="나눔명조" pitchFamily="18" charset="-127"/>
+              </a:rPr>
+              <a:t>를 기준으로 정규분포에 근사</a:t>
+            </a:r>
+            <a:endParaRPr lang="en-US" altLang="ko-KR" sz="1300" b="1" spc="-30" dirty="0" smtClean="0">
+              <a:solidFill>
+                <a:schemeClr val="tx1">
+                  <a:lumMod val="65000"/>
+                  <a:lumOff val="35000"/>
+                </a:schemeClr>
+              </a:solidFill>
+              <a:latin typeface="나눔명조" pitchFamily="18" charset="-127"/>
+              <a:ea typeface="나눔명조" pitchFamily="18" charset="-127"/>
+            </a:endParaRPr>
+          </a:p>
+        </p:txBody>
+      </p:sp>
+      <p:sp>
+        <p:nvSpPr>
+          <p:cNvPr id="7" name="제목 6"/>
+          <p:cNvSpPr>
+            <a:spLocks noGrp="1"/>
+          </p:cNvSpPr>
+          <p:nvPr>
+            <p:ph type="title"/>
+          </p:nvPr>
+        </p:nvSpPr>
+        <p:spPr>
+          <a:xfrm>
+            <a:off x="436811" y="361231"/>
+            <a:ext cx="8229600" cy="1008112"/>
+          </a:xfrm>
+        </p:spPr>
+        <p:txBody>
+          <a:bodyPr anchor="t">
+            <a:normAutofit/>
+          </a:bodyPr>
+          <a:lstStyle/>
+          <a:p>
+            <a:pPr algn="l"/>
+            <a:r>
+              <a:rPr lang="ko-KR" altLang="en-US" sz="2400" spc="-150" dirty="0" smtClean="0">
+                <a:solidFill>
+                  <a:schemeClr val="bg1"/>
+                </a:solidFill>
+              </a:rPr>
+              <a:t>전체기업 분석</a:t>
+            </a:r>
+            <a:r>
+              <a:rPr lang="en-US" altLang="ko-KR" sz="2400" spc="-150" dirty="0" smtClean="0">
+                <a:solidFill>
+                  <a:schemeClr val="bg1"/>
+                </a:solidFill>
+              </a:rPr>
+              <a:t/>
+            </a:r>
+            <a:br>
+              <a:rPr lang="en-US" altLang="ko-KR" sz="2400" spc="-150" dirty="0" smtClean="0">
+                <a:solidFill>
+                  <a:schemeClr val="bg1"/>
+                </a:solidFill>
+              </a:rPr>
+            </a:br>
+            <a:r>
+              <a:rPr lang="en-US" altLang="ko-KR" sz="1400" spc="-150" dirty="0" smtClean="0">
+                <a:solidFill>
+                  <a:schemeClr val="bg1"/>
+                </a:solidFill>
+              </a:rPr>
+              <a:t>- </a:t>
+            </a:r>
+            <a:r>
+              <a:rPr lang="ko-KR" altLang="en-US" sz="1400" spc="-150" dirty="0" smtClean="0">
+                <a:solidFill>
+                  <a:schemeClr val="bg1"/>
+                </a:solidFill>
+              </a:rPr>
+              <a:t>평점 대비 </a:t>
+            </a:r>
+            <a:r>
+              <a:rPr lang="ko-KR" altLang="en-US" sz="1400" spc="-150" dirty="0" err="1" smtClean="0">
+                <a:solidFill>
+                  <a:schemeClr val="bg1"/>
+                </a:solidFill>
+              </a:rPr>
+              <a:t>산점도</a:t>
+            </a:r>
+            <a:endParaRPr lang="ko-KR" altLang="en-US" sz="2400" spc="-150" dirty="0">
+              <a:solidFill>
+                <a:schemeClr val="bg1"/>
+              </a:solidFill>
+            </a:endParaRPr>
+          </a:p>
+        </p:txBody>
+      </p:sp>
+      <p:pic>
+        <p:nvPicPr>
+          <p:cNvPr id="3076" name="Picture 4" descr="C:\lkj\Rexam\project\output\평점 대비 매출액.png"/>
+          <p:cNvPicPr>
+            <a:picLocks noChangeAspect="1" noChangeArrowheads="1"/>
+          </p:cNvPicPr>
+          <p:nvPr/>
+        </p:nvPicPr>
+        <p:blipFill>
+          <a:blip r:embed="rId2">
+            <a:extLst>
+              <a:ext uri="{28A0092B-C50C-407E-A947-70E740481C1C}">
+                <a14:useLocalDpi xmlns:a14="http://schemas.microsoft.com/office/drawing/2010/main" val="0"/>
+              </a:ext>
+            </a:extLst>
+          </a:blip>
+          <a:srcRect/>
+          <a:stretch>
+            <a:fillRect/>
+          </a:stretch>
+        </p:blipFill>
+        <p:spPr bwMode="auto">
+          <a:xfrm>
+            <a:off x="827584" y="1484784"/>
+            <a:ext cx="7560840" cy="3126600"/>
+          </a:xfrm>
+          <a:prstGeom prst="rect">
+            <a:avLst/>
+          </a:prstGeom>
+          <a:noFill/>
+          <a:extLst>
+            <a:ext uri="{909E8E84-426E-40DD-AFC4-6F175D3DCCD1}">
+              <a14:hiddenFill xmlns:a14="http://schemas.microsoft.com/office/drawing/2010/main">
+                <a:solidFill>
+                  <a:srgbClr val="FFFFFF"/>
+                </a:solidFill>
+              </a14:hiddenFill>
+            </a:ext>
+          </a:extLst>
+        </p:spPr>
+      </p:pic>
+      <p:sp>
+        <p:nvSpPr>
+          <p:cNvPr id="10" name="TextBox 9"/>
+          <p:cNvSpPr txBox="1"/>
+          <p:nvPr/>
+        </p:nvSpPr>
+        <p:spPr>
+          <a:xfrm>
+            <a:off x="7805909" y="1532750"/>
+            <a:ext cx="582515" cy="240066"/>
+          </a:xfrm>
+          <a:prstGeom prst="rect">
+            <a:avLst/>
+          </a:prstGeom>
+          <a:noFill/>
+        </p:spPr>
+        <p:txBody>
+          <a:bodyPr wrap="square" rtlCol="0">
+            <a:spAutoFit/>
+          </a:bodyPr>
+          <a:lstStyle/>
+          <a:p>
+            <a:pPr indent="-514350">
+              <a:lnSpc>
+                <a:spcPct val="120000"/>
+              </a:lnSpc>
+            </a:pPr>
+            <a:r>
+              <a:rPr lang="en-US" altLang="ko-KR" sz="800" b="1" spc="-30" dirty="0" smtClean="0">
+                <a:solidFill>
+                  <a:schemeClr val="tx1">
+                    <a:lumMod val="65000"/>
+                    <a:lumOff val="35000"/>
+                  </a:schemeClr>
+                </a:solidFill>
+                <a:latin typeface="나눔명조" pitchFamily="18" charset="-127"/>
+                <a:ea typeface="나눔명조" pitchFamily="18" charset="-127"/>
+              </a:rPr>
+              <a:t>N=5116</a:t>
+            </a:r>
+            <a:endParaRPr lang="en-US" altLang="ko-KR" sz="1300" b="1" spc="-30" dirty="0" smtClean="0">
+              <a:solidFill>
+                <a:schemeClr val="tx1">
+                  <a:lumMod val="65000"/>
+                  <a:lumOff val="35000"/>
+                </a:schemeClr>
+              </a:solidFill>
+              <a:latin typeface="나눔명조" pitchFamily="18" charset="-127"/>
+              <a:ea typeface="나눔명조" pitchFamily="18" charset="-127"/>
+            </a:endParaRPr>
+          </a:p>
+        </p:txBody>
+      </p:sp>
+      <p:pic>
+        <p:nvPicPr>
+          <p:cNvPr id="3077" name="Picture 5"/>
+          <p:cNvPicPr>
+            <a:picLocks noChangeAspect="1" noChangeArrowheads="1"/>
+          </p:cNvPicPr>
+          <p:nvPr/>
+        </p:nvPicPr>
+        <p:blipFill>
+          <a:blip r:embed="rId3">
+            <a:extLst>
+              <a:ext uri="{28A0092B-C50C-407E-A947-70E740481C1C}">
+                <a14:useLocalDpi xmlns:a14="http://schemas.microsoft.com/office/drawing/2010/main" val="0"/>
+              </a:ext>
+            </a:extLst>
+          </a:blip>
+          <a:srcRect/>
+          <a:stretch>
+            <a:fillRect/>
+          </a:stretch>
+        </p:blipFill>
+        <p:spPr bwMode="auto">
+          <a:xfrm>
+            <a:off x="1043608" y="4293096"/>
+            <a:ext cx="4896544" cy="1341730"/>
+          </a:xfrm>
+          <a:prstGeom prst="rect">
+            <a:avLst/>
+          </a:prstGeom>
+          <a:noFill/>
+          <a:ln>
+            <a:noFill/>
+          </a:ln>
+          <a:effectLst/>
+          <a:extLst>
+            <a:ext uri="{909E8E84-426E-40DD-AFC4-6F175D3DCCD1}">
+              <a14:hiddenFill xmlns:a14="http://schemas.microsoft.com/office/drawing/2010/main">
+                <a:solidFill>
+                  <a:schemeClr val="accent1"/>
+                </a:solidFill>
+              </a14:hiddenFill>
+            </a:ext>
+            <a:ext uri="{91240B29-F687-4F45-9708-019B960494DF}">
+              <a14:hiddenLine xmlns:a14="http://schemas.microsoft.com/office/drawing/2010/main" w="9525">
+                <a:solidFill>
+                  <a:schemeClr val="tx1"/>
+                </a:solidFill>
+                <a:miter lim="800000"/>
+                <a:headEnd/>
+                <a:tailEnd/>
+              </a14:hiddenLine>
+            </a:ext>
+            <a:ext uri="{AF507438-7753-43E0-B8FC-AC1667EBCBE1}">
+              <a14:hiddenEffects xmlns:a14="http://schemas.microsoft.com/office/drawing/2010/main">
+                <a:effectLst>
+                  <a:outerShdw dist="35921" dir="2700000" algn="ctr" rotWithShape="0">
+                    <a:schemeClr val="bg2"/>
+                  </a:outerShdw>
+                </a:effectLst>
+              </a14:hiddenEffects>
+            </a:ext>
+          </a:extLst>
+        </p:spPr>
+      </p:pic>
+      <p:sp>
+        <p:nvSpPr>
+          <p:cNvPr id="2" name="직사각형 1"/>
+          <p:cNvSpPr/>
+          <p:nvPr/>
+        </p:nvSpPr>
+        <p:spPr>
+          <a:xfrm>
+            <a:off x="4283968" y="4725144"/>
+            <a:ext cx="792088" cy="216024"/>
+          </a:xfrm>
+          <a:prstGeom prst="rect">
+            <a:avLst/>
+          </a:prstGeom>
+          <a:noFill/>
+          <a:ln>
+            <a:solidFill>
+              <a:srgbClr val="FF0000"/>
+            </a:solidFill>
+          </a:ln>
+        </p:spPr>
+        <p:style>
+          <a:lnRef idx="2">
+            <a:schemeClr val="accent1">
+              <a:shade val="50000"/>
+            </a:schemeClr>
+          </a:lnRef>
+          <a:fillRef idx="1">
+            <a:schemeClr val="accent1"/>
+          </a:fillRef>
+          <a:effectRef idx="0">
+            <a:schemeClr val="accent1"/>
+          </a:effectRef>
+          <a:fontRef idx="minor">
+            <a:schemeClr val="lt1"/>
+          </a:fontRef>
+        </p:style>
+        <p:txBody>
+          <a:bodyPr rtlCol="0" anchor="ctr"/>
+          <a:lstStyle/>
+          <a:p>
+            <a:pPr algn="ctr"/>
+            <a:endParaRPr lang="ko-KR" altLang="en-US"/>
+          </a:p>
+        </p:txBody>
+      </p:sp>
+      <p:sp>
+        <p:nvSpPr>
+          <p:cNvPr id="13" name="직사각형 12"/>
+          <p:cNvSpPr/>
+          <p:nvPr/>
+        </p:nvSpPr>
+        <p:spPr>
+          <a:xfrm>
+            <a:off x="2627784" y="5468680"/>
+            <a:ext cx="720080" cy="192568"/>
+          </a:xfrm>
+          <a:prstGeom prst="rect">
+            <a:avLst/>
+          </a:prstGeom>
+          <a:noFill/>
+          <a:ln>
+            <a:solidFill>
+              <a:srgbClr val="FF0000"/>
+            </a:solidFill>
+          </a:ln>
+        </p:spPr>
+        <p:style>
+          <a:lnRef idx="2">
+            <a:schemeClr val="accent1">
+              <a:shade val="50000"/>
+            </a:schemeClr>
+          </a:lnRef>
+          <a:fillRef idx="1">
+            <a:schemeClr val="accent1"/>
+          </a:fillRef>
+          <a:effectRef idx="0">
+            <a:schemeClr val="accent1"/>
+          </a:effectRef>
+          <a:fontRef idx="minor">
+            <a:schemeClr val="lt1"/>
+          </a:fontRef>
+        </p:style>
+        <p:txBody>
+          <a:bodyPr rtlCol="0" anchor="ctr"/>
+          <a:lstStyle/>
+          <a:p>
+            <a:pPr algn="ctr"/>
+            <a:endParaRPr lang="ko-KR" altLang="en-US"/>
+          </a:p>
+        </p:txBody>
+      </p:sp>
+    </p:spTree>
+    <p:extLst>
+      <p:ext uri="{BB962C8B-B14F-4D97-AF65-F5344CB8AC3E}">
+        <p14:creationId xmlns:p14="http://schemas.microsoft.com/office/powerpoint/2010/main" val="2261762859"/>
+      </p:ext>
+    </p:extLst>
+  </p:cSld>
+  <p:clrMapOvr>
+    <a:masterClrMapping/>
+  </p:clrMapOvr>
+  <p:timing>
+    <p:tnLst>
+      <p:par>
+        <p:cTn id="1" dur="indefinite" restart="never" nodeType="tmRoot"/>
+      </p:par>
+    </p:tnLst>
+  </p:timing>
+</p:sld>
+</file>
+
+<file path=ppt/slides/slide6.xml><?xml version="1.0" encoding="utf-8"?>
+<p:sld xmlns:a="http://schemas.openxmlformats.org/drawingml/2006/main" xmlns:r="http://schemas.openxmlformats.org/officeDocument/2006/relationships" xmlns:p="http://schemas.openxmlformats.org/presentationml/2006/main">
+  <p:cSld>
+    <p:spTree>
+      <p:nvGrpSpPr>
+        <p:cNvPr id="1" name=""/>
+        <p:cNvGrpSpPr/>
+        <p:nvPr/>
+      </p:nvGrpSpPr>
+      <p:grpSpPr>
+        <a:xfrm>
+          <a:off x="0" y="0"/>
+          <a:ext cx="0" cy="0"/>
+          <a:chOff x="0" y="0"/>
+          <a:chExt cx="0" cy="0"/>
+        </a:xfrm>
+      </p:grpSpPr>
+      <p:sp>
+        <p:nvSpPr>
+          <p:cNvPr id="8" name="직사각형 7"/>
+          <p:cNvSpPr/>
+          <p:nvPr/>
+        </p:nvSpPr>
+        <p:spPr>
+          <a:xfrm>
+            <a:off x="323528" y="332657"/>
+            <a:ext cx="8496944" cy="1008111"/>
+          </a:xfrm>
+          <a:prstGeom prst="rect">
+            <a:avLst/>
+          </a:prstGeom>
+          <a:solidFill>
+            <a:srgbClr val="C00000"/>
+          </a:solidFill>
+          <a:ln>
+            <a:noFill/>
+          </a:ln>
+        </p:spPr>
+        <p:style>
+          <a:lnRef idx="2">
+            <a:schemeClr val="accent1">
+              <a:shade val="50000"/>
+            </a:schemeClr>
+          </a:lnRef>
+          <a:fillRef idx="1">
+            <a:schemeClr val="accent1"/>
+          </a:fillRef>
+          <a:effectRef idx="0">
+            <a:schemeClr val="accent1"/>
+          </a:effectRef>
+          <a:fontRef idx="minor">
+            <a:schemeClr val="lt1"/>
+          </a:fontRef>
+        </p:style>
+        <p:txBody>
+          <a:bodyPr rtlCol="0" anchor="ctr"/>
+          <a:lstStyle/>
+          <a:p>
+            <a:pPr algn="ctr"/>
+            <a:endParaRPr lang="ko-KR" altLang="en-US" dirty="0">
+              <a:solidFill>
+                <a:schemeClr val="accent2">
+                  <a:lumMod val="75000"/>
+                </a:schemeClr>
+              </a:solidFill>
+            </a:endParaRPr>
+          </a:p>
+        </p:txBody>
+      </p:sp>
+      <p:sp>
+        <p:nvSpPr>
+          <p:cNvPr id="17" name="TextBox 16"/>
+          <p:cNvSpPr txBox="1"/>
+          <p:nvPr/>
+        </p:nvSpPr>
+        <p:spPr>
+          <a:xfrm>
+            <a:off x="7380312" y="6453336"/>
+            <a:ext cx="1584176" cy="215444"/>
+          </a:xfrm>
+          <a:prstGeom prst="rect">
+            <a:avLst/>
+          </a:prstGeom>
+          <a:noFill/>
+        </p:spPr>
+        <p:txBody>
+          <a:bodyPr wrap="square" rtlCol="0">
+            <a:spAutoFit/>
+          </a:bodyPr>
+          <a:lstStyle/>
+          <a:p>
+            <a:pPr algn="r"/>
+            <a:fld id="{663F9F94-0DD2-4D1A-94AC-D2F8E17589FC}" type="slidenum">
+              <a:rPr lang="en-US" altLang="ko-KR" sz="800" spc="-30" smtClean="0">
+                <a:solidFill>
+                  <a:schemeClr val="tx1">
+                    <a:lumMod val="50000"/>
+                    <a:lumOff val="50000"/>
+                  </a:schemeClr>
+                </a:solidFill>
+                <a:latin typeface="나눔고딕" pitchFamily="50" charset="-127"/>
+                <a:ea typeface="나눔고딕" pitchFamily="50" charset="-127"/>
+              </a:rPr>
+              <a:pPr algn="r"/>
+              <a:t>6</a:t>
+            </a:fld>
+            <a:r>
+              <a:rPr lang="en-US" altLang="ko-KR" sz="800" spc="-30" dirty="0" smtClean="0">
+                <a:solidFill>
+                  <a:schemeClr val="tx1">
+                    <a:lumMod val="50000"/>
+                    <a:lumOff val="50000"/>
+                  </a:schemeClr>
+                </a:solidFill>
+                <a:latin typeface="나눔고딕" pitchFamily="50" charset="-127"/>
+                <a:ea typeface="나눔고딕" pitchFamily="50" charset="-127"/>
+              </a:rPr>
+              <a:t>/ 12</a:t>
+            </a:r>
+            <a:endParaRPr lang="en-US" altLang="ko-KR" sz="800" spc="-30" dirty="0">
+              <a:solidFill>
+                <a:schemeClr val="tx1">
+                  <a:lumMod val="50000"/>
+                  <a:lumOff val="50000"/>
+                </a:schemeClr>
+              </a:solidFill>
+              <a:latin typeface="나눔고딕" pitchFamily="50" charset="-127"/>
+              <a:ea typeface="나눔고딕" pitchFamily="50" charset="-127"/>
+            </a:endParaRPr>
+          </a:p>
+        </p:txBody>
+      </p:sp>
+      <p:sp>
+        <p:nvSpPr>
+          <p:cNvPr id="18" name="TextBox 17"/>
+          <p:cNvSpPr txBox="1"/>
+          <p:nvPr/>
+        </p:nvSpPr>
+        <p:spPr>
+          <a:xfrm>
+            <a:off x="5076056" y="1870160"/>
+            <a:ext cx="6128237" cy="550728"/>
+          </a:xfrm>
+          <a:prstGeom prst="rect">
+            <a:avLst/>
+          </a:prstGeom>
+          <a:noFill/>
+        </p:spPr>
+        <p:txBody>
+          <a:bodyPr wrap="square" rtlCol="0">
+            <a:spAutoFit/>
+          </a:bodyPr>
+          <a:lstStyle/>
+          <a:p>
+            <a:pPr indent="-514350">
+              <a:lnSpc>
+                <a:spcPct val="120000"/>
+              </a:lnSpc>
+            </a:pPr>
+            <a:r>
+              <a:rPr lang="ko-KR" altLang="en-US" sz="1300" b="1" spc="-30" dirty="0" smtClean="0">
+                <a:solidFill>
+                  <a:schemeClr val="tx1">
+                    <a:lumMod val="65000"/>
+                    <a:lumOff val="35000"/>
+                  </a:schemeClr>
+                </a:solidFill>
+                <a:latin typeface="나눔명조" pitchFamily="18" charset="-127"/>
+                <a:ea typeface="나눔명조" pitchFamily="18" charset="-127"/>
+              </a:rPr>
+              <a:t>평점 </a:t>
+            </a:r>
+            <a:r>
+              <a:rPr lang="en-US" altLang="ko-KR" sz="1300" b="1" spc="-30" dirty="0" smtClean="0">
+                <a:solidFill>
+                  <a:schemeClr val="tx1">
+                    <a:lumMod val="65000"/>
+                    <a:lumOff val="35000"/>
+                  </a:schemeClr>
+                </a:solidFill>
+                <a:latin typeface="나눔명조" pitchFamily="18" charset="-127"/>
+                <a:ea typeface="나눔명조" pitchFamily="18" charset="-127"/>
+              </a:rPr>
+              <a:t>0 </a:t>
+            </a:r>
+            <a:r>
+              <a:rPr lang="ko-KR" altLang="en-US" sz="1300" b="1" spc="-30" dirty="0" smtClean="0">
+                <a:solidFill>
+                  <a:schemeClr val="tx1">
+                    <a:lumMod val="65000"/>
+                    <a:lumOff val="35000"/>
+                  </a:schemeClr>
+                </a:solidFill>
+                <a:latin typeface="나눔명조" pitchFamily="18" charset="-127"/>
+                <a:ea typeface="나눔명조" pitchFamily="18" charset="-127"/>
+              </a:rPr>
+              <a:t>에서 평점 </a:t>
+            </a:r>
+            <a:r>
+              <a:rPr lang="en-US" altLang="ko-KR" sz="1300" b="1" spc="-30" dirty="0" smtClean="0">
+                <a:solidFill>
+                  <a:schemeClr val="tx1">
+                    <a:lumMod val="65000"/>
+                    <a:lumOff val="35000"/>
+                  </a:schemeClr>
+                </a:solidFill>
+                <a:latin typeface="나눔명조" pitchFamily="18" charset="-127"/>
+                <a:ea typeface="나눔명조" pitchFamily="18" charset="-127"/>
+              </a:rPr>
+              <a:t>5</a:t>
+            </a:r>
+            <a:r>
+              <a:rPr lang="ko-KR" altLang="en-US" sz="1300" b="1" spc="-30" dirty="0" smtClean="0">
+                <a:solidFill>
+                  <a:schemeClr val="tx1">
+                    <a:lumMod val="65000"/>
+                    <a:lumOff val="35000"/>
+                  </a:schemeClr>
+                </a:solidFill>
+                <a:latin typeface="나눔명조" pitchFamily="18" charset="-127"/>
+                <a:ea typeface="나눔명조" pitchFamily="18" charset="-127"/>
+              </a:rPr>
+              <a:t>까지를 기준으로 분석</a:t>
+            </a:r>
+            <a:endParaRPr lang="en-US" altLang="ko-KR" sz="1300" b="1" spc="-30" dirty="0" smtClean="0">
+              <a:solidFill>
+                <a:schemeClr val="tx1">
+                  <a:lumMod val="65000"/>
+                  <a:lumOff val="35000"/>
+                </a:schemeClr>
+              </a:solidFill>
+              <a:latin typeface="나눔명조" pitchFamily="18" charset="-127"/>
+              <a:ea typeface="나눔명조" pitchFamily="18" charset="-127"/>
+            </a:endParaRPr>
+          </a:p>
+          <a:p>
+            <a:pPr indent="-514350">
+              <a:lnSpc>
+                <a:spcPct val="120000"/>
+              </a:lnSpc>
+            </a:pPr>
+            <a:r>
+              <a:rPr lang="ko-KR" altLang="en-US" sz="1300" b="1" spc="-30" dirty="0" smtClean="0">
+                <a:solidFill>
+                  <a:schemeClr val="tx1">
+                    <a:lumMod val="65000"/>
+                    <a:lumOff val="35000"/>
+                  </a:schemeClr>
+                </a:solidFill>
+                <a:latin typeface="나눔명조" pitchFamily="18" charset="-127"/>
+                <a:ea typeface="나눔명조" pitchFamily="18" charset="-127"/>
+              </a:rPr>
+              <a:t>중앙값인 </a:t>
+            </a:r>
+            <a:r>
+              <a:rPr lang="en-US" altLang="ko-KR" sz="1300" b="1" spc="-30" dirty="0" smtClean="0">
+                <a:solidFill>
+                  <a:schemeClr val="tx1">
+                    <a:lumMod val="65000"/>
+                    <a:lumOff val="35000"/>
+                  </a:schemeClr>
+                </a:solidFill>
+                <a:latin typeface="나눔명조" pitchFamily="18" charset="-127"/>
+                <a:ea typeface="나눔명조" pitchFamily="18" charset="-127"/>
+              </a:rPr>
+              <a:t>2.5</a:t>
+            </a:r>
+            <a:r>
+              <a:rPr lang="ko-KR" altLang="en-US" sz="1300" b="1" spc="-30" dirty="0" smtClean="0">
+                <a:solidFill>
+                  <a:schemeClr val="tx1">
+                    <a:lumMod val="65000"/>
+                    <a:lumOff val="35000"/>
+                  </a:schemeClr>
+                </a:solidFill>
+                <a:latin typeface="나눔명조" pitchFamily="18" charset="-127"/>
+                <a:ea typeface="나눔명조" pitchFamily="18" charset="-127"/>
+              </a:rPr>
+              <a:t>를 기준으로 정규분포에 근사</a:t>
+            </a:r>
+            <a:endParaRPr lang="en-US" altLang="ko-KR" sz="1300" b="1" spc="-30" dirty="0" smtClean="0">
+              <a:solidFill>
+                <a:schemeClr val="tx1">
+                  <a:lumMod val="65000"/>
+                  <a:lumOff val="35000"/>
+                </a:schemeClr>
+              </a:solidFill>
+              <a:latin typeface="나눔명조" pitchFamily="18" charset="-127"/>
+              <a:ea typeface="나눔명조" pitchFamily="18" charset="-127"/>
+            </a:endParaRPr>
+          </a:p>
+        </p:txBody>
+      </p:sp>
+      <p:sp>
+        <p:nvSpPr>
+          <p:cNvPr id="7" name="제목 6"/>
+          <p:cNvSpPr>
+            <a:spLocks noGrp="1"/>
+          </p:cNvSpPr>
+          <p:nvPr>
+            <p:ph type="title"/>
+          </p:nvPr>
+        </p:nvSpPr>
+        <p:spPr>
+          <a:xfrm>
+            <a:off x="436811" y="361231"/>
+            <a:ext cx="8229600" cy="1008112"/>
+          </a:xfrm>
+        </p:spPr>
+        <p:txBody>
+          <a:bodyPr anchor="t">
+            <a:normAutofit/>
+          </a:bodyPr>
+          <a:lstStyle/>
+          <a:p>
+            <a:pPr algn="l"/>
+            <a:r>
+              <a:rPr lang="ko-KR" altLang="en-US" sz="2400" spc="-150" dirty="0" smtClean="0">
+                <a:solidFill>
+                  <a:schemeClr val="bg1"/>
+                </a:solidFill>
+              </a:rPr>
+              <a:t>전체기업 분석</a:t>
+            </a:r>
+            <a:r>
+              <a:rPr lang="en-US" altLang="ko-KR" sz="2400" spc="-150" dirty="0" smtClean="0">
+                <a:solidFill>
+                  <a:schemeClr val="bg1"/>
+                </a:solidFill>
+              </a:rPr>
+              <a:t/>
+            </a:r>
+            <a:br>
+              <a:rPr lang="en-US" altLang="ko-KR" sz="2400" spc="-150" dirty="0" smtClean="0">
+                <a:solidFill>
+                  <a:schemeClr val="bg1"/>
+                </a:solidFill>
+              </a:rPr>
+            </a:br>
+            <a:r>
+              <a:rPr lang="en-US" altLang="ko-KR" sz="1400" spc="-150" dirty="0" smtClean="0">
+                <a:solidFill>
+                  <a:schemeClr val="bg1"/>
+                </a:solidFill>
+              </a:rPr>
+              <a:t>- </a:t>
+            </a:r>
+            <a:r>
+              <a:rPr lang="ko-KR" altLang="en-US" sz="1400" spc="-150" dirty="0" smtClean="0">
+                <a:solidFill>
+                  <a:schemeClr val="bg1"/>
+                </a:solidFill>
+              </a:rPr>
+              <a:t>평점 대비 </a:t>
+            </a:r>
+            <a:r>
+              <a:rPr lang="ko-KR" altLang="en-US" sz="1400" spc="-150" dirty="0" err="1" smtClean="0">
+                <a:solidFill>
+                  <a:schemeClr val="bg1"/>
+                </a:solidFill>
+              </a:rPr>
+              <a:t>산점도</a:t>
+            </a:r>
+            <a:endParaRPr lang="ko-KR" altLang="en-US" sz="2400" spc="-150" dirty="0">
+              <a:solidFill>
+                <a:schemeClr val="bg1"/>
+              </a:solidFill>
+            </a:endParaRPr>
+          </a:p>
+        </p:txBody>
+      </p:sp>
+      <p:pic>
+        <p:nvPicPr>
+          <p:cNvPr id="4098" name="Picture 2" descr="C:\lkj\Rexam\project\output\평점 대비 퇴사지수 산포도.png"/>
+          <p:cNvPicPr>
+            <a:picLocks noChangeAspect="1" noChangeArrowheads="1"/>
+          </p:cNvPicPr>
+          <p:nvPr/>
+        </p:nvPicPr>
+        <p:blipFill>
+          <a:blip r:embed="rId2">
+            <a:extLst>
+              <a:ext uri="{28A0092B-C50C-407E-A947-70E740481C1C}">
+                <a14:useLocalDpi xmlns:a14="http://schemas.microsoft.com/office/drawing/2010/main" val="0"/>
+              </a:ext>
+            </a:extLst>
+          </a:blip>
+          <a:srcRect/>
+          <a:stretch>
+            <a:fillRect/>
+          </a:stretch>
+        </p:blipFill>
+        <p:spPr bwMode="auto">
+          <a:xfrm>
+            <a:off x="275625" y="1652339"/>
+            <a:ext cx="8592750" cy="3553321"/>
+          </a:xfrm>
+          <a:prstGeom prst="rect">
+            <a:avLst/>
+          </a:prstGeom>
+          <a:noFill/>
+          <a:extLst>
+            <a:ext uri="{909E8E84-426E-40DD-AFC4-6F175D3DCCD1}">
+              <a14:hiddenFill xmlns:a14="http://schemas.microsoft.com/office/drawing/2010/main">
+                <a:solidFill>
+                  <a:srgbClr val="FFFFFF"/>
+                </a:solidFill>
+              </a14:hiddenFill>
+            </a:ext>
+          </a:extLst>
+        </p:spPr>
+      </p:pic>
+    </p:spTree>
+    <p:extLst>
+      <p:ext uri="{BB962C8B-B14F-4D97-AF65-F5344CB8AC3E}">
+        <p14:creationId xmlns:p14="http://schemas.microsoft.com/office/powerpoint/2010/main" val="1483834222"/>
+      </p:ext>
+    </p:extLst>
+  </p:cSld>
+  <p:clrMapOvr>
+    <a:masterClrMapping/>
+  </p:clrMapOvr>
+  <p:timing>
+    <p:tnLst>
+      <p:par>
+        <p:cTn id="1" dur="indefinite" restart="never" nodeType="tmRoot"/>
+      </p:par>
+    </p:tnLst>
+  </p:timing>
+</p:sld>
+</file>
+
+<file path=ppt/slides/slide7.xml><?xml version="1.0" encoding="utf-8"?>
+<p:sld xmlns:a="http://schemas.openxmlformats.org/drawingml/2006/main" xmlns:r="http://schemas.openxmlformats.org/officeDocument/2006/relationships" xmlns:p="http://schemas.openxmlformats.org/presentationml/2006/main">
+  <p:cSld>
+    <p:spTree>
+      <p:nvGrpSpPr>
+        <p:cNvPr id="1" name=""/>
+        <p:cNvGrpSpPr/>
+        <p:nvPr/>
+      </p:nvGrpSpPr>
+      <p:grpSpPr>
+        <a:xfrm>
+          <a:off x="0" y="0"/>
+          <a:ext cx="0" cy="0"/>
+          <a:chOff x="0" y="0"/>
+          <a:chExt cx="0" cy="0"/>
+        </a:xfrm>
+      </p:grpSpPr>
+      <p:sp>
+        <p:nvSpPr>
+          <p:cNvPr id="8" name="직사각형 7"/>
+          <p:cNvSpPr/>
+          <p:nvPr/>
+        </p:nvSpPr>
+        <p:spPr>
+          <a:xfrm>
+            <a:off x="323528" y="332657"/>
+            <a:ext cx="8496944" cy="1008111"/>
+          </a:xfrm>
+          <a:prstGeom prst="rect">
+            <a:avLst/>
+          </a:prstGeom>
+          <a:solidFill>
+            <a:srgbClr val="C00000"/>
+          </a:solidFill>
+          <a:ln>
+            <a:noFill/>
+          </a:ln>
+        </p:spPr>
+        <p:style>
+          <a:lnRef idx="2">
+            <a:schemeClr val="accent1">
+              <a:shade val="50000"/>
+            </a:schemeClr>
+          </a:lnRef>
+          <a:fillRef idx="1">
+            <a:schemeClr val="accent1"/>
+          </a:fillRef>
+          <a:effectRef idx="0">
+            <a:schemeClr val="accent1"/>
+          </a:effectRef>
+          <a:fontRef idx="minor">
+            <a:schemeClr val="lt1"/>
+          </a:fontRef>
+        </p:style>
+        <p:txBody>
+          <a:bodyPr rtlCol="0" anchor="ctr"/>
+          <a:lstStyle/>
+          <a:p>
+            <a:pPr algn="ctr"/>
+            <a:endParaRPr lang="ko-KR" altLang="en-US" dirty="0">
+              <a:solidFill>
+                <a:schemeClr val="accent2">
+                  <a:lumMod val="75000"/>
+                </a:schemeClr>
+              </a:solidFill>
+            </a:endParaRPr>
+          </a:p>
+        </p:txBody>
+      </p:sp>
+      <p:sp>
+        <p:nvSpPr>
+          <p:cNvPr id="17" name="TextBox 16"/>
+          <p:cNvSpPr txBox="1"/>
+          <p:nvPr/>
+        </p:nvSpPr>
+        <p:spPr>
+          <a:xfrm>
+            <a:off x="7380312" y="6453336"/>
+            <a:ext cx="1584176" cy="215444"/>
+          </a:xfrm>
+          <a:prstGeom prst="rect">
+            <a:avLst/>
+          </a:prstGeom>
+          <a:noFill/>
+        </p:spPr>
+        <p:txBody>
+          <a:bodyPr wrap="square" rtlCol="0">
+            <a:spAutoFit/>
+          </a:bodyPr>
+          <a:lstStyle/>
+          <a:p>
+            <a:pPr algn="r"/>
+            <a:fld id="{663F9F94-0DD2-4D1A-94AC-D2F8E17589FC}" type="slidenum">
+              <a:rPr lang="en-US" altLang="ko-KR" sz="800" spc="-30" smtClean="0">
+                <a:solidFill>
+                  <a:schemeClr val="tx1">
+                    <a:lumMod val="50000"/>
+                    <a:lumOff val="50000"/>
+                  </a:schemeClr>
+                </a:solidFill>
+                <a:latin typeface="나눔고딕" pitchFamily="50" charset="-127"/>
+                <a:ea typeface="나눔고딕" pitchFamily="50" charset="-127"/>
+              </a:rPr>
+              <a:pPr algn="r"/>
+              <a:t>7</a:t>
+            </a:fld>
+            <a:r>
+              <a:rPr lang="en-US" altLang="ko-KR" sz="800" spc="-30" dirty="0" smtClean="0">
+                <a:solidFill>
+                  <a:schemeClr val="tx1">
+                    <a:lumMod val="50000"/>
+                    <a:lumOff val="50000"/>
+                  </a:schemeClr>
+                </a:solidFill>
+                <a:latin typeface="나눔고딕" pitchFamily="50" charset="-127"/>
+                <a:ea typeface="나눔고딕" pitchFamily="50" charset="-127"/>
+              </a:rPr>
+              <a:t>/ 12</a:t>
+            </a:r>
+            <a:endParaRPr lang="en-US" altLang="ko-KR" sz="800" spc="-30" dirty="0">
+              <a:solidFill>
+                <a:schemeClr val="tx1">
+                  <a:lumMod val="50000"/>
+                  <a:lumOff val="50000"/>
+                </a:schemeClr>
+              </a:solidFill>
+              <a:latin typeface="나눔고딕" pitchFamily="50" charset="-127"/>
+              <a:ea typeface="나눔고딕" pitchFamily="50" charset="-127"/>
+            </a:endParaRPr>
+          </a:p>
+        </p:txBody>
+      </p:sp>
+      <p:sp>
+        <p:nvSpPr>
+          <p:cNvPr id="18" name="TextBox 17"/>
+          <p:cNvSpPr txBox="1"/>
+          <p:nvPr/>
+        </p:nvSpPr>
+        <p:spPr>
+          <a:xfrm>
+            <a:off x="5076056" y="1870160"/>
+            <a:ext cx="6128237" cy="550728"/>
+          </a:xfrm>
+          <a:prstGeom prst="rect">
+            <a:avLst/>
+          </a:prstGeom>
+          <a:noFill/>
+        </p:spPr>
+        <p:txBody>
+          <a:bodyPr wrap="square" rtlCol="0">
+            <a:spAutoFit/>
+          </a:bodyPr>
+          <a:lstStyle/>
+          <a:p>
+            <a:pPr indent="-514350">
+              <a:lnSpc>
+                <a:spcPct val="120000"/>
+              </a:lnSpc>
+            </a:pPr>
+            <a:r>
+              <a:rPr lang="ko-KR" altLang="en-US" sz="1300" b="1" spc="-30" dirty="0" smtClean="0">
+                <a:solidFill>
+                  <a:schemeClr val="tx1">
+                    <a:lumMod val="65000"/>
+                    <a:lumOff val="35000"/>
+                  </a:schemeClr>
+                </a:solidFill>
+                <a:latin typeface="나눔명조" pitchFamily="18" charset="-127"/>
+                <a:ea typeface="나눔명조" pitchFamily="18" charset="-127"/>
+              </a:rPr>
+              <a:t>평점 </a:t>
+            </a:r>
+            <a:r>
+              <a:rPr lang="en-US" altLang="ko-KR" sz="1300" b="1" spc="-30" dirty="0" smtClean="0">
+                <a:solidFill>
+                  <a:schemeClr val="tx1">
+                    <a:lumMod val="65000"/>
+                    <a:lumOff val="35000"/>
+                  </a:schemeClr>
+                </a:solidFill>
+                <a:latin typeface="나눔명조" pitchFamily="18" charset="-127"/>
+                <a:ea typeface="나눔명조" pitchFamily="18" charset="-127"/>
+              </a:rPr>
+              <a:t>0 </a:t>
+            </a:r>
+            <a:r>
+              <a:rPr lang="ko-KR" altLang="en-US" sz="1300" b="1" spc="-30" dirty="0" smtClean="0">
+                <a:solidFill>
+                  <a:schemeClr val="tx1">
+                    <a:lumMod val="65000"/>
+                    <a:lumOff val="35000"/>
+                  </a:schemeClr>
+                </a:solidFill>
+                <a:latin typeface="나눔명조" pitchFamily="18" charset="-127"/>
+                <a:ea typeface="나눔명조" pitchFamily="18" charset="-127"/>
+              </a:rPr>
+              <a:t>에서 평점 </a:t>
+            </a:r>
+            <a:r>
+              <a:rPr lang="en-US" altLang="ko-KR" sz="1300" b="1" spc="-30" dirty="0" smtClean="0">
+                <a:solidFill>
+                  <a:schemeClr val="tx1">
+                    <a:lumMod val="65000"/>
+                    <a:lumOff val="35000"/>
+                  </a:schemeClr>
+                </a:solidFill>
+                <a:latin typeface="나눔명조" pitchFamily="18" charset="-127"/>
+                <a:ea typeface="나눔명조" pitchFamily="18" charset="-127"/>
+              </a:rPr>
+              <a:t>5</a:t>
+            </a:r>
+            <a:r>
+              <a:rPr lang="ko-KR" altLang="en-US" sz="1300" b="1" spc="-30" dirty="0" smtClean="0">
+                <a:solidFill>
+                  <a:schemeClr val="tx1">
+                    <a:lumMod val="65000"/>
+                    <a:lumOff val="35000"/>
+                  </a:schemeClr>
+                </a:solidFill>
+                <a:latin typeface="나눔명조" pitchFamily="18" charset="-127"/>
+                <a:ea typeface="나눔명조" pitchFamily="18" charset="-127"/>
+              </a:rPr>
+              <a:t>까지를 기준으로 분석</a:t>
+            </a:r>
+            <a:endParaRPr lang="en-US" altLang="ko-KR" sz="1300" b="1" spc="-30" dirty="0" smtClean="0">
+              <a:solidFill>
+                <a:schemeClr val="tx1">
+                  <a:lumMod val="65000"/>
+                  <a:lumOff val="35000"/>
+                </a:schemeClr>
+              </a:solidFill>
+              <a:latin typeface="나눔명조" pitchFamily="18" charset="-127"/>
+              <a:ea typeface="나눔명조" pitchFamily="18" charset="-127"/>
+            </a:endParaRPr>
+          </a:p>
+          <a:p>
+            <a:pPr indent="-514350">
+              <a:lnSpc>
+                <a:spcPct val="120000"/>
+              </a:lnSpc>
+            </a:pPr>
+            <a:r>
+              <a:rPr lang="ko-KR" altLang="en-US" sz="1300" b="1" spc="-30" dirty="0" smtClean="0">
+                <a:solidFill>
+                  <a:schemeClr val="tx1">
+                    <a:lumMod val="65000"/>
+                    <a:lumOff val="35000"/>
+                  </a:schemeClr>
+                </a:solidFill>
+                <a:latin typeface="나눔명조" pitchFamily="18" charset="-127"/>
+                <a:ea typeface="나눔명조" pitchFamily="18" charset="-127"/>
+              </a:rPr>
+              <a:t>중앙값인 </a:t>
+            </a:r>
+            <a:r>
+              <a:rPr lang="en-US" altLang="ko-KR" sz="1300" b="1" spc="-30" dirty="0" smtClean="0">
+                <a:solidFill>
+                  <a:schemeClr val="tx1">
+                    <a:lumMod val="65000"/>
+                    <a:lumOff val="35000"/>
+                  </a:schemeClr>
+                </a:solidFill>
+                <a:latin typeface="나눔명조" pitchFamily="18" charset="-127"/>
+                <a:ea typeface="나눔명조" pitchFamily="18" charset="-127"/>
+              </a:rPr>
+              <a:t>2.5</a:t>
+            </a:r>
+            <a:r>
+              <a:rPr lang="ko-KR" altLang="en-US" sz="1300" b="1" spc="-30" dirty="0" smtClean="0">
+                <a:solidFill>
+                  <a:schemeClr val="tx1">
+                    <a:lumMod val="65000"/>
+                    <a:lumOff val="35000"/>
+                  </a:schemeClr>
+                </a:solidFill>
+                <a:latin typeface="나눔명조" pitchFamily="18" charset="-127"/>
+                <a:ea typeface="나눔명조" pitchFamily="18" charset="-127"/>
+              </a:rPr>
+              <a:t>를 기준으로 정규분포에 근사</a:t>
+            </a:r>
+            <a:endParaRPr lang="en-US" altLang="ko-KR" sz="1300" b="1" spc="-30" dirty="0" smtClean="0">
+              <a:solidFill>
+                <a:schemeClr val="tx1">
+                  <a:lumMod val="65000"/>
+                  <a:lumOff val="35000"/>
+                </a:schemeClr>
+              </a:solidFill>
+              <a:latin typeface="나눔명조" pitchFamily="18" charset="-127"/>
+              <a:ea typeface="나눔명조" pitchFamily="18" charset="-127"/>
+            </a:endParaRPr>
+          </a:p>
+        </p:txBody>
+      </p:sp>
+      <p:sp>
+        <p:nvSpPr>
+          <p:cNvPr id="7" name="제목 6"/>
+          <p:cNvSpPr>
+            <a:spLocks noGrp="1"/>
+          </p:cNvSpPr>
+          <p:nvPr>
+            <p:ph type="title"/>
+          </p:nvPr>
+        </p:nvSpPr>
+        <p:spPr>
+          <a:xfrm>
+            <a:off x="436811" y="361231"/>
+            <a:ext cx="8229600" cy="1008112"/>
+          </a:xfrm>
+        </p:spPr>
+        <p:txBody>
+          <a:bodyPr anchor="t">
+            <a:normAutofit/>
+          </a:bodyPr>
+          <a:lstStyle/>
+          <a:p>
+            <a:pPr algn="l"/>
+            <a:r>
+              <a:rPr lang="ko-KR" altLang="en-US" sz="2400" spc="-150" dirty="0" smtClean="0">
+                <a:solidFill>
+                  <a:schemeClr val="bg1"/>
+                </a:solidFill>
+              </a:rPr>
+              <a:t>전체기업 분석</a:t>
+            </a:r>
+            <a:r>
+              <a:rPr lang="en-US" altLang="ko-KR" sz="2400" spc="-150" dirty="0" smtClean="0">
+                <a:solidFill>
+                  <a:schemeClr val="bg1"/>
+                </a:solidFill>
+              </a:rPr>
+              <a:t/>
+            </a:r>
+            <a:br>
+              <a:rPr lang="en-US" altLang="ko-KR" sz="2400" spc="-150" dirty="0" smtClean="0">
+                <a:solidFill>
+                  <a:schemeClr val="bg1"/>
+                </a:solidFill>
+              </a:rPr>
+            </a:br>
+            <a:r>
+              <a:rPr lang="en-US" altLang="ko-KR" sz="1400" spc="-150" dirty="0" smtClean="0">
+                <a:solidFill>
+                  <a:schemeClr val="bg1"/>
+                </a:solidFill>
+              </a:rPr>
+              <a:t>- </a:t>
+            </a:r>
+            <a:r>
+              <a:rPr lang="ko-KR" altLang="en-US" sz="1400" spc="-150" dirty="0" smtClean="0">
+                <a:solidFill>
+                  <a:schemeClr val="bg1"/>
+                </a:solidFill>
+              </a:rPr>
+              <a:t>지</a:t>
+            </a:r>
+            <a:r>
+              <a:rPr lang="ko-KR" altLang="en-US" sz="1400" spc="-150" dirty="0">
+                <a:solidFill>
+                  <a:schemeClr val="bg1"/>
+                </a:solidFill>
+              </a:rPr>
+              <a:t>역</a:t>
+            </a:r>
+            <a:r>
+              <a:rPr lang="ko-KR" altLang="en-US" sz="1400" spc="-150" dirty="0" smtClean="0">
+                <a:solidFill>
+                  <a:schemeClr val="bg1"/>
+                </a:solidFill>
+              </a:rPr>
+              <a:t>별 분포도</a:t>
+            </a:r>
+            <a:endParaRPr lang="ko-KR" altLang="en-US" sz="2400" spc="-150" dirty="0">
+              <a:solidFill>
+                <a:schemeClr val="bg1"/>
+              </a:solidFill>
+            </a:endParaRPr>
+          </a:p>
+        </p:txBody>
+      </p:sp>
+      <p:pic>
+        <p:nvPicPr>
+          <p:cNvPr id="1026" name="Picture 2" descr="C:\lkj\Rexam\project\output\평점별 분포도.png"/>
+          <p:cNvPicPr>
+            <a:picLocks noChangeAspect="1" noChangeArrowheads="1"/>
+          </p:cNvPicPr>
+          <p:nvPr/>
+        </p:nvPicPr>
+        <p:blipFill>
+          <a:blip r:embed="rId2">
+            <a:extLst>
+              <a:ext uri="{28A0092B-C50C-407E-A947-70E740481C1C}">
+                <a14:useLocalDpi xmlns:a14="http://schemas.microsoft.com/office/drawing/2010/main" val="0"/>
+              </a:ext>
+            </a:extLst>
+          </a:blip>
+          <a:srcRect/>
+          <a:stretch>
+            <a:fillRect/>
+          </a:stretch>
+        </p:blipFill>
+        <p:spPr bwMode="auto">
+          <a:xfrm>
+            <a:off x="539750" y="1556792"/>
+            <a:ext cx="4320000" cy="4320000"/>
+          </a:xfrm>
+          <a:prstGeom prst="rect">
+            <a:avLst/>
+          </a:prstGeom>
+          <a:noFill/>
+          <a:extLst>
+            <a:ext uri="{909E8E84-426E-40DD-AFC4-6F175D3DCCD1}">
+              <a14:hiddenFill xmlns:a14="http://schemas.microsoft.com/office/drawing/2010/main">
+                <a:solidFill>
+                  <a:srgbClr val="FFFFFF"/>
+                </a:solidFill>
+              </a14:hiddenFill>
+            </a:ext>
+          </a:extLst>
+        </p:spPr>
+      </p:pic>
+    </p:spTree>
+    <p:extLst>
+      <p:ext uri="{BB962C8B-B14F-4D97-AF65-F5344CB8AC3E}">
+        <p14:creationId xmlns:p14="http://schemas.microsoft.com/office/powerpoint/2010/main" val="2261762859"/>
+      </p:ext>
+    </p:extLst>
+  </p:cSld>
+  <p:clrMapOvr>
+    <a:masterClrMapping/>
+  </p:clrMapOvr>
+  <p:timing>
+    <p:tnLst>
+      <p:par>
+        <p:cTn id="1" dur="indefinite" restart="never" nodeType="tmRoot"/>
+      </p:par>
+    </p:tnLst>
+  </p:timing>
+</p:sld>
+</file>
+
+<file path=ppt/slides/slide8.xml><?xml version="1.0" encoding="utf-8"?>
 <p:sld xmlns:a="http://schemas.openxmlformats.org/drawingml/2006/main" xmlns:r="http://schemas.openxmlformats.org/officeDocument/2006/relationships" xmlns:p="http://schemas.openxmlformats.org/presentationml/2006/main">
   <p:cSld>
     <p:spTree>
@@ -10864,7 +15206,7 @@
                 <a:ea typeface="나눔고딕" pitchFamily="50" charset="-127"/>
               </a:rPr>
               <a:pPr algn="r"/>
-              <a:t>4</a:t>
+              <a:t>8</a:t>
             </a:fld>
             <a:r>
               <a:rPr lang="en-US" altLang="ko-KR" sz="800" spc="-30" dirty="0" smtClean="0">
@@ -10946,7 +15288,7 @@
 </p:sld>
 </file>
 
-<file path=ppt/slides/slide5.xml><?xml version="1.0" encoding="utf-8"?>
+<file path=ppt/slides/slide9.xml><?xml version="1.0" encoding="utf-8"?>
 <p:sld xmlns:a="http://schemas.openxmlformats.org/drawingml/2006/main" xmlns:r="http://schemas.openxmlformats.org/officeDocument/2006/relationships" xmlns:p="http://schemas.openxmlformats.org/presentationml/2006/main">
   <p:cSld>
     <p:spTree>
@@ -11965,7 +16307,7 @@
                 <a:ea typeface="나눔고딕" pitchFamily="50" charset="-127"/>
               </a:rPr>
               <a:pPr algn="r"/>
-              <a:t>5</a:t>
+              <a:t>9</a:t>
             </a:fld>
             <a:r>
               <a:rPr lang="en-US" altLang="ko-KR" sz="800" spc="-30" dirty="0" smtClean="0">
@@ -12023,1910 +16365,6 @@
                 </a:solidFill>
               </a:rPr>
               <a:t>페이지 제목</a:t>
-            </a:r>
-            <a:endParaRPr lang="ko-KR" altLang="en-US" sz="2400">
-              <a:solidFill>
-                <a:schemeClr val="bg1"/>
-              </a:solidFill>
-            </a:endParaRPr>
-          </a:p>
-        </p:txBody>
-      </p:sp>
-    </p:spTree>
-  </p:cSld>
-  <p:clrMapOvr>
-    <a:masterClrMapping/>
-  </p:clrMapOvr>
-</p:sld>
-</file>
-
-<file path=ppt/slides/slide6.xml><?xml version="1.0" encoding="utf-8"?>
-<p:sld xmlns:a="http://schemas.openxmlformats.org/drawingml/2006/main" xmlns:r="http://schemas.openxmlformats.org/officeDocument/2006/relationships" xmlns:p="http://schemas.openxmlformats.org/presentationml/2006/main">
-  <p:cSld>
-    <p:spTree>
-      <p:nvGrpSpPr>
-        <p:cNvPr id="1" name=""/>
-        <p:cNvGrpSpPr/>
-        <p:nvPr/>
-      </p:nvGrpSpPr>
-      <p:grpSpPr>
-        <a:xfrm>
-          <a:off x="0" y="0"/>
-          <a:ext cx="0" cy="0"/>
-          <a:chOff x="0" y="0"/>
-          <a:chExt cx="0" cy="0"/>
-        </a:xfrm>
-      </p:grpSpPr>
-      <p:sp>
-        <p:nvSpPr>
-          <p:cNvPr id="8" name="직사각형 7"/>
-          <p:cNvSpPr/>
-          <p:nvPr/>
-        </p:nvSpPr>
-        <p:spPr>
-          <a:xfrm>
-            <a:off x="323528" y="332657"/>
-            <a:ext cx="8496944" cy="1008111"/>
-          </a:xfrm>
-          <a:prstGeom prst="rect">
-            <a:avLst/>
-          </a:prstGeom>
-          <a:solidFill>
-            <a:srgbClr val="C00000"/>
-          </a:solidFill>
-          <a:ln>
-            <a:noFill/>
-          </a:ln>
-        </p:spPr>
-        <p:style>
-          <a:lnRef idx="2">
-            <a:schemeClr val="accent1">
-              <a:shade val="50000"/>
-            </a:schemeClr>
-          </a:lnRef>
-          <a:fillRef idx="1">
-            <a:schemeClr val="accent1"/>
-          </a:fillRef>
-          <a:effectRef idx="0">
-            <a:schemeClr val="accent1"/>
-          </a:effectRef>
-          <a:fontRef idx="minor">
-            <a:schemeClr val="lt1"/>
-          </a:fontRef>
-        </p:style>
-        <p:txBody>
-          <a:bodyPr rtlCol="0" anchor="ctr"/>
-          <a:lstStyle/>
-          <a:p>
-            <a:pPr algn="ctr"/>
-            <a:endParaRPr lang="ko-KR" altLang="en-US" dirty="0">
-              <a:solidFill>
-                <a:schemeClr val="accent2">
-                  <a:lumMod val="75000"/>
-                </a:schemeClr>
-              </a:solidFill>
-            </a:endParaRPr>
-          </a:p>
-        </p:txBody>
-      </p:sp>
-      <p:graphicFrame>
-        <p:nvGraphicFramePr>
-          <p:cNvPr id="10" name="차트 9"/>
-          <p:cNvGraphicFramePr/>
-          <p:nvPr/>
-        </p:nvGraphicFramePr>
-        <p:xfrm>
-          <a:off x="2438401" y="2562224"/>
-          <a:ext cx="6446702" cy="3667125"/>
-        </p:xfrm>
-        <a:graphic>
-          <a:graphicData uri="http://schemas.openxmlformats.org/drawingml/2006/chart">
-            <c:chart xmlns:c="http://schemas.openxmlformats.org/drawingml/2006/chart" xmlns:r="http://schemas.openxmlformats.org/officeDocument/2006/relationships" r:id="rId2"/>
-          </a:graphicData>
-        </a:graphic>
-      </p:graphicFrame>
-      <p:sp>
-        <p:nvSpPr>
-          <p:cNvPr id="17" name="TextBox 16"/>
-          <p:cNvSpPr txBox="1"/>
-          <p:nvPr/>
-        </p:nvSpPr>
-        <p:spPr>
-          <a:xfrm>
-            <a:off x="7380312" y="6453336"/>
-            <a:ext cx="1584176" cy="215444"/>
-          </a:xfrm>
-          <a:prstGeom prst="rect">
-            <a:avLst/>
-          </a:prstGeom>
-          <a:noFill/>
-        </p:spPr>
-        <p:txBody>
-          <a:bodyPr wrap="square" rtlCol="0">
-            <a:spAutoFit/>
-          </a:bodyPr>
-          <a:lstStyle/>
-          <a:p>
-            <a:pPr algn="r"/>
-            <a:fld id="{21D00E59-E25B-46AF-9A64-7B62E340CE45}" type="slidenum">
-              <a:rPr lang="en-US" altLang="ko-KR" sz="800" spc="-30" smtClean="0">
-                <a:solidFill>
-                  <a:schemeClr val="tx1">
-                    <a:lumMod val="50000"/>
-                    <a:lumOff val="50000"/>
-                  </a:schemeClr>
-                </a:solidFill>
-                <a:latin typeface="나눔고딕" pitchFamily="50" charset="-127"/>
-                <a:ea typeface="나눔고딕" pitchFamily="50" charset="-127"/>
-              </a:rPr>
-              <a:pPr algn="r"/>
-              <a:t>6</a:t>
-            </a:fld>
-            <a:r>
-              <a:rPr lang="en-US" altLang="ko-KR" sz="800" spc="-30" dirty="0" smtClean="0">
-                <a:solidFill>
-                  <a:schemeClr val="tx1">
-                    <a:lumMod val="50000"/>
-                    <a:lumOff val="50000"/>
-                  </a:schemeClr>
-                </a:solidFill>
-                <a:latin typeface="나눔고딕" pitchFamily="50" charset="-127"/>
-                <a:ea typeface="나눔고딕" pitchFamily="50" charset="-127"/>
-              </a:rPr>
-              <a:t> / 12</a:t>
-            </a:r>
-            <a:endParaRPr lang="en-US" altLang="ko-KR" sz="800" spc="-30" dirty="0">
-              <a:solidFill>
-                <a:schemeClr val="tx1">
-                  <a:lumMod val="50000"/>
-                  <a:lumOff val="50000"/>
-                </a:schemeClr>
-              </a:solidFill>
-              <a:latin typeface="나눔고딕" pitchFamily="50" charset="-127"/>
-              <a:ea typeface="나눔고딕" pitchFamily="50" charset="-127"/>
-            </a:endParaRPr>
-          </a:p>
-        </p:txBody>
-      </p:sp>
-      <p:sp>
-        <p:nvSpPr>
-          <p:cNvPr id="18" name="TextBox 17"/>
-          <p:cNvSpPr txBox="1"/>
-          <p:nvPr/>
-        </p:nvSpPr>
-        <p:spPr>
-          <a:xfrm>
-            <a:off x="2476211" y="1484784"/>
-            <a:ext cx="6344261" cy="1052596"/>
-          </a:xfrm>
-          <a:prstGeom prst="rect">
-            <a:avLst/>
-          </a:prstGeom>
-          <a:noFill/>
-        </p:spPr>
-        <p:txBody>
-          <a:bodyPr wrap="square" rtlCol="0">
-            <a:spAutoFit/>
-          </a:bodyPr>
-          <a:lstStyle/>
-          <a:p>
-            <a:pPr indent="-514350">
-              <a:lnSpc>
-                <a:spcPct val="120000"/>
-              </a:lnSpc>
-            </a:pPr>
-            <a:r>
-              <a:rPr lang="ko-KR" altLang="en-US" sz="1300" b="1" spc="-30" dirty="0" smtClean="0">
-                <a:solidFill>
-                  <a:schemeClr val="tx1">
-                    <a:lumMod val="65000"/>
-                    <a:lumOff val="35000"/>
-                  </a:schemeClr>
-                </a:solidFill>
-                <a:latin typeface="나눔명조" pitchFamily="18" charset="-127"/>
-                <a:ea typeface="나눔명조" pitchFamily="18" charset="-127"/>
-              </a:rPr>
-              <a:t>차트 예시 </a:t>
-            </a:r>
-            <a:r>
-              <a:rPr lang="en-US" altLang="ko-KR" sz="1300" b="1" spc="-30" dirty="0" smtClean="0">
-                <a:solidFill>
-                  <a:schemeClr val="tx1">
-                    <a:lumMod val="65000"/>
-                    <a:lumOff val="35000"/>
-                  </a:schemeClr>
-                </a:solidFill>
-                <a:latin typeface="나눔명조" pitchFamily="18" charset="-127"/>
-                <a:ea typeface="나눔명조" pitchFamily="18" charset="-127"/>
-              </a:rPr>
-              <a:t>:</a:t>
-            </a:r>
-          </a:p>
-          <a:p>
-            <a:pPr indent="-514350">
-              <a:lnSpc>
-                <a:spcPct val="120000"/>
-              </a:lnSpc>
-            </a:pPr>
-            <a:r>
-              <a:rPr lang="ko-KR" altLang="en-US" sz="1300" b="1" spc="-30" dirty="0" smtClean="0">
-                <a:solidFill>
-                  <a:srgbClr val="C00000"/>
-                </a:solidFill>
-                <a:latin typeface="나눔명조" pitchFamily="18" charset="-127"/>
-                <a:ea typeface="나눔명조" pitchFamily="18" charset="-127"/>
-              </a:rPr>
-              <a:t>삽입 </a:t>
-            </a:r>
-            <a:r>
-              <a:rPr lang="en-US" altLang="ko-KR" sz="1300" b="1" spc="-30" dirty="0" smtClean="0">
-                <a:solidFill>
-                  <a:srgbClr val="C00000"/>
-                </a:solidFill>
-                <a:latin typeface="나눔명조" pitchFamily="18" charset="-127"/>
-                <a:ea typeface="나눔명조" pitchFamily="18" charset="-127"/>
-              </a:rPr>
-              <a:t>&gt; </a:t>
-            </a:r>
-            <a:r>
-              <a:rPr lang="ko-KR" altLang="en-US" sz="1300" b="1" spc="-30" dirty="0" smtClean="0">
-                <a:solidFill>
-                  <a:srgbClr val="C00000"/>
-                </a:solidFill>
-                <a:latin typeface="나눔명조" pitchFamily="18" charset="-127"/>
-                <a:ea typeface="나눔명조" pitchFamily="18" charset="-127"/>
-              </a:rPr>
-              <a:t>차트</a:t>
-            </a:r>
-            <a:r>
-              <a:rPr lang="ko-KR" altLang="en-US" sz="1300" b="1" spc="-30" dirty="0" smtClean="0">
-                <a:solidFill>
-                  <a:schemeClr val="tx1">
-                    <a:lumMod val="65000"/>
-                    <a:lumOff val="35000"/>
-                  </a:schemeClr>
-                </a:solidFill>
-                <a:latin typeface="나눔명조" pitchFamily="18" charset="-127"/>
-                <a:ea typeface="나눔명조" pitchFamily="18" charset="-127"/>
-              </a:rPr>
-              <a:t>를</a:t>
-            </a:r>
-            <a:r>
-              <a:rPr lang="ko-KR" altLang="en-US" sz="1300" b="1" spc="-30" dirty="0" smtClean="0">
-                <a:solidFill>
-                  <a:srgbClr val="C00000"/>
-                </a:solidFill>
-                <a:latin typeface="나눔명조" pitchFamily="18" charset="-127"/>
-                <a:ea typeface="나눔명조" pitchFamily="18" charset="-127"/>
-              </a:rPr>
-              <a:t> </a:t>
-            </a:r>
-            <a:r>
-              <a:rPr lang="ko-KR" altLang="en-US" sz="1300" b="1" spc="-30" dirty="0" smtClean="0">
-                <a:solidFill>
-                  <a:schemeClr val="tx1">
-                    <a:lumMod val="65000"/>
-                    <a:lumOff val="35000"/>
-                  </a:schemeClr>
-                </a:solidFill>
-                <a:latin typeface="나눔명조" pitchFamily="18" charset="-127"/>
-                <a:ea typeface="나눔명조" pitchFamily="18" charset="-127"/>
-              </a:rPr>
-              <a:t>이용하여 다양한 차트형태를 구현할 수 있습니다</a:t>
-            </a:r>
-            <a:r>
-              <a:rPr lang="en-US" altLang="ko-KR" sz="1300" b="1" spc="-30" dirty="0" smtClean="0">
-                <a:solidFill>
-                  <a:schemeClr val="tx1">
-                    <a:lumMod val="65000"/>
-                    <a:lumOff val="35000"/>
-                  </a:schemeClr>
-                </a:solidFill>
-                <a:latin typeface="나눔명조" pitchFamily="18" charset="-127"/>
-                <a:ea typeface="나눔명조" pitchFamily="18" charset="-127"/>
-              </a:rPr>
-              <a:t>.</a:t>
-            </a:r>
-          </a:p>
-          <a:p>
-            <a:pPr indent="-514350">
-              <a:lnSpc>
-                <a:spcPct val="120000"/>
-              </a:lnSpc>
-            </a:pPr>
-            <a:r>
-              <a:rPr lang="ko-KR" altLang="en-US" sz="1300" b="1" spc="-30" dirty="0" smtClean="0">
-                <a:solidFill>
-                  <a:schemeClr val="tx1">
-                    <a:lumMod val="65000"/>
-                    <a:lumOff val="35000"/>
-                  </a:schemeClr>
-                </a:solidFill>
-                <a:latin typeface="나눔명조" pitchFamily="18" charset="-127"/>
-                <a:ea typeface="나눔명조" pitchFamily="18" charset="-127"/>
-              </a:rPr>
-              <a:t>표를 선택한 상태에서 </a:t>
-            </a:r>
-            <a:r>
-              <a:rPr lang="ko-KR" altLang="en-US" sz="1300" b="1" spc="-30" dirty="0" err="1" smtClean="0">
-                <a:solidFill>
-                  <a:schemeClr val="tx1">
-                    <a:lumMod val="65000"/>
-                    <a:lumOff val="35000"/>
-                  </a:schemeClr>
-                </a:solidFill>
-                <a:latin typeface="나눔명조" pitchFamily="18" charset="-127"/>
-                <a:ea typeface="나눔명조" pitchFamily="18" charset="-127"/>
-              </a:rPr>
-              <a:t>오른클릭을</a:t>
-            </a:r>
-            <a:r>
-              <a:rPr lang="ko-KR" altLang="en-US" sz="1300" b="1" spc="-30" dirty="0" smtClean="0">
-                <a:solidFill>
-                  <a:schemeClr val="tx1">
-                    <a:lumMod val="65000"/>
-                    <a:lumOff val="35000"/>
-                  </a:schemeClr>
-                </a:solidFill>
-                <a:latin typeface="나눔명조" pitchFamily="18" charset="-127"/>
-                <a:ea typeface="나눔명조" pitchFamily="18" charset="-127"/>
-              </a:rPr>
-              <a:t> 한 뒤</a:t>
-            </a:r>
-            <a:r>
-              <a:rPr lang="en-US" altLang="ko-KR" sz="1300" b="1" spc="-30" dirty="0" smtClean="0">
-                <a:solidFill>
-                  <a:schemeClr val="tx1">
-                    <a:lumMod val="65000"/>
-                    <a:lumOff val="35000"/>
-                  </a:schemeClr>
-                </a:solidFill>
-                <a:latin typeface="나눔명조" pitchFamily="18" charset="-127"/>
-                <a:ea typeface="나눔명조" pitchFamily="18" charset="-127"/>
-              </a:rPr>
-              <a:t>, </a:t>
-            </a:r>
-            <a:r>
-              <a:rPr lang="ko-KR" altLang="en-US" sz="1300" b="1" spc="-30" dirty="0" smtClean="0">
-                <a:solidFill>
-                  <a:srgbClr val="C00000"/>
-                </a:solidFill>
-                <a:latin typeface="나눔명조" pitchFamily="18" charset="-127"/>
-                <a:ea typeface="나눔명조" pitchFamily="18" charset="-127"/>
-              </a:rPr>
-              <a:t>데이터 편집</a:t>
-            </a:r>
-            <a:r>
-              <a:rPr lang="ko-KR" altLang="en-US" sz="1300" b="1" spc="-30" dirty="0" smtClean="0">
-                <a:solidFill>
-                  <a:schemeClr val="tx1">
-                    <a:lumMod val="65000"/>
-                    <a:lumOff val="35000"/>
-                  </a:schemeClr>
-                </a:solidFill>
-                <a:latin typeface="나눔명조" pitchFamily="18" charset="-127"/>
-                <a:ea typeface="나눔명조" pitchFamily="18" charset="-127"/>
-              </a:rPr>
-              <a:t>을 클릭하여</a:t>
-            </a:r>
-            <a:endParaRPr lang="en-US" altLang="ko-KR" sz="1300" b="1" spc="-30" dirty="0" smtClean="0">
-              <a:solidFill>
-                <a:schemeClr val="tx1">
-                  <a:lumMod val="65000"/>
-                  <a:lumOff val="35000"/>
-                </a:schemeClr>
-              </a:solidFill>
-              <a:latin typeface="나눔명조" pitchFamily="18" charset="-127"/>
-              <a:ea typeface="나눔명조" pitchFamily="18" charset="-127"/>
-            </a:endParaRPr>
-          </a:p>
-          <a:p>
-            <a:pPr indent="-514350">
-              <a:lnSpc>
-                <a:spcPct val="120000"/>
-              </a:lnSpc>
-            </a:pPr>
-            <a:r>
-              <a:rPr lang="ko-KR" altLang="en-US" sz="1300" b="1" spc="-30" dirty="0" smtClean="0">
-                <a:solidFill>
-                  <a:schemeClr val="tx1">
-                    <a:lumMod val="65000"/>
-                    <a:lumOff val="35000"/>
-                  </a:schemeClr>
-                </a:solidFill>
-                <a:latin typeface="나눔명조" pitchFamily="18" charset="-127"/>
-                <a:ea typeface="나눔명조" pitchFamily="18" charset="-127"/>
-              </a:rPr>
-              <a:t>실제 내용과 수치를 편집해 사용할 수 있습니다</a:t>
-            </a:r>
-            <a:r>
-              <a:rPr lang="en-US" altLang="ko-KR" sz="1300" b="1" spc="-30" dirty="0" smtClean="0">
-                <a:solidFill>
-                  <a:schemeClr val="tx1">
-                    <a:lumMod val="65000"/>
-                    <a:lumOff val="35000"/>
-                  </a:schemeClr>
-                </a:solidFill>
-                <a:latin typeface="나눔명조" pitchFamily="18" charset="-127"/>
-                <a:ea typeface="나눔명조" pitchFamily="18" charset="-127"/>
-              </a:rPr>
-              <a:t>.</a:t>
-            </a:r>
-            <a:endParaRPr lang="ko-KR" altLang="en-US" sz="1300" b="1" spc="-30" dirty="0">
-              <a:solidFill>
-                <a:schemeClr val="tx1">
-                  <a:lumMod val="65000"/>
-                  <a:lumOff val="35000"/>
-                </a:schemeClr>
-              </a:solidFill>
-              <a:latin typeface="나눔명조" pitchFamily="18" charset="-127"/>
-              <a:ea typeface="나눔명조" pitchFamily="18" charset="-127"/>
-            </a:endParaRPr>
-          </a:p>
-        </p:txBody>
-      </p:sp>
-      <p:sp>
-        <p:nvSpPr>
-          <p:cNvPr id="12" name="제목 11"/>
-          <p:cNvSpPr>
-            <a:spLocks noGrp="1"/>
-          </p:cNvSpPr>
-          <p:nvPr>
-            <p:ph type="title"/>
-          </p:nvPr>
-        </p:nvSpPr>
-        <p:spPr>
-          <a:xfrm>
-            <a:off x="390525" y="404664"/>
-            <a:ext cx="8229600" cy="864096"/>
-          </a:xfrm>
-        </p:spPr>
-        <p:txBody>
-          <a:bodyPr anchor="t">
-            <a:normAutofit/>
-          </a:bodyPr>
-          <a:lstStyle/>
-          <a:p>
-            <a:pPr algn="l"/>
-            <a:r>
-              <a:rPr lang="ko-KR" altLang="en-US" sz="2400" smtClean="0">
-                <a:solidFill>
-                  <a:schemeClr val="bg1"/>
-                </a:solidFill>
-              </a:rPr>
-              <a:t>차트</a:t>
-            </a:r>
-            <a:endParaRPr lang="ko-KR" altLang="en-US" sz="2400">
-              <a:solidFill>
-                <a:schemeClr val="bg1"/>
-              </a:solidFill>
-            </a:endParaRPr>
-          </a:p>
-        </p:txBody>
-      </p:sp>
-    </p:spTree>
-  </p:cSld>
-  <p:clrMapOvr>
-    <a:masterClrMapping/>
-  </p:clrMapOvr>
-</p:sld>
-</file>
-
-<file path=ppt/slides/slide7.xml><?xml version="1.0" encoding="utf-8"?>
-<p:sld xmlns:a="http://schemas.openxmlformats.org/drawingml/2006/main" xmlns:r="http://schemas.openxmlformats.org/officeDocument/2006/relationships" xmlns:p="http://schemas.openxmlformats.org/presentationml/2006/main">
-  <p:cSld>
-    <p:spTree>
-      <p:nvGrpSpPr>
-        <p:cNvPr id="1" name=""/>
-        <p:cNvGrpSpPr/>
-        <p:nvPr/>
-      </p:nvGrpSpPr>
-      <p:grpSpPr>
-        <a:xfrm>
-          <a:off x="0" y="0"/>
-          <a:ext cx="0" cy="0"/>
-          <a:chOff x="0" y="0"/>
-          <a:chExt cx="0" cy="0"/>
-        </a:xfrm>
-      </p:grpSpPr>
-      <p:sp>
-        <p:nvSpPr>
-          <p:cNvPr id="8" name="직사각형 7"/>
-          <p:cNvSpPr/>
-          <p:nvPr/>
-        </p:nvSpPr>
-        <p:spPr>
-          <a:xfrm>
-            <a:off x="323528" y="332657"/>
-            <a:ext cx="8496944" cy="1008111"/>
-          </a:xfrm>
-          <a:prstGeom prst="rect">
-            <a:avLst/>
-          </a:prstGeom>
-          <a:solidFill>
-            <a:srgbClr val="C00000"/>
-          </a:solidFill>
-          <a:ln>
-            <a:noFill/>
-          </a:ln>
-        </p:spPr>
-        <p:style>
-          <a:lnRef idx="2">
-            <a:schemeClr val="accent1">
-              <a:shade val="50000"/>
-            </a:schemeClr>
-          </a:lnRef>
-          <a:fillRef idx="1">
-            <a:schemeClr val="accent1"/>
-          </a:fillRef>
-          <a:effectRef idx="0">
-            <a:schemeClr val="accent1"/>
-          </a:effectRef>
-          <a:fontRef idx="minor">
-            <a:schemeClr val="lt1"/>
-          </a:fontRef>
-        </p:style>
-        <p:txBody>
-          <a:bodyPr rtlCol="0" anchor="ctr"/>
-          <a:lstStyle/>
-          <a:p>
-            <a:pPr algn="ctr"/>
-            <a:endParaRPr lang="ko-KR" altLang="en-US" dirty="0">
-              <a:solidFill>
-                <a:schemeClr val="accent2">
-                  <a:lumMod val="75000"/>
-                </a:schemeClr>
-              </a:solidFill>
-            </a:endParaRPr>
-          </a:p>
-        </p:txBody>
-      </p:sp>
-      <p:sp>
-        <p:nvSpPr>
-          <p:cNvPr id="17" name="TextBox 16"/>
-          <p:cNvSpPr txBox="1"/>
-          <p:nvPr/>
-        </p:nvSpPr>
-        <p:spPr>
-          <a:xfrm>
-            <a:off x="7380312" y="6453336"/>
-            <a:ext cx="1584176" cy="215444"/>
-          </a:xfrm>
-          <a:prstGeom prst="rect">
-            <a:avLst/>
-          </a:prstGeom>
-          <a:noFill/>
-        </p:spPr>
-        <p:txBody>
-          <a:bodyPr wrap="square" rtlCol="0">
-            <a:spAutoFit/>
-          </a:bodyPr>
-          <a:lstStyle/>
-          <a:p>
-            <a:pPr algn="r"/>
-            <a:fld id="{03E25BB7-FC86-429D-B366-39CDF756C3F2}" type="slidenum">
-              <a:rPr lang="en-US" altLang="ko-KR" sz="800" spc="-30" smtClean="0">
-                <a:solidFill>
-                  <a:schemeClr val="tx1">
-                    <a:lumMod val="50000"/>
-                    <a:lumOff val="50000"/>
-                  </a:schemeClr>
-                </a:solidFill>
-                <a:latin typeface="나눔고딕" pitchFamily="50" charset="-127"/>
-                <a:ea typeface="나눔고딕" pitchFamily="50" charset="-127"/>
-              </a:rPr>
-              <a:pPr algn="r"/>
-              <a:t>7</a:t>
-            </a:fld>
-            <a:r>
-              <a:rPr lang="en-US" altLang="ko-KR" sz="800" spc="-30" dirty="0" smtClean="0">
-                <a:solidFill>
-                  <a:schemeClr val="tx1">
-                    <a:lumMod val="50000"/>
-                    <a:lumOff val="50000"/>
-                  </a:schemeClr>
-                </a:solidFill>
-                <a:latin typeface="나눔고딕" pitchFamily="50" charset="-127"/>
-                <a:ea typeface="나눔고딕" pitchFamily="50" charset="-127"/>
-              </a:rPr>
-              <a:t> / 12</a:t>
-            </a:r>
-            <a:endParaRPr lang="en-US" altLang="ko-KR" sz="800" spc="-30" dirty="0">
-              <a:solidFill>
-                <a:schemeClr val="tx1">
-                  <a:lumMod val="50000"/>
-                  <a:lumOff val="50000"/>
-                </a:schemeClr>
-              </a:solidFill>
-              <a:latin typeface="나눔고딕" pitchFamily="50" charset="-127"/>
-              <a:ea typeface="나눔고딕" pitchFamily="50" charset="-127"/>
-            </a:endParaRPr>
-          </a:p>
-        </p:txBody>
-      </p:sp>
-      <p:sp>
-        <p:nvSpPr>
-          <p:cNvPr id="18" name="TextBox 17"/>
-          <p:cNvSpPr txBox="1"/>
-          <p:nvPr/>
-        </p:nvSpPr>
-        <p:spPr>
-          <a:xfrm>
-            <a:off x="2476211" y="1484784"/>
-            <a:ext cx="6272253" cy="1052596"/>
-          </a:xfrm>
-          <a:prstGeom prst="rect">
-            <a:avLst/>
-          </a:prstGeom>
-          <a:noFill/>
-        </p:spPr>
-        <p:txBody>
-          <a:bodyPr wrap="square" rtlCol="0">
-            <a:spAutoFit/>
-          </a:bodyPr>
-          <a:lstStyle/>
-          <a:p>
-            <a:pPr indent="-514350">
-              <a:lnSpc>
-                <a:spcPct val="120000"/>
-              </a:lnSpc>
-            </a:pPr>
-            <a:r>
-              <a:rPr lang="ko-KR" altLang="en-US" sz="1300" b="1" spc="-30" dirty="0" smtClean="0">
-                <a:solidFill>
-                  <a:schemeClr val="tx1">
-                    <a:lumMod val="65000"/>
-                    <a:lumOff val="35000"/>
-                  </a:schemeClr>
-                </a:solidFill>
-                <a:latin typeface="나눔명조" pitchFamily="18" charset="-127"/>
-                <a:ea typeface="나눔명조" pitchFamily="18" charset="-127"/>
-              </a:rPr>
-              <a:t>차트 예시 </a:t>
-            </a:r>
-            <a:r>
-              <a:rPr lang="en-US" altLang="ko-KR" sz="1300" b="1" spc="-30" dirty="0" smtClean="0">
-                <a:solidFill>
-                  <a:schemeClr val="tx1">
-                    <a:lumMod val="65000"/>
-                    <a:lumOff val="35000"/>
-                  </a:schemeClr>
-                </a:solidFill>
-                <a:latin typeface="나눔명조" pitchFamily="18" charset="-127"/>
-                <a:ea typeface="나눔명조" pitchFamily="18" charset="-127"/>
-              </a:rPr>
-              <a:t>:</a:t>
-            </a:r>
-          </a:p>
-          <a:p>
-            <a:pPr indent="-514350">
-              <a:lnSpc>
-                <a:spcPct val="120000"/>
-              </a:lnSpc>
-            </a:pPr>
-            <a:r>
-              <a:rPr lang="ko-KR" altLang="en-US" sz="1300" b="1" spc="-30" dirty="0" smtClean="0">
-                <a:solidFill>
-                  <a:srgbClr val="C00000"/>
-                </a:solidFill>
-                <a:latin typeface="나눔명조" pitchFamily="18" charset="-127"/>
-                <a:ea typeface="나눔명조" pitchFamily="18" charset="-127"/>
-              </a:rPr>
-              <a:t>삽입 </a:t>
-            </a:r>
-            <a:r>
-              <a:rPr lang="en-US" altLang="ko-KR" sz="1300" b="1" spc="-30" dirty="0" smtClean="0">
-                <a:solidFill>
-                  <a:srgbClr val="C00000"/>
-                </a:solidFill>
-                <a:latin typeface="나눔명조" pitchFamily="18" charset="-127"/>
-                <a:ea typeface="나눔명조" pitchFamily="18" charset="-127"/>
-              </a:rPr>
-              <a:t>&gt; </a:t>
-            </a:r>
-            <a:r>
-              <a:rPr lang="ko-KR" altLang="en-US" sz="1300" b="1" spc="-30" dirty="0" smtClean="0">
-                <a:solidFill>
-                  <a:srgbClr val="C00000"/>
-                </a:solidFill>
-                <a:latin typeface="나눔명조" pitchFamily="18" charset="-127"/>
-                <a:ea typeface="나눔명조" pitchFamily="18" charset="-127"/>
-              </a:rPr>
-              <a:t>차트</a:t>
-            </a:r>
-            <a:r>
-              <a:rPr lang="ko-KR" altLang="en-US" sz="1300" b="1" spc="-30" dirty="0" smtClean="0">
-                <a:solidFill>
-                  <a:schemeClr val="tx1">
-                    <a:lumMod val="65000"/>
-                    <a:lumOff val="35000"/>
-                  </a:schemeClr>
-                </a:solidFill>
-                <a:latin typeface="나눔명조" pitchFamily="18" charset="-127"/>
-                <a:ea typeface="나눔명조" pitchFamily="18" charset="-127"/>
-              </a:rPr>
-              <a:t>를</a:t>
-            </a:r>
-            <a:r>
-              <a:rPr lang="ko-KR" altLang="en-US" sz="1300" b="1" spc="-30" dirty="0" smtClean="0">
-                <a:solidFill>
-                  <a:srgbClr val="C00000"/>
-                </a:solidFill>
-                <a:latin typeface="나눔명조" pitchFamily="18" charset="-127"/>
-                <a:ea typeface="나눔명조" pitchFamily="18" charset="-127"/>
-              </a:rPr>
-              <a:t> </a:t>
-            </a:r>
-            <a:r>
-              <a:rPr lang="ko-KR" altLang="en-US" sz="1300" b="1" spc="-30" dirty="0" smtClean="0">
-                <a:solidFill>
-                  <a:schemeClr val="tx1">
-                    <a:lumMod val="65000"/>
-                    <a:lumOff val="35000"/>
-                  </a:schemeClr>
-                </a:solidFill>
-                <a:latin typeface="나눔명조" pitchFamily="18" charset="-127"/>
-                <a:ea typeface="나눔명조" pitchFamily="18" charset="-127"/>
-              </a:rPr>
-              <a:t>이용하여 다양한 차트형태를 구현할 수 있습니다</a:t>
-            </a:r>
-            <a:r>
-              <a:rPr lang="en-US" altLang="ko-KR" sz="1300" b="1" spc="-30" dirty="0" smtClean="0">
-                <a:solidFill>
-                  <a:schemeClr val="tx1">
-                    <a:lumMod val="65000"/>
-                    <a:lumOff val="35000"/>
-                  </a:schemeClr>
-                </a:solidFill>
-                <a:latin typeface="나눔명조" pitchFamily="18" charset="-127"/>
-                <a:ea typeface="나눔명조" pitchFamily="18" charset="-127"/>
-              </a:rPr>
-              <a:t>.</a:t>
-            </a:r>
-          </a:p>
-          <a:p>
-            <a:pPr indent="-514350">
-              <a:lnSpc>
-                <a:spcPct val="120000"/>
-              </a:lnSpc>
-            </a:pPr>
-            <a:r>
-              <a:rPr lang="ko-KR" altLang="en-US" sz="1300" b="1" spc="-30" dirty="0" smtClean="0">
-                <a:solidFill>
-                  <a:schemeClr val="tx1">
-                    <a:lumMod val="65000"/>
-                    <a:lumOff val="35000"/>
-                  </a:schemeClr>
-                </a:solidFill>
-                <a:latin typeface="나눔명조" pitchFamily="18" charset="-127"/>
-                <a:ea typeface="나눔명조" pitchFamily="18" charset="-127"/>
-              </a:rPr>
-              <a:t>표를 선택한 상태에서 </a:t>
-            </a:r>
-            <a:r>
-              <a:rPr lang="ko-KR" altLang="en-US" sz="1300" b="1" spc="-30" dirty="0" err="1" smtClean="0">
-                <a:solidFill>
-                  <a:schemeClr val="tx1">
-                    <a:lumMod val="65000"/>
-                    <a:lumOff val="35000"/>
-                  </a:schemeClr>
-                </a:solidFill>
-                <a:latin typeface="나눔명조" pitchFamily="18" charset="-127"/>
-                <a:ea typeface="나눔명조" pitchFamily="18" charset="-127"/>
-              </a:rPr>
-              <a:t>오른클릭을</a:t>
-            </a:r>
-            <a:r>
-              <a:rPr lang="ko-KR" altLang="en-US" sz="1300" b="1" spc="-30" dirty="0" smtClean="0">
-                <a:solidFill>
-                  <a:schemeClr val="tx1">
-                    <a:lumMod val="65000"/>
-                    <a:lumOff val="35000"/>
-                  </a:schemeClr>
-                </a:solidFill>
-                <a:latin typeface="나눔명조" pitchFamily="18" charset="-127"/>
-                <a:ea typeface="나눔명조" pitchFamily="18" charset="-127"/>
-              </a:rPr>
-              <a:t> 한 뒤</a:t>
-            </a:r>
-            <a:r>
-              <a:rPr lang="en-US" altLang="ko-KR" sz="1300" b="1" spc="-30" dirty="0" smtClean="0">
-                <a:solidFill>
-                  <a:schemeClr val="tx1">
-                    <a:lumMod val="65000"/>
-                    <a:lumOff val="35000"/>
-                  </a:schemeClr>
-                </a:solidFill>
-                <a:latin typeface="나눔명조" pitchFamily="18" charset="-127"/>
-                <a:ea typeface="나눔명조" pitchFamily="18" charset="-127"/>
-              </a:rPr>
-              <a:t>, </a:t>
-            </a:r>
-            <a:r>
-              <a:rPr lang="ko-KR" altLang="en-US" sz="1300" b="1" spc="-30" dirty="0" smtClean="0">
-                <a:solidFill>
-                  <a:srgbClr val="C00000"/>
-                </a:solidFill>
-                <a:latin typeface="나눔명조" pitchFamily="18" charset="-127"/>
-                <a:ea typeface="나눔명조" pitchFamily="18" charset="-127"/>
-              </a:rPr>
-              <a:t>데이터 편집</a:t>
-            </a:r>
-            <a:r>
-              <a:rPr lang="ko-KR" altLang="en-US" sz="1300" b="1" spc="-30" dirty="0" smtClean="0">
-                <a:solidFill>
-                  <a:schemeClr val="tx1">
-                    <a:lumMod val="65000"/>
-                    <a:lumOff val="35000"/>
-                  </a:schemeClr>
-                </a:solidFill>
-                <a:latin typeface="나눔명조" pitchFamily="18" charset="-127"/>
-                <a:ea typeface="나눔명조" pitchFamily="18" charset="-127"/>
-              </a:rPr>
-              <a:t>을 클릭하여</a:t>
-            </a:r>
-            <a:endParaRPr lang="en-US" altLang="ko-KR" sz="1300" b="1" spc="-30" dirty="0" smtClean="0">
-              <a:solidFill>
-                <a:schemeClr val="tx1">
-                  <a:lumMod val="65000"/>
-                  <a:lumOff val="35000"/>
-                </a:schemeClr>
-              </a:solidFill>
-              <a:latin typeface="나눔명조" pitchFamily="18" charset="-127"/>
-              <a:ea typeface="나눔명조" pitchFamily="18" charset="-127"/>
-            </a:endParaRPr>
-          </a:p>
-          <a:p>
-            <a:pPr indent="-514350">
-              <a:lnSpc>
-                <a:spcPct val="120000"/>
-              </a:lnSpc>
-            </a:pPr>
-            <a:r>
-              <a:rPr lang="ko-KR" altLang="en-US" sz="1300" b="1" spc="-30" dirty="0" smtClean="0">
-                <a:solidFill>
-                  <a:schemeClr val="tx1">
-                    <a:lumMod val="65000"/>
-                    <a:lumOff val="35000"/>
-                  </a:schemeClr>
-                </a:solidFill>
-                <a:latin typeface="나눔명조" pitchFamily="18" charset="-127"/>
-                <a:ea typeface="나눔명조" pitchFamily="18" charset="-127"/>
-              </a:rPr>
-              <a:t>실제 내용과 수치를 편집해 사용할 수 있습니다</a:t>
-            </a:r>
-            <a:r>
-              <a:rPr lang="en-US" altLang="ko-KR" sz="1300" b="1" spc="-30" dirty="0" smtClean="0">
-                <a:solidFill>
-                  <a:schemeClr val="tx1">
-                    <a:lumMod val="65000"/>
-                    <a:lumOff val="35000"/>
-                  </a:schemeClr>
-                </a:solidFill>
-                <a:latin typeface="나눔명조" pitchFamily="18" charset="-127"/>
-                <a:ea typeface="나눔명조" pitchFamily="18" charset="-127"/>
-              </a:rPr>
-              <a:t>.</a:t>
-            </a:r>
-            <a:endParaRPr lang="ko-KR" altLang="en-US" sz="1300" b="1" spc="-30" dirty="0">
-              <a:solidFill>
-                <a:schemeClr val="tx1">
-                  <a:lumMod val="65000"/>
-                  <a:lumOff val="35000"/>
-                </a:schemeClr>
-              </a:solidFill>
-              <a:latin typeface="나눔명조" pitchFamily="18" charset="-127"/>
-              <a:ea typeface="나눔명조" pitchFamily="18" charset="-127"/>
-            </a:endParaRPr>
-          </a:p>
-        </p:txBody>
-      </p:sp>
-      <p:graphicFrame>
-        <p:nvGraphicFramePr>
-          <p:cNvPr id="11" name="차트 10"/>
-          <p:cNvGraphicFramePr/>
-          <p:nvPr/>
-        </p:nvGraphicFramePr>
-        <p:xfrm>
-          <a:off x="2411506" y="2852936"/>
-          <a:ext cx="6407824" cy="3374405"/>
-        </p:xfrm>
-        <a:graphic>
-          <a:graphicData uri="http://schemas.openxmlformats.org/drawingml/2006/chart">
-            <c:chart xmlns:c="http://schemas.openxmlformats.org/drawingml/2006/chart" xmlns:r="http://schemas.openxmlformats.org/officeDocument/2006/relationships" r:id="rId2"/>
-          </a:graphicData>
-        </a:graphic>
-      </p:graphicFrame>
-      <p:sp>
-        <p:nvSpPr>
-          <p:cNvPr id="12" name="제목 11"/>
-          <p:cNvSpPr>
-            <a:spLocks noGrp="1"/>
-          </p:cNvSpPr>
-          <p:nvPr>
-            <p:ph type="title"/>
-          </p:nvPr>
-        </p:nvSpPr>
-        <p:spPr>
-          <a:xfrm>
-            <a:off x="389706" y="404267"/>
-            <a:ext cx="8229600" cy="864493"/>
-          </a:xfrm>
-        </p:spPr>
-        <p:txBody>
-          <a:bodyPr anchor="t">
-            <a:normAutofit/>
-          </a:bodyPr>
-          <a:lstStyle/>
-          <a:p>
-            <a:pPr algn="l"/>
-            <a:r>
-              <a:rPr lang="ko-KR" altLang="en-US" sz="2400" smtClean="0">
-                <a:solidFill>
-                  <a:schemeClr val="bg1"/>
-                </a:solidFill>
-              </a:rPr>
-              <a:t>차트</a:t>
-            </a:r>
-            <a:endParaRPr lang="ko-KR" altLang="en-US" sz="2400">
-              <a:solidFill>
-                <a:schemeClr val="bg1"/>
-              </a:solidFill>
-            </a:endParaRPr>
-          </a:p>
-        </p:txBody>
-      </p:sp>
-    </p:spTree>
-  </p:cSld>
-  <p:clrMapOvr>
-    <a:masterClrMapping/>
-  </p:clrMapOvr>
-</p:sld>
-</file>
-
-<file path=ppt/slides/slide8.xml><?xml version="1.0" encoding="utf-8"?>
-<p:sld xmlns:a="http://schemas.openxmlformats.org/drawingml/2006/main" xmlns:r="http://schemas.openxmlformats.org/officeDocument/2006/relationships" xmlns:p="http://schemas.openxmlformats.org/presentationml/2006/main">
-  <p:cSld>
-    <p:spTree>
-      <p:nvGrpSpPr>
-        <p:cNvPr id="1" name=""/>
-        <p:cNvGrpSpPr/>
-        <p:nvPr/>
-      </p:nvGrpSpPr>
-      <p:grpSpPr>
-        <a:xfrm>
-          <a:off x="0" y="0"/>
-          <a:ext cx="0" cy="0"/>
-          <a:chOff x="0" y="0"/>
-          <a:chExt cx="0" cy="0"/>
-        </a:xfrm>
-      </p:grpSpPr>
-      <p:graphicFrame>
-        <p:nvGraphicFramePr>
-          <p:cNvPr id="10" name="차트 9"/>
-          <p:cNvGraphicFramePr/>
-          <p:nvPr/>
-        </p:nvGraphicFramePr>
-        <p:xfrm>
-          <a:off x="2187388" y="1514475"/>
-          <a:ext cx="6836477" cy="5343525"/>
-        </p:xfrm>
-        <a:graphic>
-          <a:graphicData uri="http://schemas.openxmlformats.org/drawingml/2006/chart">
-            <c:chart xmlns:c="http://schemas.openxmlformats.org/drawingml/2006/chart" xmlns:r="http://schemas.openxmlformats.org/officeDocument/2006/relationships" r:id="rId2"/>
-          </a:graphicData>
-        </a:graphic>
-      </p:graphicFrame>
-      <p:sp>
-        <p:nvSpPr>
-          <p:cNvPr id="8" name="직사각형 7"/>
-          <p:cNvSpPr/>
-          <p:nvPr/>
-        </p:nvSpPr>
-        <p:spPr>
-          <a:xfrm>
-            <a:off x="323528" y="332657"/>
-            <a:ext cx="8496944" cy="1008111"/>
-          </a:xfrm>
-          <a:prstGeom prst="rect">
-            <a:avLst/>
-          </a:prstGeom>
-          <a:solidFill>
-            <a:srgbClr val="C00000"/>
-          </a:solidFill>
-          <a:ln>
-            <a:noFill/>
-          </a:ln>
-        </p:spPr>
-        <p:style>
-          <a:lnRef idx="2">
-            <a:schemeClr val="accent1">
-              <a:shade val="50000"/>
-            </a:schemeClr>
-          </a:lnRef>
-          <a:fillRef idx="1">
-            <a:schemeClr val="accent1"/>
-          </a:fillRef>
-          <a:effectRef idx="0">
-            <a:schemeClr val="accent1"/>
-          </a:effectRef>
-          <a:fontRef idx="minor">
-            <a:schemeClr val="lt1"/>
-          </a:fontRef>
-        </p:style>
-        <p:txBody>
-          <a:bodyPr rtlCol="0" anchor="ctr"/>
-          <a:lstStyle/>
-          <a:p>
-            <a:pPr algn="ctr"/>
-            <a:endParaRPr lang="ko-KR" altLang="en-US" dirty="0">
-              <a:solidFill>
-                <a:schemeClr val="accent2">
-                  <a:lumMod val="75000"/>
-                </a:schemeClr>
-              </a:solidFill>
-            </a:endParaRPr>
-          </a:p>
-        </p:txBody>
-      </p:sp>
-      <p:sp>
-        <p:nvSpPr>
-          <p:cNvPr id="17" name="TextBox 16"/>
-          <p:cNvSpPr txBox="1"/>
-          <p:nvPr/>
-        </p:nvSpPr>
-        <p:spPr>
-          <a:xfrm>
-            <a:off x="7380312" y="6453336"/>
-            <a:ext cx="1584176" cy="215444"/>
-          </a:xfrm>
-          <a:prstGeom prst="rect">
-            <a:avLst/>
-          </a:prstGeom>
-          <a:noFill/>
-        </p:spPr>
-        <p:txBody>
-          <a:bodyPr wrap="square" rtlCol="0">
-            <a:spAutoFit/>
-          </a:bodyPr>
-          <a:lstStyle/>
-          <a:p>
-            <a:pPr algn="r"/>
-            <a:fld id="{F21F0D38-7387-499E-A9A8-C0EA851748E4}" type="slidenum">
-              <a:rPr lang="en-US" altLang="ko-KR" sz="800" spc="-30" smtClean="0">
-                <a:solidFill>
-                  <a:schemeClr val="tx1">
-                    <a:lumMod val="50000"/>
-                    <a:lumOff val="50000"/>
-                  </a:schemeClr>
-                </a:solidFill>
-                <a:latin typeface="나눔고딕" pitchFamily="50" charset="-127"/>
-                <a:ea typeface="나눔고딕" pitchFamily="50" charset="-127"/>
-              </a:rPr>
-              <a:pPr algn="r"/>
-              <a:t>8</a:t>
-            </a:fld>
-            <a:r>
-              <a:rPr lang="en-US" altLang="ko-KR" sz="800" spc="-30" dirty="0" smtClean="0">
-                <a:solidFill>
-                  <a:schemeClr val="tx1">
-                    <a:lumMod val="50000"/>
-                    <a:lumOff val="50000"/>
-                  </a:schemeClr>
-                </a:solidFill>
-                <a:latin typeface="나눔고딕" pitchFamily="50" charset="-127"/>
-                <a:ea typeface="나눔고딕" pitchFamily="50" charset="-127"/>
-              </a:rPr>
-              <a:t> / 12</a:t>
-            </a:r>
-            <a:endParaRPr lang="en-US" altLang="ko-KR" sz="800" spc="-30" dirty="0">
-              <a:solidFill>
-                <a:schemeClr val="tx1">
-                  <a:lumMod val="50000"/>
-                  <a:lumOff val="50000"/>
-                </a:schemeClr>
-              </a:solidFill>
-              <a:latin typeface="나눔고딕" pitchFamily="50" charset="-127"/>
-              <a:ea typeface="나눔고딕" pitchFamily="50" charset="-127"/>
-            </a:endParaRPr>
-          </a:p>
-        </p:txBody>
-      </p:sp>
-      <p:sp>
-        <p:nvSpPr>
-          <p:cNvPr id="18" name="TextBox 17"/>
-          <p:cNvSpPr txBox="1"/>
-          <p:nvPr/>
-        </p:nvSpPr>
-        <p:spPr>
-          <a:xfrm>
-            <a:off x="2476211" y="1484784"/>
-            <a:ext cx="6272253" cy="1052596"/>
-          </a:xfrm>
-          <a:prstGeom prst="rect">
-            <a:avLst/>
-          </a:prstGeom>
-          <a:noFill/>
-        </p:spPr>
-        <p:txBody>
-          <a:bodyPr wrap="square" rtlCol="0">
-            <a:spAutoFit/>
-          </a:bodyPr>
-          <a:lstStyle/>
-          <a:p>
-            <a:pPr indent="-514350">
-              <a:lnSpc>
-                <a:spcPct val="120000"/>
-              </a:lnSpc>
-            </a:pPr>
-            <a:r>
-              <a:rPr lang="ko-KR" altLang="en-US" sz="1300" b="1" spc="-30" dirty="0" smtClean="0">
-                <a:solidFill>
-                  <a:schemeClr val="tx1">
-                    <a:lumMod val="65000"/>
-                    <a:lumOff val="35000"/>
-                  </a:schemeClr>
-                </a:solidFill>
-                <a:latin typeface="나눔명조" pitchFamily="18" charset="-127"/>
-                <a:ea typeface="나눔명조" pitchFamily="18" charset="-127"/>
-              </a:rPr>
-              <a:t>차트 예시 </a:t>
-            </a:r>
-            <a:r>
-              <a:rPr lang="en-US" altLang="ko-KR" sz="1300" b="1" spc="-30" dirty="0" smtClean="0">
-                <a:solidFill>
-                  <a:schemeClr val="tx1">
-                    <a:lumMod val="65000"/>
-                    <a:lumOff val="35000"/>
-                  </a:schemeClr>
-                </a:solidFill>
-                <a:latin typeface="나눔명조" pitchFamily="18" charset="-127"/>
-                <a:ea typeface="나눔명조" pitchFamily="18" charset="-127"/>
-              </a:rPr>
-              <a:t>:</a:t>
-            </a:r>
-          </a:p>
-          <a:p>
-            <a:pPr indent="-514350">
-              <a:lnSpc>
-                <a:spcPct val="120000"/>
-              </a:lnSpc>
-            </a:pPr>
-            <a:r>
-              <a:rPr lang="ko-KR" altLang="en-US" sz="1300" b="1" spc="-30" dirty="0" smtClean="0">
-                <a:solidFill>
-                  <a:srgbClr val="C00000"/>
-                </a:solidFill>
-                <a:latin typeface="나눔명조" pitchFamily="18" charset="-127"/>
-                <a:ea typeface="나눔명조" pitchFamily="18" charset="-127"/>
-              </a:rPr>
-              <a:t>삽입 </a:t>
-            </a:r>
-            <a:r>
-              <a:rPr lang="en-US" altLang="ko-KR" sz="1300" b="1" spc="-30" dirty="0" smtClean="0">
-                <a:solidFill>
-                  <a:srgbClr val="C00000"/>
-                </a:solidFill>
-                <a:latin typeface="나눔명조" pitchFamily="18" charset="-127"/>
-                <a:ea typeface="나눔명조" pitchFamily="18" charset="-127"/>
-              </a:rPr>
-              <a:t>&gt; </a:t>
-            </a:r>
-            <a:r>
-              <a:rPr lang="ko-KR" altLang="en-US" sz="1300" b="1" spc="-30" dirty="0" smtClean="0">
-                <a:solidFill>
-                  <a:srgbClr val="C00000"/>
-                </a:solidFill>
-                <a:latin typeface="나눔명조" pitchFamily="18" charset="-127"/>
-                <a:ea typeface="나눔명조" pitchFamily="18" charset="-127"/>
-              </a:rPr>
-              <a:t>차트</a:t>
-            </a:r>
-            <a:r>
-              <a:rPr lang="ko-KR" altLang="en-US" sz="1300" b="1" spc="-30" dirty="0" smtClean="0">
-                <a:solidFill>
-                  <a:schemeClr val="tx1">
-                    <a:lumMod val="65000"/>
-                    <a:lumOff val="35000"/>
-                  </a:schemeClr>
-                </a:solidFill>
-                <a:latin typeface="나눔명조" pitchFamily="18" charset="-127"/>
-                <a:ea typeface="나눔명조" pitchFamily="18" charset="-127"/>
-              </a:rPr>
-              <a:t>를</a:t>
-            </a:r>
-            <a:r>
-              <a:rPr lang="ko-KR" altLang="en-US" sz="1300" b="1" spc="-30" dirty="0" smtClean="0">
-                <a:solidFill>
-                  <a:srgbClr val="C00000"/>
-                </a:solidFill>
-                <a:latin typeface="나눔명조" pitchFamily="18" charset="-127"/>
-                <a:ea typeface="나눔명조" pitchFamily="18" charset="-127"/>
-              </a:rPr>
-              <a:t> </a:t>
-            </a:r>
-            <a:r>
-              <a:rPr lang="ko-KR" altLang="en-US" sz="1300" b="1" spc="-30" dirty="0" smtClean="0">
-                <a:solidFill>
-                  <a:schemeClr val="tx1">
-                    <a:lumMod val="65000"/>
-                    <a:lumOff val="35000"/>
-                  </a:schemeClr>
-                </a:solidFill>
-                <a:latin typeface="나눔명조" pitchFamily="18" charset="-127"/>
-                <a:ea typeface="나눔명조" pitchFamily="18" charset="-127"/>
-              </a:rPr>
-              <a:t>이용하여 다양한 차트형태를 구현할 수 있습니다</a:t>
-            </a:r>
-            <a:r>
-              <a:rPr lang="en-US" altLang="ko-KR" sz="1300" b="1" spc="-30" dirty="0" smtClean="0">
-                <a:solidFill>
-                  <a:schemeClr val="tx1">
-                    <a:lumMod val="65000"/>
-                    <a:lumOff val="35000"/>
-                  </a:schemeClr>
-                </a:solidFill>
-                <a:latin typeface="나눔명조" pitchFamily="18" charset="-127"/>
-                <a:ea typeface="나눔명조" pitchFamily="18" charset="-127"/>
-              </a:rPr>
-              <a:t>.</a:t>
-            </a:r>
-          </a:p>
-          <a:p>
-            <a:pPr indent="-514350">
-              <a:lnSpc>
-                <a:spcPct val="120000"/>
-              </a:lnSpc>
-            </a:pPr>
-            <a:r>
-              <a:rPr lang="ko-KR" altLang="en-US" sz="1300" b="1" spc="-30" dirty="0" smtClean="0">
-                <a:solidFill>
-                  <a:schemeClr val="tx1">
-                    <a:lumMod val="65000"/>
-                    <a:lumOff val="35000"/>
-                  </a:schemeClr>
-                </a:solidFill>
-                <a:latin typeface="나눔명조" pitchFamily="18" charset="-127"/>
-                <a:ea typeface="나눔명조" pitchFamily="18" charset="-127"/>
-              </a:rPr>
-              <a:t>표를 선택한 상태에서 </a:t>
-            </a:r>
-            <a:r>
-              <a:rPr lang="ko-KR" altLang="en-US" sz="1300" b="1" spc="-30" dirty="0" err="1" smtClean="0">
-                <a:solidFill>
-                  <a:schemeClr val="tx1">
-                    <a:lumMod val="65000"/>
-                    <a:lumOff val="35000"/>
-                  </a:schemeClr>
-                </a:solidFill>
-                <a:latin typeface="나눔명조" pitchFamily="18" charset="-127"/>
-                <a:ea typeface="나눔명조" pitchFamily="18" charset="-127"/>
-              </a:rPr>
-              <a:t>오른클릭을</a:t>
-            </a:r>
-            <a:r>
-              <a:rPr lang="ko-KR" altLang="en-US" sz="1300" b="1" spc="-30" dirty="0" smtClean="0">
-                <a:solidFill>
-                  <a:schemeClr val="tx1">
-                    <a:lumMod val="65000"/>
-                    <a:lumOff val="35000"/>
-                  </a:schemeClr>
-                </a:solidFill>
-                <a:latin typeface="나눔명조" pitchFamily="18" charset="-127"/>
-                <a:ea typeface="나눔명조" pitchFamily="18" charset="-127"/>
-              </a:rPr>
-              <a:t> 한 뒤</a:t>
-            </a:r>
-            <a:r>
-              <a:rPr lang="en-US" altLang="ko-KR" sz="1300" b="1" spc="-30" dirty="0" smtClean="0">
-                <a:solidFill>
-                  <a:schemeClr val="tx1">
-                    <a:lumMod val="65000"/>
-                    <a:lumOff val="35000"/>
-                  </a:schemeClr>
-                </a:solidFill>
-                <a:latin typeface="나눔명조" pitchFamily="18" charset="-127"/>
-                <a:ea typeface="나눔명조" pitchFamily="18" charset="-127"/>
-              </a:rPr>
-              <a:t>, </a:t>
-            </a:r>
-            <a:r>
-              <a:rPr lang="ko-KR" altLang="en-US" sz="1300" b="1" spc="-30" dirty="0" smtClean="0">
-                <a:solidFill>
-                  <a:srgbClr val="C00000"/>
-                </a:solidFill>
-                <a:latin typeface="나눔명조" pitchFamily="18" charset="-127"/>
-                <a:ea typeface="나눔명조" pitchFamily="18" charset="-127"/>
-              </a:rPr>
-              <a:t>데이터 편집</a:t>
-            </a:r>
-            <a:r>
-              <a:rPr lang="ko-KR" altLang="en-US" sz="1300" b="1" spc="-30" dirty="0" smtClean="0">
-                <a:solidFill>
-                  <a:schemeClr val="tx1">
-                    <a:lumMod val="65000"/>
-                    <a:lumOff val="35000"/>
-                  </a:schemeClr>
-                </a:solidFill>
-                <a:latin typeface="나눔명조" pitchFamily="18" charset="-127"/>
-                <a:ea typeface="나눔명조" pitchFamily="18" charset="-127"/>
-              </a:rPr>
-              <a:t>을 클릭하여</a:t>
-            </a:r>
-            <a:endParaRPr lang="en-US" altLang="ko-KR" sz="1300" b="1" spc="-30" dirty="0" smtClean="0">
-              <a:solidFill>
-                <a:schemeClr val="tx1">
-                  <a:lumMod val="65000"/>
-                  <a:lumOff val="35000"/>
-                </a:schemeClr>
-              </a:solidFill>
-              <a:latin typeface="나눔명조" pitchFamily="18" charset="-127"/>
-              <a:ea typeface="나눔명조" pitchFamily="18" charset="-127"/>
-            </a:endParaRPr>
-          </a:p>
-          <a:p>
-            <a:pPr indent="-514350">
-              <a:lnSpc>
-                <a:spcPct val="120000"/>
-              </a:lnSpc>
-            </a:pPr>
-            <a:r>
-              <a:rPr lang="ko-KR" altLang="en-US" sz="1300" b="1" spc="-30" dirty="0" smtClean="0">
-                <a:solidFill>
-                  <a:schemeClr val="tx1">
-                    <a:lumMod val="65000"/>
-                    <a:lumOff val="35000"/>
-                  </a:schemeClr>
-                </a:solidFill>
-                <a:latin typeface="나눔명조" pitchFamily="18" charset="-127"/>
-                <a:ea typeface="나눔명조" pitchFamily="18" charset="-127"/>
-              </a:rPr>
-              <a:t>실제 내용과 수치를 편집해 사용할 수 있습니다</a:t>
-            </a:r>
-            <a:r>
-              <a:rPr lang="en-US" altLang="ko-KR" sz="1300" b="1" spc="-30" dirty="0" smtClean="0">
-                <a:solidFill>
-                  <a:schemeClr val="tx1">
-                    <a:lumMod val="65000"/>
-                    <a:lumOff val="35000"/>
-                  </a:schemeClr>
-                </a:solidFill>
-                <a:latin typeface="나눔명조" pitchFamily="18" charset="-127"/>
-                <a:ea typeface="나눔명조" pitchFamily="18" charset="-127"/>
-              </a:rPr>
-              <a:t>.</a:t>
-            </a:r>
-            <a:endParaRPr lang="ko-KR" altLang="en-US" sz="1300" b="1" spc="-30" dirty="0">
-              <a:solidFill>
-                <a:schemeClr val="tx1">
-                  <a:lumMod val="65000"/>
-                  <a:lumOff val="35000"/>
-                </a:schemeClr>
-              </a:solidFill>
-              <a:latin typeface="나눔명조" pitchFamily="18" charset="-127"/>
-              <a:ea typeface="나눔명조" pitchFamily="18" charset="-127"/>
-            </a:endParaRPr>
-          </a:p>
-        </p:txBody>
-      </p:sp>
-      <p:sp>
-        <p:nvSpPr>
-          <p:cNvPr id="12" name="제목 11"/>
-          <p:cNvSpPr>
-            <a:spLocks noGrp="1"/>
-          </p:cNvSpPr>
-          <p:nvPr>
-            <p:ph type="title"/>
-          </p:nvPr>
-        </p:nvSpPr>
-        <p:spPr>
-          <a:xfrm>
-            <a:off x="395536" y="404267"/>
-            <a:ext cx="8229600" cy="1143000"/>
-          </a:xfrm>
-        </p:spPr>
-        <p:txBody>
-          <a:bodyPr anchor="t">
-            <a:normAutofit/>
-          </a:bodyPr>
-          <a:lstStyle/>
-          <a:p>
-            <a:pPr algn="l"/>
-            <a:r>
-              <a:rPr lang="ko-KR" altLang="en-US" sz="2400" smtClean="0">
-                <a:solidFill>
-                  <a:schemeClr val="bg1"/>
-                </a:solidFill>
-              </a:rPr>
-              <a:t>차트</a:t>
-            </a:r>
-            <a:endParaRPr lang="ko-KR" altLang="en-US" sz="2400">
-              <a:solidFill>
-                <a:schemeClr val="bg1"/>
-              </a:solidFill>
-            </a:endParaRPr>
-          </a:p>
-        </p:txBody>
-      </p:sp>
-    </p:spTree>
-  </p:cSld>
-  <p:clrMapOvr>
-    <a:masterClrMapping/>
-  </p:clrMapOvr>
-</p:sld>
-</file>
-
-<file path=ppt/slides/slide9.xml><?xml version="1.0" encoding="utf-8"?>
-<p:sld xmlns:a="http://schemas.openxmlformats.org/drawingml/2006/main" xmlns:r="http://schemas.openxmlformats.org/officeDocument/2006/relationships" xmlns:p="http://schemas.openxmlformats.org/presentationml/2006/main">
-  <p:cSld>
-    <p:spTree>
-      <p:nvGrpSpPr>
-        <p:cNvPr id="1" name=""/>
-        <p:cNvGrpSpPr/>
-        <p:nvPr/>
-      </p:nvGrpSpPr>
-      <p:grpSpPr>
-        <a:xfrm>
-          <a:off x="0" y="0"/>
-          <a:ext cx="0" cy="0"/>
-          <a:chOff x="0" y="0"/>
-          <a:chExt cx="0" cy="0"/>
-        </a:xfrm>
-      </p:grpSpPr>
-      <p:sp>
-        <p:nvSpPr>
-          <p:cNvPr id="8" name="직사각형 7"/>
-          <p:cNvSpPr/>
-          <p:nvPr/>
-        </p:nvSpPr>
-        <p:spPr>
-          <a:xfrm>
-            <a:off x="323528" y="332657"/>
-            <a:ext cx="8496944" cy="1008111"/>
-          </a:xfrm>
-          <a:prstGeom prst="rect">
-            <a:avLst/>
-          </a:prstGeom>
-          <a:solidFill>
-            <a:srgbClr val="C00000"/>
-          </a:solidFill>
-          <a:ln>
-            <a:noFill/>
-          </a:ln>
-        </p:spPr>
-        <p:style>
-          <a:lnRef idx="2">
-            <a:schemeClr val="accent1">
-              <a:shade val="50000"/>
-            </a:schemeClr>
-          </a:lnRef>
-          <a:fillRef idx="1">
-            <a:schemeClr val="accent1"/>
-          </a:fillRef>
-          <a:effectRef idx="0">
-            <a:schemeClr val="accent1"/>
-          </a:effectRef>
-          <a:fontRef idx="minor">
-            <a:schemeClr val="lt1"/>
-          </a:fontRef>
-        </p:style>
-        <p:txBody>
-          <a:bodyPr rtlCol="0" anchor="ctr"/>
-          <a:lstStyle/>
-          <a:p>
-            <a:pPr algn="ctr"/>
-            <a:endParaRPr lang="ko-KR" altLang="en-US" dirty="0">
-              <a:solidFill>
-                <a:schemeClr val="accent2">
-                  <a:lumMod val="75000"/>
-                </a:schemeClr>
-              </a:solidFill>
-            </a:endParaRPr>
-          </a:p>
-        </p:txBody>
-      </p:sp>
-      <p:sp>
-        <p:nvSpPr>
-          <p:cNvPr id="17" name="TextBox 16"/>
-          <p:cNvSpPr txBox="1"/>
-          <p:nvPr/>
-        </p:nvSpPr>
-        <p:spPr>
-          <a:xfrm>
-            <a:off x="7380312" y="6453336"/>
-            <a:ext cx="1584176" cy="215444"/>
-          </a:xfrm>
-          <a:prstGeom prst="rect">
-            <a:avLst/>
-          </a:prstGeom>
-          <a:noFill/>
-        </p:spPr>
-        <p:txBody>
-          <a:bodyPr wrap="square" rtlCol="0">
-            <a:spAutoFit/>
-          </a:bodyPr>
-          <a:lstStyle/>
-          <a:p>
-            <a:pPr algn="r"/>
-            <a:fld id="{43C45F53-791E-4765-9645-A480124BFFE6}" type="slidenum">
-              <a:rPr lang="en-US" altLang="ko-KR" sz="800" spc="-30" smtClean="0">
-                <a:solidFill>
-                  <a:schemeClr val="tx1">
-                    <a:lumMod val="50000"/>
-                    <a:lumOff val="50000"/>
-                  </a:schemeClr>
-                </a:solidFill>
-                <a:latin typeface="나눔고딕" pitchFamily="50" charset="-127"/>
-                <a:ea typeface="나눔고딕" pitchFamily="50" charset="-127"/>
-              </a:rPr>
-              <a:pPr algn="r"/>
-              <a:t>9</a:t>
-            </a:fld>
-            <a:r>
-              <a:rPr lang="en-US" altLang="ko-KR" sz="800" spc="-30" dirty="0" smtClean="0">
-                <a:solidFill>
-                  <a:schemeClr val="tx1">
-                    <a:lumMod val="50000"/>
-                    <a:lumOff val="50000"/>
-                  </a:schemeClr>
-                </a:solidFill>
-                <a:latin typeface="나눔고딕" pitchFamily="50" charset="-127"/>
-                <a:ea typeface="나눔고딕" pitchFamily="50" charset="-127"/>
-              </a:rPr>
-              <a:t> / 12</a:t>
-            </a:r>
-            <a:endParaRPr lang="en-US" altLang="ko-KR" sz="800" spc="-30" dirty="0">
-              <a:solidFill>
-                <a:schemeClr val="tx1">
-                  <a:lumMod val="50000"/>
-                  <a:lumOff val="50000"/>
-                </a:schemeClr>
-              </a:solidFill>
-              <a:latin typeface="나눔고딕" pitchFamily="50" charset="-127"/>
-              <a:ea typeface="나눔고딕" pitchFamily="50" charset="-127"/>
-            </a:endParaRPr>
-          </a:p>
-        </p:txBody>
-      </p:sp>
-      <p:graphicFrame>
-        <p:nvGraphicFramePr>
-          <p:cNvPr id="11" name="차트 10"/>
-          <p:cNvGraphicFramePr/>
-          <p:nvPr/>
-        </p:nvGraphicFramePr>
-        <p:xfrm>
-          <a:off x="414308" y="2521465"/>
-          <a:ext cx="4587980" cy="3681188"/>
-        </p:xfrm>
-        <a:graphic>
-          <a:graphicData uri="http://schemas.openxmlformats.org/drawingml/2006/chart">
-            <c:chart xmlns:c="http://schemas.openxmlformats.org/drawingml/2006/chart" xmlns:r="http://schemas.openxmlformats.org/officeDocument/2006/relationships" r:id="rId2"/>
-          </a:graphicData>
-        </a:graphic>
-      </p:graphicFrame>
-      <p:graphicFrame>
-        <p:nvGraphicFramePr>
-          <p:cNvPr id="12" name="차트 11"/>
-          <p:cNvGraphicFramePr/>
-          <p:nvPr/>
-        </p:nvGraphicFramePr>
-        <p:xfrm>
-          <a:off x="4355976" y="2492896"/>
-          <a:ext cx="4419601" cy="3729318"/>
-        </p:xfrm>
-        <a:graphic>
-          <a:graphicData uri="http://schemas.openxmlformats.org/drawingml/2006/chart">
-            <c:chart xmlns:c="http://schemas.openxmlformats.org/drawingml/2006/chart" xmlns:r="http://schemas.openxmlformats.org/officeDocument/2006/relationships" r:id="rId3"/>
-          </a:graphicData>
-        </a:graphic>
-      </p:graphicFrame>
-      <p:sp>
-        <p:nvSpPr>
-          <p:cNvPr id="10" name="TextBox 9"/>
-          <p:cNvSpPr txBox="1"/>
-          <p:nvPr/>
-        </p:nvSpPr>
-        <p:spPr>
-          <a:xfrm>
-            <a:off x="2476211" y="1484784"/>
-            <a:ext cx="6272253" cy="1052596"/>
-          </a:xfrm>
-          <a:prstGeom prst="rect">
-            <a:avLst/>
-          </a:prstGeom>
-          <a:noFill/>
-        </p:spPr>
-        <p:txBody>
-          <a:bodyPr wrap="square" rtlCol="0">
-            <a:spAutoFit/>
-          </a:bodyPr>
-          <a:lstStyle/>
-          <a:p>
-            <a:pPr indent="-514350">
-              <a:lnSpc>
-                <a:spcPct val="120000"/>
-              </a:lnSpc>
-            </a:pPr>
-            <a:r>
-              <a:rPr lang="ko-KR" altLang="en-US" sz="1300" b="1" spc="-30" dirty="0" smtClean="0">
-                <a:solidFill>
-                  <a:schemeClr val="tx1">
-                    <a:lumMod val="65000"/>
-                    <a:lumOff val="35000"/>
-                  </a:schemeClr>
-                </a:solidFill>
-                <a:latin typeface="나눔명조" pitchFamily="18" charset="-127"/>
-                <a:ea typeface="나눔명조" pitchFamily="18" charset="-127"/>
-              </a:rPr>
-              <a:t>차트 예시 </a:t>
-            </a:r>
-            <a:r>
-              <a:rPr lang="en-US" altLang="ko-KR" sz="1300" b="1" spc="-30" dirty="0" smtClean="0">
-                <a:solidFill>
-                  <a:schemeClr val="tx1">
-                    <a:lumMod val="65000"/>
-                    <a:lumOff val="35000"/>
-                  </a:schemeClr>
-                </a:solidFill>
-                <a:latin typeface="나눔명조" pitchFamily="18" charset="-127"/>
-                <a:ea typeface="나눔명조" pitchFamily="18" charset="-127"/>
-              </a:rPr>
-              <a:t>:</a:t>
-            </a:r>
-          </a:p>
-          <a:p>
-            <a:pPr indent="-514350">
-              <a:lnSpc>
-                <a:spcPct val="120000"/>
-              </a:lnSpc>
-            </a:pPr>
-            <a:r>
-              <a:rPr lang="ko-KR" altLang="en-US" sz="1300" b="1" spc="-30" dirty="0" smtClean="0">
-                <a:solidFill>
-                  <a:srgbClr val="C00000"/>
-                </a:solidFill>
-                <a:latin typeface="나눔명조" pitchFamily="18" charset="-127"/>
-                <a:ea typeface="나눔명조" pitchFamily="18" charset="-127"/>
-              </a:rPr>
-              <a:t>삽입 </a:t>
-            </a:r>
-            <a:r>
-              <a:rPr lang="en-US" altLang="ko-KR" sz="1300" b="1" spc="-30" dirty="0" smtClean="0">
-                <a:solidFill>
-                  <a:srgbClr val="C00000"/>
-                </a:solidFill>
-                <a:latin typeface="나눔명조" pitchFamily="18" charset="-127"/>
-                <a:ea typeface="나눔명조" pitchFamily="18" charset="-127"/>
-              </a:rPr>
-              <a:t>&gt; </a:t>
-            </a:r>
-            <a:r>
-              <a:rPr lang="ko-KR" altLang="en-US" sz="1300" b="1" spc="-30" dirty="0" smtClean="0">
-                <a:solidFill>
-                  <a:srgbClr val="C00000"/>
-                </a:solidFill>
-                <a:latin typeface="나눔명조" pitchFamily="18" charset="-127"/>
-                <a:ea typeface="나눔명조" pitchFamily="18" charset="-127"/>
-              </a:rPr>
-              <a:t>차트</a:t>
-            </a:r>
-            <a:r>
-              <a:rPr lang="ko-KR" altLang="en-US" sz="1300" b="1" spc="-30" dirty="0" smtClean="0">
-                <a:solidFill>
-                  <a:schemeClr val="tx1">
-                    <a:lumMod val="65000"/>
-                    <a:lumOff val="35000"/>
-                  </a:schemeClr>
-                </a:solidFill>
-                <a:latin typeface="나눔명조" pitchFamily="18" charset="-127"/>
-                <a:ea typeface="나눔명조" pitchFamily="18" charset="-127"/>
-              </a:rPr>
-              <a:t>를</a:t>
-            </a:r>
-            <a:r>
-              <a:rPr lang="ko-KR" altLang="en-US" sz="1300" b="1" spc="-30" dirty="0" smtClean="0">
-                <a:solidFill>
-                  <a:srgbClr val="C00000"/>
-                </a:solidFill>
-                <a:latin typeface="나눔명조" pitchFamily="18" charset="-127"/>
-                <a:ea typeface="나눔명조" pitchFamily="18" charset="-127"/>
-              </a:rPr>
-              <a:t> </a:t>
-            </a:r>
-            <a:r>
-              <a:rPr lang="ko-KR" altLang="en-US" sz="1300" b="1" spc="-30" dirty="0" smtClean="0">
-                <a:solidFill>
-                  <a:schemeClr val="tx1">
-                    <a:lumMod val="65000"/>
-                    <a:lumOff val="35000"/>
-                  </a:schemeClr>
-                </a:solidFill>
-                <a:latin typeface="나눔명조" pitchFamily="18" charset="-127"/>
-                <a:ea typeface="나눔명조" pitchFamily="18" charset="-127"/>
-              </a:rPr>
-              <a:t>이용하여 다양한 차트형태를 구현할 수 있습니다</a:t>
-            </a:r>
-            <a:r>
-              <a:rPr lang="en-US" altLang="ko-KR" sz="1300" b="1" spc="-30" dirty="0" smtClean="0">
-                <a:solidFill>
-                  <a:schemeClr val="tx1">
-                    <a:lumMod val="65000"/>
-                    <a:lumOff val="35000"/>
-                  </a:schemeClr>
-                </a:solidFill>
-                <a:latin typeface="나눔명조" pitchFamily="18" charset="-127"/>
-                <a:ea typeface="나눔명조" pitchFamily="18" charset="-127"/>
-              </a:rPr>
-              <a:t>.</a:t>
-            </a:r>
-          </a:p>
-          <a:p>
-            <a:pPr indent="-514350">
-              <a:lnSpc>
-                <a:spcPct val="120000"/>
-              </a:lnSpc>
-            </a:pPr>
-            <a:r>
-              <a:rPr lang="ko-KR" altLang="en-US" sz="1300" b="1" spc="-30" dirty="0" smtClean="0">
-                <a:solidFill>
-                  <a:schemeClr val="tx1">
-                    <a:lumMod val="65000"/>
-                    <a:lumOff val="35000"/>
-                  </a:schemeClr>
-                </a:solidFill>
-                <a:latin typeface="나눔명조" pitchFamily="18" charset="-127"/>
-                <a:ea typeface="나눔명조" pitchFamily="18" charset="-127"/>
-              </a:rPr>
-              <a:t>표를 선택한 상태에서 </a:t>
-            </a:r>
-            <a:r>
-              <a:rPr lang="ko-KR" altLang="en-US" sz="1300" b="1" spc="-30" dirty="0" err="1" smtClean="0">
-                <a:solidFill>
-                  <a:schemeClr val="tx1">
-                    <a:lumMod val="65000"/>
-                    <a:lumOff val="35000"/>
-                  </a:schemeClr>
-                </a:solidFill>
-                <a:latin typeface="나눔명조" pitchFamily="18" charset="-127"/>
-                <a:ea typeface="나눔명조" pitchFamily="18" charset="-127"/>
-              </a:rPr>
-              <a:t>오른클릭을</a:t>
-            </a:r>
-            <a:r>
-              <a:rPr lang="ko-KR" altLang="en-US" sz="1300" b="1" spc="-30" dirty="0" smtClean="0">
-                <a:solidFill>
-                  <a:schemeClr val="tx1">
-                    <a:lumMod val="65000"/>
-                    <a:lumOff val="35000"/>
-                  </a:schemeClr>
-                </a:solidFill>
-                <a:latin typeface="나눔명조" pitchFamily="18" charset="-127"/>
-                <a:ea typeface="나눔명조" pitchFamily="18" charset="-127"/>
-              </a:rPr>
-              <a:t> 한 뒤</a:t>
-            </a:r>
-            <a:r>
-              <a:rPr lang="en-US" altLang="ko-KR" sz="1300" b="1" spc="-30" dirty="0" smtClean="0">
-                <a:solidFill>
-                  <a:schemeClr val="tx1">
-                    <a:lumMod val="65000"/>
-                    <a:lumOff val="35000"/>
-                  </a:schemeClr>
-                </a:solidFill>
-                <a:latin typeface="나눔명조" pitchFamily="18" charset="-127"/>
-                <a:ea typeface="나눔명조" pitchFamily="18" charset="-127"/>
-              </a:rPr>
-              <a:t>, </a:t>
-            </a:r>
-            <a:r>
-              <a:rPr lang="ko-KR" altLang="en-US" sz="1300" b="1" spc="-30" dirty="0" smtClean="0">
-                <a:solidFill>
-                  <a:srgbClr val="C00000"/>
-                </a:solidFill>
-                <a:latin typeface="나눔명조" pitchFamily="18" charset="-127"/>
-                <a:ea typeface="나눔명조" pitchFamily="18" charset="-127"/>
-              </a:rPr>
-              <a:t>데이터 편집</a:t>
-            </a:r>
-            <a:r>
-              <a:rPr lang="ko-KR" altLang="en-US" sz="1300" b="1" spc="-30" dirty="0" smtClean="0">
-                <a:solidFill>
-                  <a:schemeClr val="tx1">
-                    <a:lumMod val="65000"/>
-                    <a:lumOff val="35000"/>
-                  </a:schemeClr>
-                </a:solidFill>
-                <a:latin typeface="나눔명조" pitchFamily="18" charset="-127"/>
-                <a:ea typeface="나눔명조" pitchFamily="18" charset="-127"/>
-              </a:rPr>
-              <a:t>을 클릭하여</a:t>
-            </a:r>
-            <a:endParaRPr lang="en-US" altLang="ko-KR" sz="1300" b="1" spc="-30" dirty="0" smtClean="0">
-              <a:solidFill>
-                <a:schemeClr val="tx1">
-                  <a:lumMod val="65000"/>
-                  <a:lumOff val="35000"/>
-                </a:schemeClr>
-              </a:solidFill>
-              <a:latin typeface="나눔명조" pitchFamily="18" charset="-127"/>
-              <a:ea typeface="나눔명조" pitchFamily="18" charset="-127"/>
-            </a:endParaRPr>
-          </a:p>
-          <a:p>
-            <a:pPr indent="-514350">
-              <a:lnSpc>
-                <a:spcPct val="120000"/>
-              </a:lnSpc>
-            </a:pPr>
-            <a:r>
-              <a:rPr lang="ko-KR" altLang="en-US" sz="1300" b="1" spc="-30" dirty="0" smtClean="0">
-                <a:solidFill>
-                  <a:schemeClr val="tx1">
-                    <a:lumMod val="65000"/>
-                    <a:lumOff val="35000"/>
-                  </a:schemeClr>
-                </a:solidFill>
-                <a:latin typeface="나눔명조" pitchFamily="18" charset="-127"/>
-                <a:ea typeface="나눔명조" pitchFamily="18" charset="-127"/>
-              </a:rPr>
-              <a:t>실제 내용과 수치를 편집해 사용할 수 있습니다</a:t>
-            </a:r>
-            <a:r>
-              <a:rPr lang="en-US" altLang="ko-KR" sz="1300" b="1" spc="-30" dirty="0" smtClean="0">
-                <a:solidFill>
-                  <a:schemeClr val="tx1">
-                    <a:lumMod val="65000"/>
-                    <a:lumOff val="35000"/>
-                  </a:schemeClr>
-                </a:solidFill>
-                <a:latin typeface="나눔명조" pitchFamily="18" charset="-127"/>
-                <a:ea typeface="나눔명조" pitchFamily="18" charset="-127"/>
-              </a:rPr>
-              <a:t>.</a:t>
-            </a:r>
-            <a:endParaRPr lang="ko-KR" altLang="en-US" sz="1300" b="1" spc="-30" dirty="0">
-              <a:solidFill>
-                <a:schemeClr val="tx1">
-                  <a:lumMod val="65000"/>
-                  <a:lumOff val="35000"/>
-                </a:schemeClr>
-              </a:solidFill>
-              <a:latin typeface="나눔명조" pitchFamily="18" charset="-127"/>
-              <a:ea typeface="나눔명조" pitchFamily="18" charset="-127"/>
-            </a:endParaRPr>
-          </a:p>
-        </p:txBody>
-      </p:sp>
-      <p:sp>
-        <p:nvSpPr>
-          <p:cNvPr id="13" name="제목 12"/>
-          <p:cNvSpPr>
-            <a:spLocks noGrp="1"/>
-          </p:cNvSpPr>
-          <p:nvPr>
-            <p:ph type="title"/>
-          </p:nvPr>
-        </p:nvSpPr>
-        <p:spPr>
-          <a:xfrm>
-            <a:off x="395536" y="404267"/>
-            <a:ext cx="8229600" cy="864493"/>
-          </a:xfrm>
-        </p:spPr>
-        <p:txBody>
-          <a:bodyPr anchor="t">
-            <a:normAutofit/>
-          </a:bodyPr>
-          <a:lstStyle/>
-          <a:p>
-            <a:pPr algn="l"/>
-            <a:r>
-              <a:rPr lang="ko-KR" altLang="en-US" sz="2400" smtClean="0">
-                <a:solidFill>
-                  <a:schemeClr val="bg1"/>
-                </a:solidFill>
-              </a:rPr>
-              <a:t>차트</a:t>
             </a:r>
             <a:endParaRPr lang="ko-KR" altLang="en-US" sz="2400">
               <a:solidFill>
